--- a/Presentazione_YesWeKAN.pptx
+++ b/Presentazione_YesWeKAN.pptx
@@ -5,7 +5,7 @@
     <p:sldMasterId id="2147483659" r:id="rId1"/>
   </p:sldMasterIdLst>
   <p:notesMasterIdLst>
-    <p:notesMasterId r:id="rId26"/>
+    <p:notesMasterId r:id="rId27"/>
   </p:notesMasterIdLst>
   <p:sldIdLst>
     <p:sldId id="256" r:id="rId2"/>
@@ -24,14 +24,15 @@
     <p:sldId id="269" r:id="rId15"/>
     <p:sldId id="270" r:id="rId16"/>
     <p:sldId id="271" r:id="rId17"/>
-    <p:sldId id="272" r:id="rId18"/>
-    <p:sldId id="273" r:id="rId19"/>
-    <p:sldId id="274" r:id="rId20"/>
-    <p:sldId id="275" r:id="rId21"/>
-    <p:sldId id="276" r:id="rId22"/>
-    <p:sldId id="277" r:id="rId23"/>
-    <p:sldId id="278" r:id="rId24"/>
-    <p:sldId id="279" r:id="rId25"/>
+    <p:sldId id="280" r:id="rId18"/>
+    <p:sldId id="272" r:id="rId19"/>
+    <p:sldId id="273" r:id="rId20"/>
+    <p:sldId id="274" r:id="rId21"/>
+    <p:sldId id="275" r:id="rId22"/>
+    <p:sldId id="276" r:id="rId23"/>
+    <p:sldId id="277" r:id="rId24"/>
+    <p:sldId id="278" r:id="rId25"/>
+    <p:sldId id="279" r:id="rId26"/>
   </p:sldIdLst>
   <p:sldSz cx="12192000" cy="6858000"/>
   <p:notesSz cx="6858000" cy="9144000"/>
@@ -2754,6 +2755,175 @@
   <p:cSld>
     <p:spTree>
       <p:nvGrpSpPr>
+        <p:cNvPr id="1" name="Shape 241"/>
+        <p:cNvGrpSpPr/>
+        <p:nvPr/>
+      </p:nvGrpSpPr>
+      <p:grpSpPr>
+        <a:xfrm>
+          <a:off x="0" y="0"/>
+          <a:ext cx="0" cy="0"/>
+          <a:chOff x="0" y="0"/>
+          <a:chExt cx="0" cy="0"/>
+        </a:xfrm>
+      </p:grpSpPr>
+      <p:sp>
+        <p:nvSpPr>
+          <p:cNvPr id="242" name="Google Shape;242;g2eb2196a626_0_22:notes"/>
+          <p:cNvSpPr>
+            <a:spLocks noGrp="1" noRot="1" noChangeAspect="1"/>
+          </p:cNvSpPr>
+          <p:nvPr>
+            <p:ph type="sldImg" idx="2"/>
+          </p:nvPr>
+        </p:nvSpPr>
+        <p:spPr>
+          <a:xfrm>
+            <a:off x="685800" y="1143000"/>
+            <a:ext cx="5486400" cy="3086100"/>
+          </a:xfrm>
+          <a:custGeom>
+            <a:avLst/>
+            <a:gdLst/>
+            <a:ahLst/>
+            <a:cxnLst/>
+            <a:rect l="l" t="t" r="r" b="b"/>
+            <a:pathLst>
+              <a:path w="120000" h="120000" extrusionOk="0">
+                <a:moveTo>
+                  <a:pt x="0" y="0"/>
+                </a:moveTo>
+                <a:lnTo>
+                  <a:pt x="120000" y="0"/>
+                </a:lnTo>
+                <a:lnTo>
+                  <a:pt x="120000" y="120000"/>
+                </a:lnTo>
+                <a:lnTo>
+                  <a:pt x="0" y="120000"/>
+                </a:lnTo>
+                <a:close/>
+              </a:path>
+            </a:pathLst>
+          </a:custGeom>
+          <a:noFill/>
+          <a:ln w="12700" cap="flat" cmpd="sng">
+            <a:solidFill>
+              <a:srgbClr val="000000"/>
+            </a:solidFill>
+            <a:prstDash val="solid"/>
+            <a:round/>
+            <a:headEnd type="none" w="sm" len="sm"/>
+            <a:tailEnd type="none" w="sm" len="sm"/>
+          </a:ln>
+        </p:spPr>
+      </p:sp>
+      <p:sp>
+        <p:nvSpPr>
+          <p:cNvPr id="243" name="Google Shape;243;g2eb2196a626_0_22:notes"/>
+          <p:cNvSpPr txBox="1">
+            <a:spLocks noGrp="1"/>
+          </p:cNvSpPr>
+          <p:nvPr>
+            <p:ph type="body" idx="1"/>
+          </p:nvPr>
+        </p:nvSpPr>
+        <p:spPr>
+          <a:xfrm>
+            <a:off x="685800" y="4400550"/>
+            <a:ext cx="5486400" cy="3600600"/>
+          </a:xfrm>
+          <a:prstGeom prst="rect">
+            <a:avLst/>
+          </a:prstGeom>
+          <a:noFill/>
+          <a:ln>
+            <a:noFill/>
+          </a:ln>
+        </p:spPr>
+        <p:txBody>
+          <a:bodyPr spcFirstLastPara="1" wrap="square" lIns="91425" tIns="45700" rIns="91425" bIns="45700" anchor="t" anchorCtr="0">
+            <a:noAutofit/>
+          </a:bodyPr>
+          <a:lstStyle/>
+          <a:p>
+            <a:pPr marL="0" lvl="0" indent="0" algn="l" rtl="0">
+              <a:spcBef>
+                <a:spcPts val="0"/>
+              </a:spcBef>
+              <a:spcAft>
+                <a:spcPts val="0"/>
+              </a:spcAft>
+              <a:buNone/>
+            </a:pPr>
+            <a:endParaRPr/>
+          </a:p>
+        </p:txBody>
+      </p:sp>
+      <p:sp>
+        <p:nvSpPr>
+          <p:cNvPr id="244" name="Google Shape;244;g2eb2196a626_0_22:notes"/>
+          <p:cNvSpPr txBox="1">
+            <a:spLocks noGrp="1"/>
+          </p:cNvSpPr>
+          <p:nvPr>
+            <p:ph type="sldNum" idx="12"/>
+          </p:nvPr>
+        </p:nvSpPr>
+        <p:spPr>
+          <a:xfrm>
+            <a:off x="3884613" y="8685213"/>
+            <a:ext cx="2971800" cy="458700"/>
+          </a:xfrm>
+          <a:prstGeom prst="rect">
+            <a:avLst/>
+          </a:prstGeom>
+          <a:noFill/>
+          <a:ln>
+            <a:noFill/>
+          </a:ln>
+        </p:spPr>
+        <p:txBody>
+          <a:bodyPr spcFirstLastPara="1" wrap="square" lIns="91425" tIns="45700" rIns="91425" bIns="45700" anchor="b" anchorCtr="0">
+            <a:noAutofit/>
+          </a:bodyPr>
+          <a:lstStyle/>
+          <a:p>
+            <a:pPr marL="0" lvl="0" indent="0" algn="r" rtl="0">
+              <a:spcBef>
+                <a:spcPts val="0"/>
+              </a:spcBef>
+              <a:spcAft>
+                <a:spcPts val="0"/>
+              </a:spcAft>
+              <a:buNone/>
+            </a:pPr>
+            <a:fld id="{00000000-1234-1234-1234-123412341234}" type="slidenum">
+              <a:rPr lang="it-IT"/>
+              <a:t>17</a:t>
+            </a:fld>
+            <a:endParaRPr/>
+          </a:p>
+        </p:txBody>
+      </p:sp>
+    </p:spTree>
+    <p:extLst>
+      <p:ext uri="{BB962C8B-B14F-4D97-AF65-F5344CB8AC3E}">
+        <p14:creationId xmlns:p14="http://schemas.microsoft.com/office/powerpoint/2010/main" val="4095570421"/>
+      </p:ext>
+    </p:extLst>
+  </p:cSld>
+  <p:clrMapOvr>
+    <a:masterClrMapping/>
+  </p:clrMapOvr>
+</p:notes>
+</file>
+
+<file path=ppt/notesSlides/notesSlide18.xml><?xml version="1.0" encoding="utf-8"?>
+<p:notes xmlns:a="http://schemas.openxmlformats.org/drawingml/2006/main" xmlns:r="http://schemas.openxmlformats.org/officeDocument/2006/relationships" xmlns:p="http://schemas.openxmlformats.org/presentationml/2006/main" showMasterSp="0" showMasterPhAnim="0">
+  <p:cSld>
+    <p:spTree>
+      <p:nvGrpSpPr>
         <p:cNvPr id="1" name="Shape 250"/>
         <p:cNvGrpSpPr/>
         <p:nvPr/>
@@ -2899,7 +3069,7 @@
             </a:pPr>
             <a:fld id="{00000000-1234-1234-1234-123412341234}" type="slidenum">
               <a:rPr lang="it-IT"/>
-              <a:t>17</a:t>
+              <a:t>18</a:t>
             </a:fld>
             <a:endParaRPr/>
           </a:p>
@@ -2913,7 +3083,7 @@
 </p:notes>
 </file>
 
-<file path=ppt/notesSlides/notesSlide18.xml><?xml version="1.0" encoding="utf-8"?>
+<file path=ppt/notesSlides/notesSlide19.xml><?xml version="1.0" encoding="utf-8"?>
 <p:notes xmlns:a="http://schemas.openxmlformats.org/drawingml/2006/main" xmlns:r="http://schemas.openxmlformats.org/officeDocument/2006/relationships" xmlns:p="http://schemas.openxmlformats.org/presentationml/2006/main" showMasterSp="0" showMasterPhAnim="0">
   <p:cSld>
     <p:spTree>
@@ -3026,170 +3196,6 @@
       <p:sp>
         <p:nvSpPr>
           <p:cNvPr id="261" name="Google Shape;261;g2ec91162f16_0_16:notes"/>
-          <p:cNvSpPr txBox="1">
-            <a:spLocks noGrp="1"/>
-          </p:cNvSpPr>
-          <p:nvPr>
-            <p:ph type="sldNum" idx="12"/>
-          </p:nvPr>
-        </p:nvSpPr>
-        <p:spPr>
-          <a:xfrm>
-            <a:off x="3884613" y="8685213"/>
-            <a:ext cx="2971800" cy="458700"/>
-          </a:xfrm>
-          <a:prstGeom prst="rect">
-            <a:avLst/>
-          </a:prstGeom>
-          <a:noFill/>
-          <a:ln>
-            <a:noFill/>
-          </a:ln>
-        </p:spPr>
-        <p:txBody>
-          <a:bodyPr spcFirstLastPara="1" wrap="square" lIns="91425" tIns="45700" rIns="91425" bIns="45700" anchor="b" anchorCtr="0">
-            <a:noAutofit/>
-          </a:bodyPr>
-          <a:lstStyle/>
-          <a:p>
-            <a:pPr marL="0" lvl="0" indent="0" algn="r" rtl="0">
-              <a:spcBef>
-                <a:spcPts val="0"/>
-              </a:spcBef>
-              <a:spcAft>
-                <a:spcPts val="0"/>
-              </a:spcAft>
-              <a:buNone/>
-            </a:pPr>
-            <a:fld id="{00000000-1234-1234-1234-123412341234}" type="slidenum">
-              <a:rPr lang="it-IT"/>
-              <a:t>18</a:t>
-            </a:fld>
-            <a:endParaRPr/>
-          </a:p>
-        </p:txBody>
-      </p:sp>
-    </p:spTree>
-  </p:cSld>
-  <p:clrMapOvr>
-    <a:masterClrMapping/>
-  </p:clrMapOvr>
-</p:notes>
-</file>
-
-<file path=ppt/notesSlides/notesSlide19.xml><?xml version="1.0" encoding="utf-8"?>
-<p:notes xmlns:a="http://schemas.openxmlformats.org/drawingml/2006/main" xmlns:r="http://schemas.openxmlformats.org/officeDocument/2006/relationships" xmlns:p="http://schemas.openxmlformats.org/presentationml/2006/main" showMasterSp="0" showMasterPhAnim="0">
-  <p:cSld>
-    <p:spTree>
-      <p:nvGrpSpPr>
-        <p:cNvPr id="1" name="Shape 266"/>
-        <p:cNvGrpSpPr/>
-        <p:nvPr/>
-      </p:nvGrpSpPr>
-      <p:grpSpPr>
-        <a:xfrm>
-          <a:off x="0" y="0"/>
-          <a:ext cx="0" cy="0"/>
-          <a:chOff x="0" y="0"/>
-          <a:chExt cx="0" cy="0"/>
-        </a:xfrm>
-      </p:grpSpPr>
-      <p:sp>
-        <p:nvSpPr>
-          <p:cNvPr id="267" name="Google Shape;267;g2eb1c720b98_0_27:notes"/>
-          <p:cNvSpPr>
-            <a:spLocks noGrp="1" noRot="1" noChangeAspect="1"/>
-          </p:cNvSpPr>
-          <p:nvPr>
-            <p:ph type="sldImg" idx="2"/>
-          </p:nvPr>
-        </p:nvSpPr>
-        <p:spPr>
-          <a:xfrm>
-            <a:off x="685800" y="1143000"/>
-            <a:ext cx="5486400" cy="3086100"/>
-          </a:xfrm>
-          <a:custGeom>
-            <a:avLst/>
-            <a:gdLst/>
-            <a:ahLst/>
-            <a:cxnLst/>
-            <a:rect l="l" t="t" r="r" b="b"/>
-            <a:pathLst>
-              <a:path w="120000" h="120000" extrusionOk="0">
-                <a:moveTo>
-                  <a:pt x="0" y="0"/>
-                </a:moveTo>
-                <a:lnTo>
-                  <a:pt x="120000" y="0"/>
-                </a:lnTo>
-                <a:lnTo>
-                  <a:pt x="120000" y="120000"/>
-                </a:lnTo>
-                <a:lnTo>
-                  <a:pt x="0" y="120000"/>
-                </a:lnTo>
-                <a:close/>
-              </a:path>
-            </a:pathLst>
-          </a:custGeom>
-          <a:noFill/>
-          <a:ln w="12700" cap="flat" cmpd="sng">
-            <a:solidFill>
-              <a:srgbClr val="000000"/>
-            </a:solidFill>
-            <a:prstDash val="solid"/>
-            <a:round/>
-            <a:headEnd type="none" w="sm" len="sm"/>
-            <a:tailEnd type="none" w="sm" len="sm"/>
-          </a:ln>
-        </p:spPr>
-      </p:sp>
-      <p:sp>
-        <p:nvSpPr>
-          <p:cNvPr id="268" name="Google Shape;268;g2eb1c720b98_0_27:notes"/>
-          <p:cNvSpPr txBox="1">
-            <a:spLocks noGrp="1"/>
-          </p:cNvSpPr>
-          <p:nvPr>
-            <p:ph type="body" idx="1"/>
-          </p:nvPr>
-        </p:nvSpPr>
-        <p:spPr>
-          <a:xfrm>
-            <a:off x="685800" y="4400550"/>
-            <a:ext cx="5486400" cy="3600600"/>
-          </a:xfrm>
-          <a:prstGeom prst="rect">
-            <a:avLst/>
-          </a:prstGeom>
-          <a:noFill/>
-          <a:ln>
-            <a:noFill/>
-          </a:ln>
-        </p:spPr>
-        <p:txBody>
-          <a:bodyPr spcFirstLastPara="1" wrap="square" lIns="91425" tIns="45700" rIns="91425" bIns="45700" anchor="t" anchorCtr="0">
-            <a:noAutofit/>
-          </a:bodyPr>
-          <a:lstStyle/>
-          <a:p>
-            <a:pPr marL="0" lvl="0" indent="0" algn="l" rtl="0">
-              <a:spcBef>
-                <a:spcPts val="0"/>
-              </a:spcBef>
-              <a:spcAft>
-                <a:spcPts val="0"/>
-              </a:spcAft>
-              <a:buNone/>
-            </a:pPr>
-            <a:endParaRPr/>
-          </a:p>
-        </p:txBody>
-      </p:sp>
-      <p:sp>
-        <p:nvSpPr>
-          <p:cNvPr id="269" name="Google Shape;269;g2eb1c720b98_0_27:notes"/>
           <p:cNvSpPr txBox="1">
             <a:spLocks noGrp="1"/>
           </p:cNvSpPr>
@@ -3410,6 +3416,170 @@
   <p:cSld>
     <p:spTree>
       <p:nvGrpSpPr>
+        <p:cNvPr id="1" name="Shape 266"/>
+        <p:cNvGrpSpPr/>
+        <p:nvPr/>
+      </p:nvGrpSpPr>
+      <p:grpSpPr>
+        <a:xfrm>
+          <a:off x="0" y="0"/>
+          <a:ext cx="0" cy="0"/>
+          <a:chOff x="0" y="0"/>
+          <a:chExt cx="0" cy="0"/>
+        </a:xfrm>
+      </p:grpSpPr>
+      <p:sp>
+        <p:nvSpPr>
+          <p:cNvPr id="267" name="Google Shape;267;g2eb1c720b98_0_27:notes"/>
+          <p:cNvSpPr>
+            <a:spLocks noGrp="1" noRot="1" noChangeAspect="1"/>
+          </p:cNvSpPr>
+          <p:nvPr>
+            <p:ph type="sldImg" idx="2"/>
+          </p:nvPr>
+        </p:nvSpPr>
+        <p:spPr>
+          <a:xfrm>
+            <a:off x="685800" y="1143000"/>
+            <a:ext cx="5486400" cy="3086100"/>
+          </a:xfrm>
+          <a:custGeom>
+            <a:avLst/>
+            <a:gdLst/>
+            <a:ahLst/>
+            <a:cxnLst/>
+            <a:rect l="l" t="t" r="r" b="b"/>
+            <a:pathLst>
+              <a:path w="120000" h="120000" extrusionOk="0">
+                <a:moveTo>
+                  <a:pt x="0" y="0"/>
+                </a:moveTo>
+                <a:lnTo>
+                  <a:pt x="120000" y="0"/>
+                </a:lnTo>
+                <a:lnTo>
+                  <a:pt x="120000" y="120000"/>
+                </a:lnTo>
+                <a:lnTo>
+                  <a:pt x="0" y="120000"/>
+                </a:lnTo>
+                <a:close/>
+              </a:path>
+            </a:pathLst>
+          </a:custGeom>
+          <a:noFill/>
+          <a:ln w="12700" cap="flat" cmpd="sng">
+            <a:solidFill>
+              <a:srgbClr val="000000"/>
+            </a:solidFill>
+            <a:prstDash val="solid"/>
+            <a:round/>
+            <a:headEnd type="none" w="sm" len="sm"/>
+            <a:tailEnd type="none" w="sm" len="sm"/>
+          </a:ln>
+        </p:spPr>
+      </p:sp>
+      <p:sp>
+        <p:nvSpPr>
+          <p:cNvPr id="268" name="Google Shape;268;g2eb1c720b98_0_27:notes"/>
+          <p:cNvSpPr txBox="1">
+            <a:spLocks noGrp="1"/>
+          </p:cNvSpPr>
+          <p:nvPr>
+            <p:ph type="body" idx="1"/>
+          </p:nvPr>
+        </p:nvSpPr>
+        <p:spPr>
+          <a:xfrm>
+            <a:off x="685800" y="4400550"/>
+            <a:ext cx="5486400" cy="3600600"/>
+          </a:xfrm>
+          <a:prstGeom prst="rect">
+            <a:avLst/>
+          </a:prstGeom>
+          <a:noFill/>
+          <a:ln>
+            <a:noFill/>
+          </a:ln>
+        </p:spPr>
+        <p:txBody>
+          <a:bodyPr spcFirstLastPara="1" wrap="square" lIns="91425" tIns="45700" rIns="91425" bIns="45700" anchor="t" anchorCtr="0">
+            <a:noAutofit/>
+          </a:bodyPr>
+          <a:lstStyle/>
+          <a:p>
+            <a:pPr marL="0" lvl="0" indent="0" algn="l" rtl="0">
+              <a:spcBef>
+                <a:spcPts val="0"/>
+              </a:spcBef>
+              <a:spcAft>
+                <a:spcPts val="0"/>
+              </a:spcAft>
+              <a:buNone/>
+            </a:pPr>
+            <a:endParaRPr/>
+          </a:p>
+        </p:txBody>
+      </p:sp>
+      <p:sp>
+        <p:nvSpPr>
+          <p:cNvPr id="269" name="Google Shape;269;g2eb1c720b98_0_27:notes"/>
+          <p:cNvSpPr txBox="1">
+            <a:spLocks noGrp="1"/>
+          </p:cNvSpPr>
+          <p:nvPr>
+            <p:ph type="sldNum" idx="12"/>
+          </p:nvPr>
+        </p:nvSpPr>
+        <p:spPr>
+          <a:xfrm>
+            <a:off x="3884613" y="8685213"/>
+            <a:ext cx="2971800" cy="458700"/>
+          </a:xfrm>
+          <a:prstGeom prst="rect">
+            <a:avLst/>
+          </a:prstGeom>
+          <a:noFill/>
+          <a:ln>
+            <a:noFill/>
+          </a:ln>
+        </p:spPr>
+        <p:txBody>
+          <a:bodyPr spcFirstLastPara="1" wrap="square" lIns="91425" tIns="45700" rIns="91425" bIns="45700" anchor="b" anchorCtr="0">
+            <a:noAutofit/>
+          </a:bodyPr>
+          <a:lstStyle/>
+          <a:p>
+            <a:pPr marL="0" lvl="0" indent="0" algn="r" rtl="0">
+              <a:spcBef>
+                <a:spcPts val="0"/>
+              </a:spcBef>
+              <a:spcAft>
+                <a:spcPts val="0"/>
+              </a:spcAft>
+              <a:buNone/>
+            </a:pPr>
+            <a:fld id="{00000000-1234-1234-1234-123412341234}" type="slidenum">
+              <a:rPr lang="it-IT"/>
+              <a:t>20</a:t>
+            </a:fld>
+            <a:endParaRPr/>
+          </a:p>
+        </p:txBody>
+      </p:sp>
+    </p:spTree>
+  </p:cSld>
+  <p:clrMapOvr>
+    <a:masterClrMapping/>
+  </p:clrMapOvr>
+</p:notes>
+</file>
+
+<file path=ppt/notesSlides/notesSlide21.xml><?xml version="1.0" encoding="utf-8"?>
+<p:notes xmlns:a="http://schemas.openxmlformats.org/drawingml/2006/main" xmlns:r="http://schemas.openxmlformats.org/officeDocument/2006/relationships" xmlns:p="http://schemas.openxmlformats.org/presentationml/2006/main" showMasterSp="0" showMasterPhAnim="0">
+  <p:cSld>
+    <p:spTree>
+      <p:nvGrpSpPr>
         <p:cNvPr id="1" name="Shape 274"/>
         <p:cNvGrpSpPr/>
         <p:nvPr/>
@@ -3555,7 +3725,7 @@
             </a:pPr>
             <a:fld id="{00000000-1234-1234-1234-123412341234}" type="slidenum">
               <a:rPr lang="it-IT"/>
-              <a:t>20</a:t>
+              <a:t>21</a:t>
             </a:fld>
             <a:endParaRPr/>
           </a:p>
@@ -3569,7 +3739,7 @@
 </p:notes>
 </file>
 
-<file path=ppt/notesSlides/notesSlide21.xml><?xml version="1.0" encoding="utf-8"?>
+<file path=ppt/notesSlides/notesSlide22.xml><?xml version="1.0" encoding="utf-8"?>
 <p:notes xmlns:a="http://schemas.openxmlformats.org/drawingml/2006/main" xmlns:r="http://schemas.openxmlformats.org/officeDocument/2006/relationships" xmlns:p="http://schemas.openxmlformats.org/presentationml/2006/main" showMasterSp="0" showMasterPhAnim="0">
   <p:cSld>
     <p:spTree>
@@ -3719,7 +3889,7 @@
             </a:pPr>
             <a:fld id="{00000000-1234-1234-1234-123412341234}" type="slidenum">
               <a:rPr lang="it-IT"/>
-              <a:t>21</a:t>
+              <a:t>22</a:t>
             </a:fld>
             <a:endParaRPr/>
           </a:p>
@@ -3733,7 +3903,7 @@
 </p:notes>
 </file>
 
-<file path=ppt/notesSlides/notesSlide22.xml><?xml version="1.0" encoding="utf-8"?>
+<file path=ppt/notesSlides/notesSlide23.xml><?xml version="1.0" encoding="utf-8"?>
 <p:notes xmlns:a="http://schemas.openxmlformats.org/drawingml/2006/main" xmlns:r="http://schemas.openxmlformats.org/officeDocument/2006/relationships" xmlns:p="http://schemas.openxmlformats.org/presentationml/2006/main" showMasterSp="0" showMasterPhAnim="0">
   <p:cSld>
     <p:spTree>
@@ -3883,7 +4053,7 @@
             </a:pPr>
             <a:fld id="{00000000-1234-1234-1234-123412341234}" type="slidenum">
               <a:rPr lang="it-IT"/>
-              <a:t>22</a:t>
+              <a:t>23</a:t>
             </a:fld>
             <a:endParaRPr/>
           </a:p>
@@ -3897,7 +4067,7 @@
 </p:notes>
 </file>
 
-<file path=ppt/notesSlides/notesSlide23.xml><?xml version="1.0" encoding="utf-8"?>
+<file path=ppt/notesSlides/notesSlide24.xml><?xml version="1.0" encoding="utf-8"?>
 <p:notes xmlns:a="http://schemas.openxmlformats.org/drawingml/2006/main" xmlns:r="http://schemas.openxmlformats.org/officeDocument/2006/relationships" xmlns:p="http://schemas.openxmlformats.org/presentationml/2006/main" showMasterSp="0" showMasterPhAnim="0">
   <p:cSld>
     <p:spTree>
@@ -4047,7 +4217,7 @@
             </a:pPr>
             <a:fld id="{00000000-1234-1234-1234-123412341234}" type="slidenum">
               <a:rPr lang="it-IT"/>
-              <a:t>23</a:t>
+              <a:t>24</a:t>
             </a:fld>
             <a:endParaRPr/>
           </a:p>
@@ -4061,7 +4231,7 @@
 </p:notes>
 </file>
 
-<file path=ppt/notesSlides/notesSlide24.xml><?xml version="1.0" encoding="utf-8"?>
+<file path=ppt/notesSlides/notesSlide25.xml><?xml version="1.0" encoding="utf-8"?>
 <p:notes xmlns:a="http://schemas.openxmlformats.org/drawingml/2006/main" xmlns:r="http://schemas.openxmlformats.org/officeDocument/2006/relationships" xmlns:p="http://schemas.openxmlformats.org/presentationml/2006/main" showMasterSp="0" showMasterPhAnim="0">
   <p:cSld>
     <p:spTree>
@@ -4211,7 +4381,7 @@
             </a:pPr>
             <a:fld id="{00000000-1234-1234-1234-123412341234}" type="slidenum">
               <a:rPr lang="it-IT"/>
-              <a:t>24</a:t>
+              <a:t>25</a:t>
             </a:fld>
             <a:endParaRPr/>
           </a:p>
@@ -35606,6 +35776,228 @@
 <file path=ppt/slides/slide17.xml><?xml version="1.0" encoding="utf-8"?>
 <p:sld xmlns:a="http://schemas.openxmlformats.org/drawingml/2006/main" xmlns:r="http://schemas.openxmlformats.org/officeDocument/2006/relationships" xmlns:p="http://schemas.openxmlformats.org/presentationml/2006/main">
   <p:cSld>
+    <p:spTree>
+      <p:nvGrpSpPr>
+        <p:cNvPr id="1" name="Shape 245"/>
+        <p:cNvGrpSpPr/>
+        <p:nvPr/>
+      </p:nvGrpSpPr>
+      <p:grpSpPr>
+        <a:xfrm>
+          <a:off x="0" y="0"/>
+          <a:ext cx="0" cy="0"/>
+          <a:chOff x="0" y="0"/>
+          <a:chExt cx="0" cy="0"/>
+        </a:xfrm>
+      </p:grpSpPr>
+      <p:sp>
+        <p:nvSpPr>
+          <p:cNvPr id="246" name="Google Shape;246;p28"/>
+          <p:cNvSpPr txBox="1">
+            <a:spLocks noGrp="1"/>
+          </p:cNvSpPr>
+          <p:nvPr>
+            <p:ph type="title"/>
+          </p:nvPr>
+        </p:nvSpPr>
+        <p:spPr>
+          <a:xfrm>
+            <a:off x="955150" y="839650"/>
+            <a:ext cx="6197700" cy="830700"/>
+          </a:xfrm>
+          <a:prstGeom prst="rect">
+            <a:avLst/>
+          </a:prstGeom>
+          <a:noFill/>
+          <a:ln>
+            <a:noFill/>
+          </a:ln>
+        </p:spPr>
+        <p:txBody>
+          <a:bodyPr spcFirstLastPara="1" wrap="square" lIns="91425" tIns="45700" rIns="91425" bIns="45700" anchor="ctr" anchorCtr="0">
+            <a:normAutofit/>
+          </a:bodyPr>
+          <a:lstStyle/>
+          <a:p>
+            <a:pPr marL="0" lvl="0" indent="0" algn="l" rtl="0">
+              <a:lnSpc>
+                <a:spcPct val="80000"/>
+              </a:lnSpc>
+              <a:spcBef>
+                <a:spcPts val="0"/>
+              </a:spcBef>
+              <a:spcAft>
+                <a:spcPts val="0"/>
+              </a:spcAft>
+              <a:buClr>
+                <a:srgbClr val="0C0C0C"/>
+              </a:buClr>
+              <a:buSzPts val="5000"/>
+              <a:buFont typeface="Twentieth Century"/>
+              <a:buNone/>
+            </a:pPr>
+            <a:r>
+              <a:rPr lang="it-IT">
+                <a:solidFill>
+                  <a:schemeClr val="dk1"/>
+                </a:solidFill>
+              </a:rPr>
+              <a:t>I risultati -</a:t>
+            </a:r>
+            <a:r>
+              <a:rPr lang="it-IT">
+                <a:solidFill>
+                  <a:schemeClr val="accent1"/>
+                </a:solidFill>
+              </a:rPr>
+              <a:t> Prestazioni</a:t>
+            </a:r>
+            <a:endParaRPr>
+              <a:solidFill>
+                <a:schemeClr val="accent1"/>
+              </a:solidFill>
+            </a:endParaRPr>
+          </a:p>
+        </p:txBody>
+      </p:sp>
+      <p:sp>
+        <p:nvSpPr>
+          <p:cNvPr id="247" name="Google Shape;247;p28"/>
+          <p:cNvSpPr txBox="1"/>
+          <p:nvPr/>
+        </p:nvSpPr>
+        <p:spPr>
+          <a:xfrm>
+            <a:off x="9249075" y="4055950"/>
+            <a:ext cx="2972400" cy="523200"/>
+          </a:xfrm>
+          <a:prstGeom prst="rect">
+            <a:avLst/>
+          </a:prstGeom>
+          <a:noFill/>
+          <a:ln>
+            <a:noFill/>
+          </a:ln>
+        </p:spPr>
+        <p:txBody>
+          <a:bodyPr spcFirstLastPara="1" wrap="square" lIns="91425" tIns="91425" rIns="91425" bIns="91425" anchor="t" anchorCtr="0">
+            <a:spAutoFit/>
+          </a:bodyPr>
+          <a:lstStyle/>
+          <a:p>
+            <a:pPr marL="0" lvl="0" indent="0" algn="l" rtl="0">
+              <a:spcBef>
+                <a:spcPts val="0"/>
+              </a:spcBef>
+              <a:spcAft>
+                <a:spcPts val="0"/>
+              </a:spcAft>
+              <a:buNone/>
+            </a:pPr>
+            <a:endParaRPr sz="2200">
+              <a:solidFill>
+                <a:schemeClr val="dk1"/>
+              </a:solidFill>
+              <a:latin typeface="Twentieth Century"/>
+              <a:ea typeface="Twentieth Century"/>
+              <a:cs typeface="Twentieth Century"/>
+              <a:sym typeface="Twentieth Century"/>
+            </a:endParaRPr>
+          </a:p>
+        </p:txBody>
+      </p:sp>
+      <p:sp>
+        <p:nvSpPr>
+          <p:cNvPr id="248" name="Google Shape;248;p28"/>
+          <p:cNvSpPr txBox="1"/>
+          <p:nvPr/>
+        </p:nvSpPr>
+        <p:spPr>
+          <a:xfrm>
+            <a:off x="4938475" y="3173175"/>
+            <a:ext cx="1371600" cy="457200"/>
+          </a:xfrm>
+          <a:prstGeom prst="rect">
+            <a:avLst/>
+          </a:prstGeom>
+          <a:noFill/>
+          <a:ln>
+            <a:noFill/>
+          </a:ln>
+        </p:spPr>
+        <p:txBody>
+          <a:bodyPr spcFirstLastPara="1" wrap="square" lIns="91425" tIns="91425" rIns="91425" bIns="91425" anchor="t" anchorCtr="0">
+            <a:noAutofit/>
+          </a:bodyPr>
+          <a:lstStyle/>
+          <a:p>
+            <a:pPr marL="0" lvl="0" indent="0" algn="l" rtl="0">
+              <a:spcBef>
+                <a:spcPts val="0"/>
+              </a:spcBef>
+              <a:spcAft>
+                <a:spcPts val="0"/>
+              </a:spcAft>
+              <a:buNone/>
+            </a:pPr>
+            <a:endParaRPr sz="2200">
+              <a:solidFill>
+                <a:schemeClr val="dk1"/>
+              </a:solidFill>
+              <a:latin typeface="Twentieth Century"/>
+              <a:ea typeface="Twentieth Century"/>
+              <a:cs typeface="Twentieth Century"/>
+              <a:sym typeface="Twentieth Century"/>
+            </a:endParaRPr>
+          </a:p>
+        </p:txBody>
+      </p:sp>
+      <p:pic>
+        <p:nvPicPr>
+          <p:cNvPr id="3" name="Immagine 2" descr="Immagine che contiene testo, Diagramma, linea, diagramma&#10;&#10;Descrizione generata automaticamente">
+            <a:extLst>
+              <a:ext uri="{FF2B5EF4-FFF2-40B4-BE49-F238E27FC236}">
+                <a16:creationId xmlns:a16="http://schemas.microsoft.com/office/drawing/2014/main" id="{0BA1AC2C-8BD7-9451-5E8F-FA43888729AB}"/>
+              </a:ext>
+            </a:extLst>
+          </p:cNvPr>
+          <p:cNvPicPr>
+            <a:picLocks noChangeAspect="1"/>
+          </p:cNvPicPr>
+          <p:nvPr/>
+        </p:nvPicPr>
+        <p:blipFill>
+          <a:blip r:embed="rId3"/>
+          <a:stretch>
+            <a:fillRect/>
+          </a:stretch>
+        </p:blipFill>
+        <p:spPr>
+          <a:xfrm>
+            <a:off x="155448" y="1890026"/>
+            <a:ext cx="11881104" cy="4119579"/>
+          </a:xfrm>
+          <a:prstGeom prst="rect">
+            <a:avLst/>
+          </a:prstGeom>
+        </p:spPr>
+      </p:pic>
+    </p:spTree>
+    <p:extLst>
+      <p:ext uri="{BB962C8B-B14F-4D97-AF65-F5344CB8AC3E}">
+        <p14:creationId xmlns:p14="http://schemas.microsoft.com/office/powerpoint/2010/main" val="4087957165"/>
+      </p:ext>
+    </p:extLst>
+  </p:cSld>
+  <p:clrMapOvr>
+    <a:masterClrMapping/>
+  </p:clrMapOvr>
+</p:sld>
+</file>
+
+<file path=ppt/slides/slide18.xml><?xml version="1.0" encoding="utf-8"?>
+<p:sld xmlns:a="http://schemas.openxmlformats.org/drawingml/2006/main" xmlns:r="http://schemas.openxmlformats.org/officeDocument/2006/relationships" xmlns:p="http://schemas.openxmlformats.org/presentationml/2006/main">
+  <p:cSld>
     <p:bg>
       <p:bgPr>
         <a:solidFill>
@@ -35780,7 +36172,7 @@
 </p:sld>
 </file>
 
-<file path=ppt/slides/slide18.xml><?xml version="1.0" encoding="utf-8"?>
+<file path=ppt/slides/slide19.xml><?xml version="1.0" encoding="utf-8"?>
 <p:sld xmlns:a="http://schemas.openxmlformats.org/drawingml/2006/main" xmlns:r="http://schemas.openxmlformats.org/officeDocument/2006/relationships" xmlns:p="http://schemas.openxmlformats.org/presentationml/2006/main">
   <p:cSld>
     <p:bg>
@@ -36085,175 +36477,6 @@
           </a:p>
         </p:txBody>
       </p:sp>
-    </p:spTree>
-  </p:cSld>
-  <p:clrMapOvr>
-    <a:masterClrMapping/>
-  </p:clrMapOvr>
-</p:sld>
-</file>
-
-<file path=ppt/slides/slide19.xml><?xml version="1.0" encoding="utf-8"?>
-<p:sld xmlns:a="http://schemas.openxmlformats.org/drawingml/2006/main" xmlns:r="http://schemas.openxmlformats.org/officeDocument/2006/relationships" xmlns:p="http://schemas.openxmlformats.org/presentationml/2006/main">
-  <p:cSld>
-    <p:bg>
-      <p:bgPr>
-        <a:solidFill>
-          <a:schemeClr val="lt1"/>
-        </a:solidFill>
-        <a:effectLst/>
-      </p:bgPr>
-    </p:bg>
-    <p:spTree>
-      <p:nvGrpSpPr>
-        <p:cNvPr id="1" name="Shape 270"/>
-        <p:cNvGrpSpPr/>
-        <p:nvPr/>
-      </p:nvGrpSpPr>
-      <p:grpSpPr>
-        <a:xfrm>
-          <a:off x="0" y="0"/>
-          <a:ext cx="0" cy="0"/>
-          <a:chOff x="0" y="0"/>
-          <a:chExt cx="0" cy="0"/>
-        </a:xfrm>
-      </p:grpSpPr>
-      <p:sp>
-        <p:nvSpPr>
-          <p:cNvPr id="271" name="Google Shape;271;p31"/>
-          <p:cNvSpPr txBox="1">
-            <a:spLocks noGrp="1"/>
-          </p:cNvSpPr>
-          <p:nvPr>
-            <p:ph type="title"/>
-          </p:nvPr>
-        </p:nvSpPr>
-        <p:spPr>
-          <a:xfrm>
-            <a:off x="1076878" y="448891"/>
-            <a:ext cx="9720000" cy="1499700"/>
-          </a:xfrm>
-          <a:prstGeom prst="rect">
-            <a:avLst/>
-          </a:prstGeom>
-          <a:noFill/>
-          <a:ln>
-            <a:noFill/>
-          </a:ln>
-        </p:spPr>
-        <p:txBody>
-          <a:bodyPr spcFirstLastPara="1" wrap="square" lIns="91425" tIns="45700" rIns="91425" bIns="45700" anchor="ctr" anchorCtr="0">
-            <a:normAutofit/>
-          </a:bodyPr>
-          <a:lstStyle/>
-          <a:p>
-            <a:pPr marL="0" lvl="0" indent="0" algn="l" rtl="0">
-              <a:lnSpc>
-                <a:spcPct val="135714"/>
-              </a:lnSpc>
-              <a:spcBef>
-                <a:spcPts val="0"/>
-              </a:spcBef>
-              <a:spcAft>
-                <a:spcPts val="0"/>
-              </a:spcAft>
-              <a:buClr>
-                <a:schemeClr val="dk1"/>
-              </a:buClr>
-              <a:buSzPts val="1100"/>
-              <a:buFont typeface="Arial"/>
-              <a:buNone/>
-            </a:pPr>
-            <a:r>
-              <a:rPr lang="it-IT">
-                <a:solidFill>
-                  <a:schemeClr val="accent1"/>
-                </a:solidFill>
-              </a:rPr>
-              <a:t>Feature Importance</a:t>
-            </a:r>
-            <a:endParaRPr>
-              <a:solidFill>
-                <a:schemeClr val="accent1"/>
-              </a:solidFill>
-            </a:endParaRPr>
-          </a:p>
-        </p:txBody>
-      </p:sp>
-      <p:sp>
-        <p:nvSpPr>
-          <p:cNvPr id="272" name="Google Shape;272;p31"/>
-          <p:cNvSpPr txBox="1"/>
-          <p:nvPr/>
-        </p:nvSpPr>
-        <p:spPr>
-          <a:xfrm>
-            <a:off x="9249075" y="4055950"/>
-            <a:ext cx="2972400" cy="523200"/>
-          </a:xfrm>
-          <a:prstGeom prst="rect">
-            <a:avLst/>
-          </a:prstGeom>
-          <a:noFill/>
-          <a:ln>
-            <a:noFill/>
-          </a:ln>
-        </p:spPr>
-        <p:txBody>
-          <a:bodyPr spcFirstLastPara="1" wrap="square" lIns="91425" tIns="91425" rIns="91425" bIns="91425" anchor="t" anchorCtr="0">
-            <a:spAutoFit/>
-          </a:bodyPr>
-          <a:lstStyle/>
-          <a:p>
-            <a:pPr marL="0" lvl="0" indent="0" algn="l" rtl="0">
-              <a:spcBef>
-                <a:spcPts val="0"/>
-              </a:spcBef>
-              <a:spcAft>
-                <a:spcPts val="0"/>
-              </a:spcAft>
-              <a:buNone/>
-            </a:pPr>
-            <a:endParaRPr sz="2200">
-              <a:solidFill>
-                <a:schemeClr val="dk1"/>
-              </a:solidFill>
-              <a:latin typeface="Twentieth Century"/>
-              <a:ea typeface="Twentieth Century"/>
-              <a:cs typeface="Twentieth Century"/>
-              <a:sym typeface="Twentieth Century"/>
-            </a:endParaRPr>
-          </a:p>
-        </p:txBody>
-      </p:sp>
-      <p:pic>
-        <p:nvPicPr>
-          <p:cNvPr id="273" name="Google Shape;273;p31"/>
-          <p:cNvPicPr preferRelativeResize="0"/>
-          <p:nvPr/>
-        </p:nvPicPr>
-        <p:blipFill>
-          <a:blip r:embed="rId3">
-            <a:alphaModFix/>
-          </a:blip>
-          <a:stretch>
-            <a:fillRect/>
-          </a:stretch>
-        </p:blipFill>
-        <p:spPr>
-          <a:xfrm>
-            <a:off x="1163725" y="1791950"/>
-            <a:ext cx="9546299" cy="4744374"/>
-          </a:xfrm>
-          <a:prstGeom prst="rect">
-            <a:avLst/>
-          </a:prstGeom>
-          <a:noFill/>
-          <a:ln>
-            <a:noFill/>
-          </a:ln>
-        </p:spPr>
-      </p:pic>
     </p:spTree>
   </p:cSld>
   <p:clrMapOvr>
@@ -36655,6 +36878,175 @@
     </p:bg>
     <p:spTree>
       <p:nvGrpSpPr>
+        <p:cNvPr id="1" name="Shape 270"/>
+        <p:cNvGrpSpPr/>
+        <p:nvPr/>
+      </p:nvGrpSpPr>
+      <p:grpSpPr>
+        <a:xfrm>
+          <a:off x="0" y="0"/>
+          <a:ext cx="0" cy="0"/>
+          <a:chOff x="0" y="0"/>
+          <a:chExt cx="0" cy="0"/>
+        </a:xfrm>
+      </p:grpSpPr>
+      <p:sp>
+        <p:nvSpPr>
+          <p:cNvPr id="271" name="Google Shape;271;p31"/>
+          <p:cNvSpPr txBox="1">
+            <a:spLocks noGrp="1"/>
+          </p:cNvSpPr>
+          <p:nvPr>
+            <p:ph type="title"/>
+          </p:nvPr>
+        </p:nvSpPr>
+        <p:spPr>
+          <a:xfrm>
+            <a:off x="1076878" y="448891"/>
+            <a:ext cx="9720000" cy="1499700"/>
+          </a:xfrm>
+          <a:prstGeom prst="rect">
+            <a:avLst/>
+          </a:prstGeom>
+          <a:noFill/>
+          <a:ln>
+            <a:noFill/>
+          </a:ln>
+        </p:spPr>
+        <p:txBody>
+          <a:bodyPr spcFirstLastPara="1" wrap="square" lIns="91425" tIns="45700" rIns="91425" bIns="45700" anchor="ctr" anchorCtr="0">
+            <a:normAutofit/>
+          </a:bodyPr>
+          <a:lstStyle/>
+          <a:p>
+            <a:pPr marL="0" lvl="0" indent="0" algn="l" rtl="0">
+              <a:lnSpc>
+                <a:spcPct val="135714"/>
+              </a:lnSpc>
+              <a:spcBef>
+                <a:spcPts val="0"/>
+              </a:spcBef>
+              <a:spcAft>
+                <a:spcPts val="0"/>
+              </a:spcAft>
+              <a:buClr>
+                <a:schemeClr val="dk1"/>
+              </a:buClr>
+              <a:buSzPts val="1100"/>
+              <a:buFont typeface="Arial"/>
+              <a:buNone/>
+            </a:pPr>
+            <a:r>
+              <a:rPr lang="it-IT">
+                <a:solidFill>
+                  <a:schemeClr val="accent1"/>
+                </a:solidFill>
+              </a:rPr>
+              <a:t>Feature Importance</a:t>
+            </a:r>
+            <a:endParaRPr>
+              <a:solidFill>
+                <a:schemeClr val="accent1"/>
+              </a:solidFill>
+            </a:endParaRPr>
+          </a:p>
+        </p:txBody>
+      </p:sp>
+      <p:sp>
+        <p:nvSpPr>
+          <p:cNvPr id="272" name="Google Shape;272;p31"/>
+          <p:cNvSpPr txBox="1"/>
+          <p:nvPr/>
+        </p:nvSpPr>
+        <p:spPr>
+          <a:xfrm>
+            <a:off x="9249075" y="4055950"/>
+            <a:ext cx="2972400" cy="523200"/>
+          </a:xfrm>
+          <a:prstGeom prst="rect">
+            <a:avLst/>
+          </a:prstGeom>
+          <a:noFill/>
+          <a:ln>
+            <a:noFill/>
+          </a:ln>
+        </p:spPr>
+        <p:txBody>
+          <a:bodyPr spcFirstLastPara="1" wrap="square" lIns="91425" tIns="91425" rIns="91425" bIns="91425" anchor="t" anchorCtr="0">
+            <a:spAutoFit/>
+          </a:bodyPr>
+          <a:lstStyle/>
+          <a:p>
+            <a:pPr marL="0" lvl="0" indent="0" algn="l" rtl="0">
+              <a:spcBef>
+                <a:spcPts val="0"/>
+              </a:spcBef>
+              <a:spcAft>
+                <a:spcPts val="0"/>
+              </a:spcAft>
+              <a:buNone/>
+            </a:pPr>
+            <a:endParaRPr sz="2200">
+              <a:solidFill>
+                <a:schemeClr val="dk1"/>
+              </a:solidFill>
+              <a:latin typeface="Twentieth Century"/>
+              <a:ea typeface="Twentieth Century"/>
+              <a:cs typeface="Twentieth Century"/>
+              <a:sym typeface="Twentieth Century"/>
+            </a:endParaRPr>
+          </a:p>
+        </p:txBody>
+      </p:sp>
+      <p:pic>
+        <p:nvPicPr>
+          <p:cNvPr id="273" name="Google Shape;273;p31"/>
+          <p:cNvPicPr preferRelativeResize="0"/>
+          <p:nvPr/>
+        </p:nvPicPr>
+        <p:blipFill>
+          <a:blip r:embed="rId3">
+            <a:alphaModFix/>
+          </a:blip>
+          <a:stretch>
+            <a:fillRect/>
+          </a:stretch>
+        </p:blipFill>
+        <p:spPr>
+          <a:xfrm>
+            <a:off x="1163725" y="1791950"/>
+            <a:ext cx="9546299" cy="4744374"/>
+          </a:xfrm>
+          <a:prstGeom prst="rect">
+            <a:avLst/>
+          </a:prstGeom>
+          <a:noFill/>
+          <a:ln>
+            <a:noFill/>
+          </a:ln>
+        </p:spPr>
+      </p:pic>
+    </p:spTree>
+  </p:cSld>
+  <p:clrMapOvr>
+    <a:masterClrMapping/>
+  </p:clrMapOvr>
+</p:sld>
+</file>
+
+<file path=ppt/slides/slide21.xml><?xml version="1.0" encoding="utf-8"?>
+<p:sld xmlns:a="http://schemas.openxmlformats.org/drawingml/2006/main" xmlns:r="http://schemas.openxmlformats.org/officeDocument/2006/relationships" xmlns:p="http://schemas.openxmlformats.org/presentationml/2006/main">
+  <p:cSld>
+    <p:bg>
+      <p:bgPr>
+        <a:solidFill>
+          <a:schemeClr val="lt1"/>
+        </a:solidFill>
+        <a:effectLst/>
+      </p:bgPr>
+    </p:bg>
+    <p:spTree>
+      <p:nvGrpSpPr>
         <p:cNvPr id="1" name="Shape 278"/>
         <p:cNvGrpSpPr/>
         <p:nvPr/>
@@ -36692,7 +37084,7 @@
         </p:spPr>
         <p:txBody>
           <a:bodyPr spcFirstLastPara="1" wrap="square" lIns="91425" tIns="45700" rIns="91425" bIns="45700" anchor="ctr" anchorCtr="0">
-            <a:normAutofit/>
+            <a:normAutofit fontScale="90000"/>
           </a:bodyPr>
           <a:lstStyle/>
           <a:p>
@@ -36814,7 +37206,7 @@
 </p:sld>
 </file>
 
-<file path=ppt/slides/slide21.xml><?xml version="1.0" encoding="utf-8"?>
+<file path=ppt/slides/slide22.xml><?xml version="1.0" encoding="utf-8"?>
 <p:sld xmlns:a="http://schemas.openxmlformats.org/drawingml/2006/main" xmlns:r="http://schemas.openxmlformats.org/officeDocument/2006/relationships" xmlns:p="http://schemas.openxmlformats.org/presentationml/2006/main">
   <p:cSld>
     <p:bg>
@@ -37083,7 +37475,7 @@
 </p:sld>
 </file>
 
-<file path=ppt/slides/slide22.xml><?xml version="1.0" encoding="utf-8"?>
+<file path=ppt/slides/slide23.xml><?xml version="1.0" encoding="utf-8"?>
 <p:sld xmlns:a="http://schemas.openxmlformats.org/drawingml/2006/main" xmlns:r="http://schemas.openxmlformats.org/officeDocument/2006/relationships" xmlns:p="http://schemas.openxmlformats.org/presentationml/2006/main">
   <p:cSld>
     <p:bg>
@@ -37252,7 +37644,7 @@
 </p:sld>
 </file>
 
-<file path=ppt/slides/slide23.xml><?xml version="1.0" encoding="utf-8"?>
+<file path=ppt/slides/slide24.xml><?xml version="1.0" encoding="utf-8"?>
 <p:sld xmlns:a="http://schemas.openxmlformats.org/drawingml/2006/main" xmlns:r="http://schemas.openxmlformats.org/officeDocument/2006/relationships" xmlns:p="http://schemas.openxmlformats.org/presentationml/2006/main">
   <p:cSld>
     <p:bg>
@@ -37747,7 +38139,7 @@
 </p:sld>
 </file>
 
-<file path=ppt/slides/slide24.xml><?xml version="1.0" encoding="utf-8"?>
+<file path=ppt/slides/slide25.xml><?xml version="1.0" encoding="utf-8"?>
 <p:sld xmlns:a="http://schemas.openxmlformats.org/drawingml/2006/main" xmlns:r="http://schemas.openxmlformats.org/officeDocument/2006/relationships" xmlns:p="http://schemas.openxmlformats.org/presentationml/2006/main">
   <p:cSld>
     <p:bg>

--- a/Presentazione_YesWeKAN.pptx
+++ b/Presentazione_YesWeKAN.pptx
@@ -35155,11 +35155,17 @@
         <p:nvGraphicFramePr>
           <p:cNvPr id="240" name="Google Shape;240;p27"/>
           <p:cNvGraphicFramePr/>
-          <p:nvPr/>
+          <p:nvPr>
+            <p:extLst>
+              <p:ext uri="{D42A27DB-BD31-4B8C-83A1-F6EECF244321}">
+                <p14:modId xmlns:p14="http://schemas.microsoft.com/office/powerpoint/2010/main" val="11595407"/>
+              </p:ext>
+            </p:extLst>
+          </p:nvPr>
         </p:nvGraphicFramePr>
         <p:xfrm>
           <a:off x="952500" y="2286000"/>
-          <a:ext cx="3000000" cy="3000000"/>
+          <a:ext cx="10287000" cy="2578428"/>
         </p:xfrm>
         <a:graphic>
           <a:graphicData uri="http://schemas.openxmlformats.org/drawingml/2006/table">
@@ -35169,14 +35175,14 @@
                 <a:tableStyleId>{595FF9A5-12F4-442A-9B63-3920E5D098C9}</a:tableStyleId>
               </a:tblPr>
               <a:tblGrid>
-                <a:gridCol w="5143500">
+                <a:gridCol w="5146548">
                   <a:extLst>
                     <a:ext uri="{9D8B030D-6E8A-4147-A177-3AD203B41FA5}">
                       <a16:colId xmlns:a16="http://schemas.microsoft.com/office/drawing/2014/main" val="20000"/>
                     </a:ext>
                   </a:extLst>
                 </a:gridCol>
-                <a:gridCol w="5143500">
+                <a:gridCol w="5140452">
                   <a:extLst>
                     <a:ext uri="{9D8B030D-6E8A-4147-A177-3AD203B41FA5}">
                       <a16:colId xmlns:a16="http://schemas.microsoft.com/office/drawing/2014/main" val="20001"/>
@@ -35203,10 +35209,10 @@
                         <a:buNone/>
                       </a:pPr>
                       <a:r>
-                        <a:rPr lang="it-IT" sz="1800"/>
+                        <a:rPr lang="it-IT" sz="1800" dirty="0"/>
                         <a:t>KAN</a:t>
                       </a:r>
-                      <a:endParaRPr sz="1800"/>
+                      <a:endParaRPr sz="1800" dirty="0"/>
                     </a:p>
                   </a:txBody>
                   <a:tcPr marL="91425" marR="91425" marT="91425" marB="91425"/>
@@ -35229,10 +35235,10 @@
                         <a:buNone/>
                       </a:pPr>
                       <a:r>
-                        <a:rPr lang="it-IT" sz="1800"/>
+                        <a:rPr lang="it-IT" sz="1800" dirty="0"/>
                         <a:t>13 minuti</a:t>
                       </a:r>
-                      <a:endParaRPr sz="1800"/>
+                      <a:endParaRPr sz="1800" dirty="0"/>
                     </a:p>
                   </a:txBody>
                   <a:tcPr marL="91425" marR="91425" marT="91425" marB="91425"/>
@@ -35288,10 +35294,10 @@
                         <a:buNone/>
                       </a:pPr>
                       <a:r>
-                        <a:rPr lang="it-IT" sz="1800"/>
+                        <a:rPr lang="it-IT" sz="1800" dirty="0"/>
                         <a:t>2 minuti</a:t>
                       </a:r>
-                      <a:endParaRPr sz="1800"/>
+                      <a:endParaRPr sz="1800" dirty="0"/>
                     </a:p>
                   </a:txBody>
                   <a:tcPr marL="91425" marR="91425" marT="91425" marB="91425"/>
@@ -35406,10 +35412,10 @@
                         <a:buNone/>
                       </a:pPr>
                       <a:r>
-                        <a:rPr lang="it-IT" sz="1800"/>
+                        <a:rPr lang="it-IT" sz="1800" dirty="0"/>
                         <a:t>1 secondo</a:t>
                       </a:r>
-                      <a:endParaRPr sz="1800"/>
+                      <a:endParaRPr sz="1800" dirty="0"/>
                     </a:p>
                   </a:txBody>
                   <a:tcPr marL="91425" marR="91425" marT="91425" marB="91425"/>
@@ -35524,10 +35530,10 @@
                         <a:buNone/>
                       </a:pPr>
                       <a:r>
-                        <a:rPr lang="it-IT" sz="1800"/>
+                        <a:rPr lang="it-IT" sz="1800" dirty="0"/>
                         <a:t>1 secondo</a:t>
                       </a:r>
-                      <a:endParaRPr sz="1800"/>
+                      <a:endParaRPr sz="1800" dirty="0"/>
                     </a:p>
                   </a:txBody>
                   <a:tcPr marL="91425" marR="91425" marT="91425" marB="91425"/>
@@ -35954,7 +35960,7 @@
       </p:sp>
       <p:pic>
         <p:nvPicPr>
-          <p:cNvPr id="3" name="Immagine 2" descr="Immagine che contiene testo, Diagramma, linea, diagramma&#10;&#10;Descrizione generata automaticamente">
+          <p:cNvPr id="3" name="Immagine 2">
             <a:extLst>
               <a:ext uri="{FF2B5EF4-FFF2-40B4-BE49-F238E27FC236}">
                 <a16:creationId xmlns:a16="http://schemas.microsoft.com/office/drawing/2014/main" id="{0BA1AC2C-8BD7-9451-5E8F-FA43888729AB}"/>
@@ -35968,14 +35974,13 @@
         </p:nvPicPr>
         <p:blipFill>
           <a:blip r:embed="rId3"/>
-          <a:stretch>
-            <a:fillRect/>
-          </a:stretch>
+          <a:srcRect/>
+          <a:stretch/>
         </p:blipFill>
         <p:spPr>
           <a:xfrm>
             <a:off x="155448" y="1890026"/>
-            <a:ext cx="11881104" cy="4119579"/>
+            <a:ext cx="11881104" cy="4119578"/>
           </a:xfrm>
           <a:prstGeom prst="rect">
             <a:avLst/>
@@ -36822,7 +36827,7 @@
               <a:buChar char="●"/>
             </a:pPr>
             <a:r>
-              <a:rPr lang="it-IT" sz="2200">
+              <a:rPr lang="it-IT" sz="2200" dirty="0">
                 <a:solidFill>
                   <a:schemeClr val="dk1"/>
                 </a:solidFill>
@@ -36834,7 +36839,7 @@
               <a:t>Utilizzare le KAN in un campo di applicazione sensibile come quello medico per sfruttarne le potenzialità in termini di </a:t>
             </a:r>
             <a:r>
-              <a:rPr lang="it-IT" sz="2200">
+              <a:rPr lang="it-IT" sz="2200" dirty="0" err="1">
                 <a:solidFill>
                   <a:schemeClr val="accent1"/>
                 </a:solidFill>
@@ -36843,9 +36848,21 @@
                 <a:cs typeface="Twentieth Century"/>
                 <a:sym typeface="Twentieth Century"/>
               </a:rPr>
-              <a:t>spiegabilità e trasparenza algoritmica</a:t>
+              <a:t>spiegabilità</a:t>
             </a:r>
-            <a:endParaRPr sz="2200">
+            <a:r>
+              <a:rPr lang="it-IT" sz="2200" dirty="0">
+                <a:solidFill>
+                  <a:schemeClr val="accent1"/>
+                </a:solidFill>
+                <a:latin typeface="Twentieth Century"/>
+                <a:ea typeface="Twentieth Century"/>
+                <a:cs typeface="Twentieth Century"/>
+                <a:sym typeface="Twentieth Century"/>
+              </a:rPr>
+              <a:t> e trasparenza algoritmica</a:t>
+            </a:r>
+            <a:endParaRPr sz="2200" dirty="0">
               <a:solidFill>
                 <a:schemeClr val="accent1"/>
               </a:solidFill>
@@ -37716,7 +37733,7 @@
               <a:buNone/>
             </a:pPr>
             <a:r>
-              <a:rPr lang="it-IT">
+              <a:rPr lang="it-IT" dirty="0">
                 <a:solidFill>
                   <a:schemeClr val="accent1"/>
                 </a:solidFill>
@@ -37724,14 +37741,14 @@
               <a:t>Sviluppi futuri </a:t>
             </a:r>
             <a:r>
-              <a:rPr lang="it-IT">
+              <a:rPr lang="it-IT" dirty="0">
                 <a:solidFill>
                   <a:schemeClr val="dk1"/>
                 </a:solidFill>
               </a:rPr>
               <a:t>del progetto</a:t>
             </a:r>
-            <a:endParaRPr>
+            <a:endParaRPr dirty="0">
               <a:solidFill>
                 <a:schemeClr val="dk1"/>
               </a:solidFill>
@@ -37825,7 +37842,7 @@
               <a:buChar char="●"/>
             </a:pPr>
             <a:r>
-              <a:rPr lang="it-IT" sz="2200">
+              <a:rPr lang="it-IT" sz="2200" dirty="0">
                 <a:solidFill>
                   <a:schemeClr val="dk1"/>
                 </a:solidFill>
@@ -37837,7 +37854,7 @@
               <a:t>Implementare la </a:t>
             </a:r>
             <a:r>
-              <a:rPr lang="it-IT" sz="2200">
+              <a:rPr lang="it-IT" sz="2200" dirty="0" err="1">
                 <a:solidFill>
                   <a:schemeClr val="accent1"/>
                 </a:solidFill>
@@ -37846,10 +37863,22 @@
                 <a:cs typeface="Twentieth Century"/>
                 <a:sym typeface="Twentieth Century"/>
               </a:rPr>
-              <a:t>grid extension</a:t>
+              <a:t>grid</a:t>
             </a:r>
             <a:r>
-              <a:rPr lang="it-IT" sz="2200">
+              <a:rPr lang="it-IT" sz="2200" dirty="0">
+                <a:solidFill>
+                  <a:schemeClr val="accent1"/>
+                </a:solidFill>
+                <a:latin typeface="Twentieth Century"/>
+                <a:ea typeface="Twentieth Century"/>
+                <a:cs typeface="Twentieth Century"/>
+                <a:sym typeface="Twentieth Century"/>
+              </a:rPr>
+              <a:t> extension</a:t>
+            </a:r>
+            <a:r>
+              <a:rPr lang="it-IT" sz="2200" dirty="0">
                 <a:solidFill>
                   <a:schemeClr val="dk1"/>
                 </a:solidFill>
@@ -37860,7 +37889,7 @@
               </a:rPr>
               <a:t>, una tecnica che permette alle KAN di cambiare dinamicamente la dimensione della griglia, raffinando le sue predizioni</a:t>
             </a:r>
-            <a:endParaRPr sz="2200">
+            <a:endParaRPr sz="2200" dirty="0">
               <a:solidFill>
                 <a:schemeClr val="dk1"/>
               </a:solidFill>
@@ -37880,7 +37909,7 @@
               </a:spcAft>
               <a:buNone/>
             </a:pPr>
-            <a:endParaRPr sz="2200">
+            <a:endParaRPr sz="2200" dirty="0">
               <a:solidFill>
                 <a:schemeClr val="dk1"/>
               </a:solidFill>
@@ -37906,7 +37935,7 @@
               <a:buChar char="●"/>
             </a:pPr>
             <a:r>
-              <a:rPr lang="it-IT" sz="2200">
+              <a:rPr lang="it-IT" sz="2200" dirty="0">
                 <a:solidFill>
                   <a:schemeClr val="dk1"/>
                 </a:solidFill>
@@ -37918,7 +37947,7 @@
               <a:t>Rivisitare le architetture allo </a:t>
             </a:r>
             <a:r>
-              <a:rPr lang="it-IT" sz="2200">
+              <a:rPr lang="it-IT" sz="2200" dirty="0">
                 <a:solidFill>
                   <a:schemeClr val="accent1"/>
                 </a:solidFill>
@@ -37930,7 +37959,7 @@
               <a:t>stato dell’arte</a:t>
             </a:r>
             <a:r>
-              <a:rPr lang="it-IT" sz="2200">
+              <a:rPr lang="it-IT" sz="2200" dirty="0">
                 <a:solidFill>
                   <a:schemeClr val="dk1"/>
                 </a:solidFill>
@@ -37939,9 +37968,21 @@
                 <a:cs typeface="Twentieth Century"/>
                 <a:sym typeface="Twentieth Century"/>
               </a:rPr>
-              <a:t> (reti convolutive, Transformers, LLM,...) introducendo livelli DenseKAN</a:t>
+              <a:t> (reti convolutive, Transformers, LLM,...) introducendo livelli </a:t>
             </a:r>
-            <a:endParaRPr sz="2200">
+            <a:r>
+              <a:rPr lang="it-IT" sz="2200" dirty="0" err="1">
+                <a:solidFill>
+                  <a:schemeClr val="dk1"/>
+                </a:solidFill>
+                <a:latin typeface="Twentieth Century"/>
+                <a:ea typeface="Twentieth Century"/>
+                <a:cs typeface="Twentieth Century"/>
+                <a:sym typeface="Twentieth Century"/>
+              </a:rPr>
+              <a:t>DenseKAN</a:t>
+            </a:r>
+            <a:endParaRPr sz="2200" dirty="0">
               <a:solidFill>
                 <a:schemeClr val="dk1"/>
               </a:solidFill>
@@ -37961,7 +38002,7 @@
               </a:spcAft>
               <a:buNone/>
             </a:pPr>
-            <a:endParaRPr sz="2200">
+            <a:endParaRPr sz="2200" dirty="0">
               <a:solidFill>
                 <a:schemeClr val="dk1"/>
               </a:solidFill>
@@ -37987,7 +38028,7 @@
               <a:buChar char="●"/>
             </a:pPr>
             <a:r>
-              <a:rPr lang="it-IT" sz="2200">
+              <a:rPr lang="it-IT" sz="2200" dirty="0">
                 <a:solidFill>
                   <a:schemeClr val="dk1"/>
                 </a:solidFill>
@@ -37999,7 +38040,7 @@
               <a:t>Testare le KAN su dataset di </a:t>
             </a:r>
             <a:r>
-              <a:rPr lang="it-IT" sz="2200">
+              <a:rPr lang="it-IT" sz="2200" dirty="0">
                 <a:solidFill>
                   <a:schemeClr val="accent1"/>
                 </a:solidFill>
@@ -38010,7 +38051,7 @@
               </a:rPr>
               <a:t>dimensioni maggiori</a:t>
             </a:r>
-            <a:endParaRPr sz="2200">
+            <a:endParaRPr sz="2200" dirty="0">
               <a:solidFill>
                 <a:schemeClr val="accent1"/>
               </a:solidFill>
@@ -38030,7 +38071,7 @@
               </a:spcAft>
               <a:buNone/>
             </a:pPr>
-            <a:endParaRPr sz="2200">
+            <a:endParaRPr sz="2200" dirty="0">
               <a:solidFill>
                 <a:schemeClr val="dk1"/>
               </a:solidFill>
@@ -38056,7 +38097,7 @@
               <a:buChar char="●"/>
             </a:pPr>
             <a:r>
-              <a:rPr lang="it-IT" sz="2200">
+              <a:rPr lang="it-IT" sz="2200" dirty="0">
                 <a:solidFill>
                   <a:schemeClr val="dk1"/>
                 </a:solidFill>
@@ -38068,7 +38109,7 @@
               <a:t>Implementare il </a:t>
             </a:r>
             <a:r>
-              <a:rPr lang="it-IT" sz="2200">
+              <a:rPr lang="it-IT" sz="2200" dirty="0" err="1">
                 <a:solidFill>
                   <a:schemeClr val="accent1"/>
                 </a:solidFill>
@@ -38077,10 +38118,22 @@
                 <a:cs typeface="Twentieth Century"/>
                 <a:sym typeface="Twentieth Century"/>
               </a:rPr>
-              <a:t>pruning automatico</a:t>
+              <a:t>pruning</a:t>
             </a:r>
             <a:r>
-              <a:rPr lang="it-IT" sz="2200">
+              <a:rPr lang="it-IT" sz="2200" dirty="0">
+                <a:solidFill>
+                  <a:schemeClr val="accent1"/>
+                </a:solidFill>
+                <a:latin typeface="Twentieth Century"/>
+                <a:ea typeface="Twentieth Century"/>
+                <a:cs typeface="Twentieth Century"/>
+                <a:sym typeface="Twentieth Century"/>
+              </a:rPr>
+              <a:t> automatico</a:t>
+            </a:r>
+            <a:r>
+              <a:rPr lang="it-IT" sz="2200" dirty="0">
                 <a:solidFill>
                   <a:schemeClr val="dk1"/>
                 </a:solidFill>
@@ -38089,9 +38142,21 @@
                 <a:cs typeface="Twentieth Century"/>
                 <a:sym typeface="Twentieth Century"/>
               </a:rPr>
-              <a:t> basato sul peso delle spline</a:t>
+              <a:t> basato sul peso delle </a:t>
             </a:r>
-            <a:endParaRPr sz="2200">
+            <a:r>
+              <a:rPr lang="it-IT" sz="2200" dirty="0" err="1">
+                <a:solidFill>
+                  <a:schemeClr val="dk1"/>
+                </a:solidFill>
+                <a:latin typeface="Twentieth Century"/>
+                <a:ea typeface="Twentieth Century"/>
+                <a:cs typeface="Twentieth Century"/>
+                <a:sym typeface="Twentieth Century"/>
+              </a:rPr>
+              <a:t>spline</a:t>
+            </a:r>
+            <a:endParaRPr sz="2200" dirty="0">
               <a:solidFill>
                 <a:schemeClr val="dk1"/>
               </a:solidFill>
@@ -39270,7 +39335,7 @@
               <a:buChar char="●"/>
             </a:pPr>
             <a:r>
-              <a:rPr lang="it-IT" sz="2200">
+              <a:rPr lang="it-IT" sz="2200" dirty="0">
                 <a:solidFill>
                   <a:schemeClr val="accent1"/>
                 </a:solidFill>
@@ -39281,7 +39346,7 @@
               </a:rPr>
               <a:t>Features </a:t>
             </a:r>
-            <a:endParaRPr sz="2200">
+            <a:endParaRPr sz="2200" dirty="0">
               <a:solidFill>
                 <a:schemeClr val="accent1"/>
               </a:solidFill>
@@ -39307,7 +39372,7 @@
               <a:buChar char="○"/>
             </a:pPr>
             <a:r>
-              <a:rPr lang="it-IT" sz="2200">
+              <a:rPr lang="it-IT" sz="2200" dirty="0">
                 <a:solidFill>
                   <a:schemeClr val="dk1"/>
                 </a:solidFill>
@@ -39318,7 +39383,7 @@
               </a:rPr>
               <a:t>27 attributi numerici e categorici</a:t>
             </a:r>
-            <a:endParaRPr sz="2200">
+            <a:endParaRPr sz="2200" dirty="0">
               <a:solidFill>
                 <a:schemeClr val="dk1"/>
               </a:solidFill>
@@ -39344,7 +39409,7 @@
               <a:buChar char="○"/>
             </a:pPr>
             <a:r>
-              <a:rPr lang="it-IT" sz="2200">
+              <a:rPr lang="it-IT" sz="2200" dirty="0">
                 <a:solidFill>
                   <a:schemeClr val="dk1"/>
                 </a:solidFill>
@@ -39355,7 +39420,7 @@
               </a:rPr>
               <a:t>Alcuni attributi sono stati modificati o codificati (date, codici)</a:t>
             </a:r>
-            <a:endParaRPr sz="2200">
+            <a:endParaRPr sz="2200" dirty="0">
               <a:solidFill>
                 <a:schemeClr val="dk1"/>
               </a:solidFill>
@@ -39381,7 +39446,7 @@
               <a:buChar char="○"/>
             </a:pPr>
             <a:r>
-              <a:rPr lang="it-IT" sz="2200">
+              <a:rPr lang="it-IT" sz="2200" dirty="0">
                 <a:solidFill>
                   <a:schemeClr val="dk1"/>
                 </a:solidFill>
@@ -39392,7 +39457,7 @@
               </a:rPr>
               <a:t>Tutti i valori sono stati normalizzati in [0,1]</a:t>
             </a:r>
-            <a:endParaRPr sz="2200">
+            <a:endParaRPr sz="2200" dirty="0">
               <a:solidFill>
                 <a:schemeClr val="dk1"/>
               </a:solidFill>
@@ -39418,7 +39483,7 @@
               <a:buChar char="●"/>
             </a:pPr>
             <a:r>
-              <a:rPr lang="it-IT" sz="2200">
+              <a:rPr lang="it-IT" sz="2200" dirty="0">
                 <a:solidFill>
                   <a:schemeClr val="accent1"/>
                 </a:solidFill>
@@ -39429,7 +39494,7 @@
               </a:rPr>
               <a:t>Labels</a:t>
             </a:r>
-            <a:endParaRPr sz="2200">
+            <a:endParaRPr sz="2200" dirty="0">
               <a:solidFill>
                 <a:schemeClr val="accent1"/>
               </a:solidFill>
@@ -39455,7 +39520,7 @@
               <a:buChar char="○"/>
             </a:pPr>
             <a:r>
-              <a:rPr lang="it-IT" sz="2200">
+              <a:rPr lang="it-IT" sz="2200" dirty="0">
                 <a:solidFill>
                   <a:schemeClr val="dk1"/>
                 </a:solidFill>
@@ -39466,7 +39531,7 @@
               </a:rPr>
               <a:t>Un numero intero, il numero di giorni</a:t>
             </a:r>
-            <a:endParaRPr sz="2200">
+            <a:endParaRPr sz="2200" dirty="0">
               <a:solidFill>
                 <a:schemeClr val="dk1"/>
               </a:solidFill>
@@ -39486,7 +39551,7 @@
               </a:spcAft>
               <a:buNone/>
             </a:pPr>
-            <a:endParaRPr sz="2200">
+            <a:endParaRPr sz="2200" dirty="0">
               <a:solidFill>
                 <a:schemeClr val="dk1"/>
               </a:solidFill>

--- a/Presentazione_YesWeKAN.pptx
+++ b/Presentazione_YesWeKAN.pptx
@@ -5,7 +5,7 @@
     <p:sldMasterId id="2147483659" r:id="rId1"/>
   </p:sldMasterIdLst>
   <p:notesMasterIdLst>
-    <p:notesMasterId r:id="rId27"/>
+    <p:notesMasterId r:id="rId28"/>
   </p:notesMasterIdLst>
   <p:sldIdLst>
     <p:sldId id="256" r:id="rId2"/>
@@ -16,23 +16,24 @@
     <p:sldId id="261" r:id="rId7"/>
     <p:sldId id="262" r:id="rId8"/>
     <p:sldId id="263" r:id="rId9"/>
-    <p:sldId id="264" r:id="rId10"/>
-    <p:sldId id="265" r:id="rId11"/>
-    <p:sldId id="266" r:id="rId12"/>
-    <p:sldId id="267" r:id="rId13"/>
-    <p:sldId id="268" r:id="rId14"/>
-    <p:sldId id="269" r:id="rId15"/>
-    <p:sldId id="270" r:id="rId16"/>
-    <p:sldId id="271" r:id="rId17"/>
-    <p:sldId id="280" r:id="rId18"/>
-    <p:sldId id="272" r:id="rId19"/>
-    <p:sldId id="273" r:id="rId20"/>
-    <p:sldId id="274" r:id="rId21"/>
-    <p:sldId id="275" r:id="rId22"/>
-    <p:sldId id="276" r:id="rId23"/>
-    <p:sldId id="277" r:id="rId24"/>
-    <p:sldId id="278" r:id="rId25"/>
-    <p:sldId id="279" r:id="rId26"/>
+    <p:sldId id="281" r:id="rId10"/>
+    <p:sldId id="264" r:id="rId11"/>
+    <p:sldId id="265" r:id="rId12"/>
+    <p:sldId id="266" r:id="rId13"/>
+    <p:sldId id="267" r:id="rId14"/>
+    <p:sldId id="268" r:id="rId15"/>
+    <p:sldId id="269" r:id="rId16"/>
+    <p:sldId id="270" r:id="rId17"/>
+    <p:sldId id="271" r:id="rId18"/>
+    <p:sldId id="280" r:id="rId19"/>
+    <p:sldId id="272" r:id="rId20"/>
+    <p:sldId id="273" r:id="rId21"/>
+    <p:sldId id="274" r:id="rId22"/>
+    <p:sldId id="275" r:id="rId23"/>
+    <p:sldId id="276" r:id="rId24"/>
+    <p:sldId id="277" r:id="rId25"/>
+    <p:sldId id="278" r:id="rId26"/>
+    <p:sldId id="279" r:id="rId27"/>
   </p:sldIdLst>
   <p:sldSz cx="12192000" cy="6858000"/>
   <p:notesSz cx="6858000" cy="9144000"/>
@@ -1635,6 +1636,170 @@
   <p:cSld>
     <p:spTree>
       <p:nvGrpSpPr>
+        <p:cNvPr id="1" name="Shape 168"/>
+        <p:cNvGrpSpPr/>
+        <p:nvPr/>
+      </p:nvGrpSpPr>
+      <p:grpSpPr>
+        <a:xfrm>
+          <a:off x="0" y="0"/>
+          <a:ext cx="0" cy="0"/>
+          <a:chOff x="0" y="0"/>
+          <a:chExt cx="0" cy="0"/>
+        </a:xfrm>
+      </p:grpSpPr>
+      <p:sp>
+        <p:nvSpPr>
+          <p:cNvPr id="169" name="Google Shape;169;g2eb1383c48a_0_4:notes"/>
+          <p:cNvSpPr>
+            <a:spLocks noGrp="1" noRot="1" noChangeAspect="1"/>
+          </p:cNvSpPr>
+          <p:nvPr>
+            <p:ph type="sldImg" idx="2"/>
+          </p:nvPr>
+        </p:nvSpPr>
+        <p:spPr>
+          <a:xfrm>
+            <a:off x="685800" y="1143000"/>
+            <a:ext cx="5486400" cy="3086100"/>
+          </a:xfrm>
+          <a:custGeom>
+            <a:avLst/>
+            <a:gdLst/>
+            <a:ahLst/>
+            <a:cxnLst/>
+            <a:rect l="l" t="t" r="r" b="b"/>
+            <a:pathLst>
+              <a:path w="120000" h="120000" extrusionOk="0">
+                <a:moveTo>
+                  <a:pt x="0" y="0"/>
+                </a:moveTo>
+                <a:lnTo>
+                  <a:pt x="120000" y="0"/>
+                </a:lnTo>
+                <a:lnTo>
+                  <a:pt x="120000" y="120000"/>
+                </a:lnTo>
+                <a:lnTo>
+                  <a:pt x="0" y="120000"/>
+                </a:lnTo>
+                <a:close/>
+              </a:path>
+            </a:pathLst>
+          </a:custGeom>
+          <a:noFill/>
+          <a:ln w="12700" cap="flat" cmpd="sng">
+            <a:solidFill>
+              <a:srgbClr val="000000"/>
+            </a:solidFill>
+            <a:prstDash val="solid"/>
+            <a:round/>
+            <a:headEnd type="none" w="sm" len="sm"/>
+            <a:tailEnd type="none" w="sm" len="sm"/>
+          </a:ln>
+        </p:spPr>
+      </p:sp>
+      <p:sp>
+        <p:nvSpPr>
+          <p:cNvPr id="170" name="Google Shape;170;g2eb1383c48a_0_4:notes"/>
+          <p:cNvSpPr txBox="1">
+            <a:spLocks noGrp="1"/>
+          </p:cNvSpPr>
+          <p:nvPr>
+            <p:ph type="body" idx="1"/>
+          </p:nvPr>
+        </p:nvSpPr>
+        <p:spPr>
+          <a:xfrm>
+            <a:off x="685800" y="4400550"/>
+            <a:ext cx="5486400" cy="3600600"/>
+          </a:xfrm>
+          <a:prstGeom prst="rect">
+            <a:avLst/>
+          </a:prstGeom>
+          <a:noFill/>
+          <a:ln>
+            <a:noFill/>
+          </a:ln>
+        </p:spPr>
+        <p:txBody>
+          <a:bodyPr spcFirstLastPara="1" wrap="square" lIns="91425" tIns="45700" rIns="91425" bIns="45700" anchor="t" anchorCtr="0">
+            <a:noAutofit/>
+          </a:bodyPr>
+          <a:lstStyle/>
+          <a:p>
+            <a:pPr marL="0" lvl="0" indent="0" algn="l" rtl="0">
+              <a:spcBef>
+                <a:spcPts val="0"/>
+              </a:spcBef>
+              <a:spcAft>
+                <a:spcPts val="0"/>
+              </a:spcAft>
+              <a:buNone/>
+            </a:pPr>
+            <a:endParaRPr/>
+          </a:p>
+        </p:txBody>
+      </p:sp>
+      <p:sp>
+        <p:nvSpPr>
+          <p:cNvPr id="171" name="Google Shape;171;g2eb1383c48a_0_4:notes"/>
+          <p:cNvSpPr txBox="1">
+            <a:spLocks noGrp="1"/>
+          </p:cNvSpPr>
+          <p:nvPr>
+            <p:ph type="sldNum" idx="12"/>
+          </p:nvPr>
+        </p:nvSpPr>
+        <p:spPr>
+          <a:xfrm>
+            <a:off x="3884613" y="8685213"/>
+            <a:ext cx="2971800" cy="458700"/>
+          </a:xfrm>
+          <a:prstGeom prst="rect">
+            <a:avLst/>
+          </a:prstGeom>
+          <a:noFill/>
+          <a:ln>
+            <a:noFill/>
+          </a:ln>
+        </p:spPr>
+        <p:txBody>
+          <a:bodyPr spcFirstLastPara="1" wrap="square" lIns="91425" tIns="45700" rIns="91425" bIns="45700" anchor="b" anchorCtr="0">
+            <a:noAutofit/>
+          </a:bodyPr>
+          <a:lstStyle/>
+          <a:p>
+            <a:pPr marL="0" lvl="0" indent="0" algn="r" rtl="0">
+              <a:spcBef>
+                <a:spcPts val="0"/>
+              </a:spcBef>
+              <a:spcAft>
+                <a:spcPts val="0"/>
+              </a:spcAft>
+              <a:buNone/>
+            </a:pPr>
+            <a:fld id="{00000000-1234-1234-1234-123412341234}" type="slidenum">
+              <a:rPr lang="it-IT"/>
+              <a:t>10</a:t>
+            </a:fld>
+            <a:endParaRPr/>
+          </a:p>
+        </p:txBody>
+      </p:sp>
+    </p:spTree>
+  </p:cSld>
+  <p:clrMapOvr>
+    <a:masterClrMapping/>
+  </p:clrMapOvr>
+</p:notes>
+</file>
+
+<file path=ppt/notesSlides/notesSlide11.xml><?xml version="1.0" encoding="utf-8"?>
+<p:notes xmlns:a="http://schemas.openxmlformats.org/drawingml/2006/main" xmlns:r="http://schemas.openxmlformats.org/officeDocument/2006/relationships" xmlns:p="http://schemas.openxmlformats.org/presentationml/2006/main" showMasterSp="0" showMasterPhAnim="0">
+  <p:cSld>
+    <p:spTree>
+      <p:nvGrpSpPr>
         <p:cNvPr id="1" name="Shape 181"/>
         <p:cNvGrpSpPr/>
         <p:nvPr/>
@@ -1780,7 +1945,7 @@
             </a:pPr>
             <a:fld id="{00000000-1234-1234-1234-123412341234}" type="slidenum">
               <a:rPr lang="it-IT"/>
-              <a:t>10</a:t>
+              <a:t>11</a:t>
             </a:fld>
             <a:endParaRPr/>
           </a:p>
@@ -1794,7 +1959,7 @@
 </p:notes>
 </file>
 
-<file path=ppt/notesSlides/notesSlide11.xml><?xml version="1.0" encoding="utf-8"?>
+<file path=ppt/notesSlides/notesSlide12.xml><?xml version="1.0" encoding="utf-8"?>
 <p:notes xmlns:a="http://schemas.openxmlformats.org/drawingml/2006/main" xmlns:r="http://schemas.openxmlformats.org/officeDocument/2006/relationships" xmlns:p="http://schemas.openxmlformats.org/presentationml/2006/main" showMasterSp="0" showMasterPhAnim="0">
   <p:cSld>
     <p:spTree>
@@ -1944,7 +2109,7 @@
             </a:pPr>
             <a:fld id="{00000000-1234-1234-1234-123412341234}" type="slidenum">
               <a:rPr lang="it-IT"/>
-              <a:t>11</a:t>
+              <a:t>12</a:t>
             </a:fld>
             <a:endParaRPr/>
           </a:p>
@@ -1958,7 +2123,7 @@
 </p:notes>
 </file>
 
-<file path=ppt/notesSlides/notesSlide12.xml><?xml version="1.0" encoding="utf-8"?>
+<file path=ppt/notesSlides/notesSlide13.xml><?xml version="1.0" encoding="utf-8"?>
 <p:notes xmlns:a="http://schemas.openxmlformats.org/drawingml/2006/main" xmlns:r="http://schemas.openxmlformats.org/officeDocument/2006/relationships" xmlns:p="http://schemas.openxmlformats.org/presentationml/2006/main" showMasterSp="0" showMasterPhAnim="0">
   <p:cSld>
     <p:spTree>
@@ -2108,7 +2273,7 @@
             </a:pPr>
             <a:fld id="{00000000-1234-1234-1234-123412341234}" type="slidenum">
               <a:rPr lang="it-IT"/>
-              <a:t>12</a:t>
+              <a:t>13</a:t>
             </a:fld>
             <a:endParaRPr/>
           </a:p>
@@ -2122,7 +2287,7 @@
 </p:notes>
 </file>
 
-<file path=ppt/notesSlides/notesSlide13.xml><?xml version="1.0" encoding="utf-8"?>
+<file path=ppt/notesSlides/notesSlide14.xml><?xml version="1.0" encoding="utf-8"?>
 <p:notes xmlns:a="http://schemas.openxmlformats.org/drawingml/2006/main" xmlns:r="http://schemas.openxmlformats.org/officeDocument/2006/relationships" xmlns:p="http://schemas.openxmlformats.org/presentationml/2006/main" showMasterSp="0" showMasterPhAnim="0">
   <p:cSld>
     <p:spTree>
@@ -2272,7 +2437,7 @@
             </a:pPr>
             <a:fld id="{00000000-1234-1234-1234-123412341234}" type="slidenum">
               <a:rPr lang="it-IT"/>
-              <a:t>13</a:t>
+              <a:t>14</a:t>
             </a:fld>
             <a:endParaRPr/>
           </a:p>
@@ -2286,7 +2451,7 @@
 </p:notes>
 </file>
 
-<file path=ppt/notesSlides/notesSlide14.xml><?xml version="1.0" encoding="utf-8"?>
+<file path=ppt/notesSlides/notesSlide15.xml><?xml version="1.0" encoding="utf-8"?>
 <p:notes xmlns:a="http://schemas.openxmlformats.org/drawingml/2006/main" xmlns:r="http://schemas.openxmlformats.org/officeDocument/2006/relationships" xmlns:p="http://schemas.openxmlformats.org/presentationml/2006/main" showMasterSp="0" showMasterPhAnim="0">
   <p:cSld>
     <p:spTree>
@@ -2422,7 +2587,7 @@
             </a:pPr>
             <a:fld id="{00000000-1234-1234-1234-123412341234}" type="slidenum">
               <a:rPr lang="it-IT"/>
-              <a:t>14</a:t>
+              <a:t>15</a:t>
             </a:fld>
             <a:endParaRPr/>
           </a:p>
@@ -2436,7 +2601,7 @@
 </p:notes>
 </file>
 
-<file path=ppt/notesSlides/notesSlide15.xml><?xml version="1.0" encoding="utf-8"?>
+<file path=ppt/notesSlides/notesSlide16.xml><?xml version="1.0" encoding="utf-8"?>
 <p:notes xmlns:a="http://schemas.openxmlformats.org/drawingml/2006/main" xmlns:r="http://schemas.openxmlformats.org/officeDocument/2006/relationships" xmlns:p="http://schemas.openxmlformats.org/presentationml/2006/main" showMasterSp="0" showMasterPhAnim="0">
   <p:cSld>
     <p:spTree>
@@ -2568,170 +2733,6 @@
                 <a:srgbClr val="000000"/>
               </a:buClr>
               <a:buFont typeface="Arial"/>
-              <a:buNone/>
-            </a:pPr>
-            <a:fld id="{00000000-1234-1234-1234-123412341234}" type="slidenum">
-              <a:rPr lang="it-IT"/>
-              <a:t>15</a:t>
-            </a:fld>
-            <a:endParaRPr/>
-          </a:p>
-        </p:txBody>
-      </p:sp>
-    </p:spTree>
-  </p:cSld>
-  <p:clrMapOvr>
-    <a:masterClrMapping/>
-  </p:clrMapOvr>
-</p:notes>
-</file>
-
-<file path=ppt/notesSlides/notesSlide16.xml><?xml version="1.0" encoding="utf-8"?>
-<p:notes xmlns:a="http://schemas.openxmlformats.org/drawingml/2006/main" xmlns:r="http://schemas.openxmlformats.org/officeDocument/2006/relationships" xmlns:p="http://schemas.openxmlformats.org/presentationml/2006/main" showMasterSp="0" showMasterPhAnim="0">
-  <p:cSld>
-    <p:spTree>
-      <p:nvGrpSpPr>
-        <p:cNvPr id="1" name="Shape 241"/>
-        <p:cNvGrpSpPr/>
-        <p:nvPr/>
-      </p:nvGrpSpPr>
-      <p:grpSpPr>
-        <a:xfrm>
-          <a:off x="0" y="0"/>
-          <a:ext cx="0" cy="0"/>
-          <a:chOff x="0" y="0"/>
-          <a:chExt cx="0" cy="0"/>
-        </a:xfrm>
-      </p:grpSpPr>
-      <p:sp>
-        <p:nvSpPr>
-          <p:cNvPr id="242" name="Google Shape;242;g2eb2196a626_0_22:notes"/>
-          <p:cNvSpPr>
-            <a:spLocks noGrp="1" noRot="1" noChangeAspect="1"/>
-          </p:cNvSpPr>
-          <p:nvPr>
-            <p:ph type="sldImg" idx="2"/>
-          </p:nvPr>
-        </p:nvSpPr>
-        <p:spPr>
-          <a:xfrm>
-            <a:off x="685800" y="1143000"/>
-            <a:ext cx="5486400" cy="3086100"/>
-          </a:xfrm>
-          <a:custGeom>
-            <a:avLst/>
-            <a:gdLst/>
-            <a:ahLst/>
-            <a:cxnLst/>
-            <a:rect l="l" t="t" r="r" b="b"/>
-            <a:pathLst>
-              <a:path w="120000" h="120000" extrusionOk="0">
-                <a:moveTo>
-                  <a:pt x="0" y="0"/>
-                </a:moveTo>
-                <a:lnTo>
-                  <a:pt x="120000" y="0"/>
-                </a:lnTo>
-                <a:lnTo>
-                  <a:pt x="120000" y="120000"/>
-                </a:lnTo>
-                <a:lnTo>
-                  <a:pt x="0" y="120000"/>
-                </a:lnTo>
-                <a:close/>
-              </a:path>
-            </a:pathLst>
-          </a:custGeom>
-          <a:noFill/>
-          <a:ln w="12700" cap="flat" cmpd="sng">
-            <a:solidFill>
-              <a:srgbClr val="000000"/>
-            </a:solidFill>
-            <a:prstDash val="solid"/>
-            <a:round/>
-            <a:headEnd type="none" w="sm" len="sm"/>
-            <a:tailEnd type="none" w="sm" len="sm"/>
-          </a:ln>
-        </p:spPr>
-      </p:sp>
-      <p:sp>
-        <p:nvSpPr>
-          <p:cNvPr id="243" name="Google Shape;243;g2eb2196a626_0_22:notes"/>
-          <p:cNvSpPr txBox="1">
-            <a:spLocks noGrp="1"/>
-          </p:cNvSpPr>
-          <p:nvPr>
-            <p:ph type="body" idx="1"/>
-          </p:nvPr>
-        </p:nvSpPr>
-        <p:spPr>
-          <a:xfrm>
-            <a:off x="685800" y="4400550"/>
-            <a:ext cx="5486400" cy="3600600"/>
-          </a:xfrm>
-          <a:prstGeom prst="rect">
-            <a:avLst/>
-          </a:prstGeom>
-          <a:noFill/>
-          <a:ln>
-            <a:noFill/>
-          </a:ln>
-        </p:spPr>
-        <p:txBody>
-          <a:bodyPr spcFirstLastPara="1" wrap="square" lIns="91425" tIns="45700" rIns="91425" bIns="45700" anchor="t" anchorCtr="0">
-            <a:noAutofit/>
-          </a:bodyPr>
-          <a:lstStyle/>
-          <a:p>
-            <a:pPr marL="0" lvl="0" indent="0" algn="l" rtl="0">
-              <a:spcBef>
-                <a:spcPts val="0"/>
-              </a:spcBef>
-              <a:spcAft>
-                <a:spcPts val="0"/>
-              </a:spcAft>
-              <a:buNone/>
-            </a:pPr>
-            <a:endParaRPr/>
-          </a:p>
-        </p:txBody>
-      </p:sp>
-      <p:sp>
-        <p:nvSpPr>
-          <p:cNvPr id="244" name="Google Shape;244;g2eb2196a626_0_22:notes"/>
-          <p:cNvSpPr txBox="1">
-            <a:spLocks noGrp="1"/>
-          </p:cNvSpPr>
-          <p:nvPr>
-            <p:ph type="sldNum" idx="12"/>
-          </p:nvPr>
-        </p:nvSpPr>
-        <p:spPr>
-          <a:xfrm>
-            <a:off x="3884613" y="8685213"/>
-            <a:ext cx="2971800" cy="458700"/>
-          </a:xfrm>
-          <a:prstGeom prst="rect">
-            <a:avLst/>
-          </a:prstGeom>
-          <a:noFill/>
-          <a:ln>
-            <a:noFill/>
-          </a:ln>
-        </p:spPr>
-        <p:txBody>
-          <a:bodyPr spcFirstLastPara="1" wrap="square" lIns="91425" tIns="45700" rIns="91425" bIns="45700" anchor="b" anchorCtr="0">
-            <a:noAutofit/>
-          </a:bodyPr>
-          <a:lstStyle/>
-          <a:p>
-            <a:pPr marL="0" lvl="0" indent="0" algn="r" rtl="0">
-              <a:spcBef>
-                <a:spcPts val="0"/>
-              </a:spcBef>
-              <a:spcAft>
-                <a:spcPts val="0"/>
-              </a:spcAft>
               <a:buNone/>
             </a:pPr>
             <a:fld id="{00000000-1234-1234-1234-123412341234}" type="slidenum">
@@ -2907,6 +2908,170 @@
         </p:txBody>
       </p:sp>
     </p:spTree>
+  </p:cSld>
+  <p:clrMapOvr>
+    <a:masterClrMapping/>
+  </p:clrMapOvr>
+</p:notes>
+</file>
+
+<file path=ppt/notesSlides/notesSlide18.xml><?xml version="1.0" encoding="utf-8"?>
+<p:notes xmlns:a="http://schemas.openxmlformats.org/drawingml/2006/main" xmlns:r="http://schemas.openxmlformats.org/officeDocument/2006/relationships" xmlns:p="http://schemas.openxmlformats.org/presentationml/2006/main" showMasterSp="0" showMasterPhAnim="0">
+  <p:cSld>
+    <p:spTree>
+      <p:nvGrpSpPr>
+        <p:cNvPr id="1" name="Shape 241"/>
+        <p:cNvGrpSpPr/>
+        <p:nvPr/>
+      </p:nvGrpSpPr>
+      <p:grpSpPr>
+        <a:xfrm>
+          <a:off x="0" y="0"/>
+          <a:ext cx="0" cy="0"/>
+          <a:chOff x="0" y="0"/>
+          <a:chExt cx="0" cy="0"/>
+        </a:xfrm>
+      </p:grpSpPr>
+      <p:sp>
+        <p:nvSpPr>
+          <p:cNvPr id="242" name="Google Shape;242;g2eb2196a626_0_22:notes"/>
+          <p:cNvSpPr>
+            <a:spLocks noGrp="1" noRot="1" noChangeAspect="1"/>
+          </p:cNvSpPr>
+          <p:nvPr>
+            <p:ph type="sldImg" idx="2"/>
+          </p:nvPr>
+        </p:nvSpPr>
+        <p:spPr>
+          <a:xfrm>
+            <a:off x="685800" y="1143000"/>
+            <a:ext cx="5486400" cy="3086100"/>
+          </a:xfrm>
+          <a:custGeom>
+            <a:avLst/>
+            <a:gdLst/>
+            <a:ahLst/>
+            <a:cxnLst/>
+            <a:rect l="l" t="t" r="r" b="b"/>
+            <a:pathLst>
+              <a:path w="120000" h="120000" extrusionOk="0">
+                <a:moveTo>
+                  <a:pt x="0" y="0"/>
+                </a:moveTo>
+                <a:lnTo>
+                  <a:pt x="120000" y="0"/>
+                </a:lnTo>
+                <a:lnTo>
+                  <a:pt x="120000" y="120000"/>
+                </a:lnTo>
+                <a:lnTo>
+                  <a:pt x="0" y="120000"/>
+                </a:lnTo>
+                <a:close/>
+              </a:path>
+            </a:pathLst>
+          </a:custGeom>
+          <a:noFill/>
+          <a:ln w="12700" cap="flat" cmpd="sng">
+            <a:solidFill>
+              <a:srgbClr val="000000"/>
+            </a:solidFill>
+            <a:prstDash val="solid"/>
+            <a:round/>
+            <a:headEnd type="none" w="sm" len="sm"/>
+            <a:tailEnd type="none" w="sm" len="sm"/>
+          </a:ln>
+        </p:spPr>
+      </p:sp>
+      <p:sp>
+        <p:nvSpPr>
+          <p:cNvPr id="243" name="Google Shape;243;g2eb2196a626_0_22:notes"/>
+          <p:cNvSpPr txBox="1">
+            <a:spLocks noGrp="1"/>
+          </p:cNvSpPr>
+          <p:nvPr>
+            <p:ph type="body" idx="1"/>
+          </p:nvPr>
+        </p:nvSpPr>
+        <p:spPr>
+          <a:xfrm>
+            <a:off x="685800" y="4400550"/>
+            <a:ext cx="5486400" cy="3600600"/>
+          </a:xfrm>
+          <a:prstGeom prst="rect">
+            <a:avLst/>
+          </a:prstGeom>
+          <a:noFill/>
+          <a:ln>
+            <a:noFill/>
+          </a:ln>
+        </p:spPr>
+        <p:txBody>
+          <a:bodyPr spcFirstLastPara="1" wrap="square" lIns="91425" tIns="45700" rIns="91425" bIns="45700" anchor="t" anchorCtr="0">
+            <a:noAutofit/>
+          </a:bodyPr>
+          <a:lstStyle/>
+          <a:p>
+            <a:pPr marL="0" lvl="0" indent="0" algn="l" rtl="0">
+              <a:spcBef>
+                <a:spcPts val="0"/>
+              </a:spcBef>
+              <a:spcAft>
+                <a:spcPts val="0"/>
+              </a:spcAft>
+              <a:buNone/>
+            </a:pPr>
+            <a:endParaRPr/>
+          </a:p>
+        </p:txBody>
+      </p:sp>
+      <p:sp>
+        <p:nvSpPr>
+          <p:cNvPr id="244" name="Google Shape;244;g2eb2196a626_0_22:notes"/>
+          <p:cNvSpPr txBox="1">
+            <a:spLocks noGrp="1"/>
+          </p:cNvSpPr>
+          <p:nvPr>
+            <p:ph type="sldNum" idx="12"/>
+          </p:nvPr>
+        </p:nvSpPr>
+        <p:spPr>
+          <a:xfrm>
+            <a:off x="3884613" y="8685213"/>
+            <a:ext cx="2971800" cy="458700"/>
+          </a:xfrm>
+          <a:prstGeom prst="rect">
+            <a:avLst/>
+          </a:prstGeom>
+          <a:noFill/>
+          <a:ln>
+            <a:noFill/>
+          </a:ln>
+        </p:spPr>
+        <p:txBody>
+          <a:bodyPr spcFirstLastPara="1" wrap="square" lIns="91425" tIns="45700" rIns="91425" bIns="45700" anchor="b" anchorCtr="0">
+            <a:noAutofit/>
+          </a:bodyPr>
+          <a:lstStyle/>
+          <a:p>
+            <a:pPr marL="0" lvl="0" indent="0" algn="r" rtl="0">
+              <a:spcBef>
+                <a:spcPts val="0"/>
+              </a:spcBef>
+              <a:spcAft>
+                <a:spcPts val="0"/>
+              </a:spcAft>
+              <a:buNone/>
+            </a:pPr>
+            <a:fld id="{00000000-1234-1234-1234-123412341234}" type="slidenum">
+              <a:rPr lang="it-IT"/>
+              <a:t>18</a:t>
+            </a:fld>
+            <a:endParaRPr/>
+          </a:p>
+        </p:txBody>
+      </p:sp>
+    </p:spTree>
     <p:extLst>
       <p:ext uri="{BB962C8B-B14F-4D97-AF65-F5344CB8AC3E}">
         <p14:creationId xmlns:p14="http://schemas.microsoft.com/office/powerpoint/2010/main" val="4095570421"/>
@@ -2919,7 +3084,7 @@
 </p:notes>
 </file>
 
-<file path=ppt/notesSlides/notesSlide18.xml><?xml version="1.0" encoding="utf-8"?>
+<file path=ppt/notesSlides/notesSlide19.xml><?xml version="1.0" encoding="utf-8"?>
 <p:notes xmlns:a="http://schemas.openxmlformats.org/drawingml/2006/main" xmlns:r="http://schemas.openxmlformats.org/officeDocument/2006/relationships" xmlns:p="http://schemas.openxmlformats.org/presentationml/2006/main" showMasterSp="0" showMasterPhAnim="0">
   <p:cSld>
     <p:spTree>
@@ -3032,170 +3197,6 @@
       <p:sp>
         <p:nvSpPr>
           <p:cNvPr id="253" name="Google Shape;253;g2eb2196a626_0_28:notes"/>
-          <p:cNvSpPr txBox="1">
-            <a:spLocks noGrp="1"/>
-          </p:cNvSpPr>
-          <p:nvPr>
-            <p:ph type="sldNum" idx="12"/>
-          </p:nvPr>
-        </p:nvSpPr>
-        <p:spPr>
-          <a:xfrm>
-            <a:off x="3884613" y="8685213"/>
-            <a:ext cx="2971800" cy="458700"/>
-          </a:xfrm>
-          <a:prstGeom prst="rect">
-            <a:avLst/>
-          </a:prstGeom>
-          <a:noFill/>
-          <a:ln>
-            <a:noFill/>
-          </a:ln>
-        </p:spPr>
-        <p:txBody>
-          <a:bodyPr spcFirstLastPara="1" wrap="square" lIns="91425" tIns="45700" rIns="91425" bIns="45700" anchor="b" anchorCtr="0">
-            <a:noAutofit/>
-          </a:bodyPr>
-          <a:lstStyle/>
-          <a:p>
-            <a:pPr marL="0" lvl="0" indent="0" algn="r" rtl="0">
-              <a:spcBef>
-                <a:spcPts val="0"/>
-              </a:spcBef>
-              <a:spcAft>
-                <a:spcPts val="0"/>
-              </a:spcAft>
-              <a:buNone/>
-            </a:pPr>
-            <a:fld id="{00000000-1234-1234-1234-123412341234}" type="slidenum">
-              <a:rPr lang="it-IT"/>
-              <a:t>18</a:t>
-            </a:fld>
-            <a:endParaRPr/>
-          </a:p>
-        </p:txBody>
-      </p:sp>
-    </p:spTree>
-  </p:cSld>
-  <p:clrMapOvr>
-    <a:masterClrMapping/>
-  </p:clrMapOvr>
-</p:notes>
-</file>
-
-<file path=ppt/notesSlides/notesSlide19.xml><?xml version="1.0" encoding="utf-8"?>
-<p:notes xmlns:a="http://schemas.openxmlformats.org/drawingml/2006/main" xmlns:r="http://schemas.openxmlformats.org/officeDocument/2006/relationships" xmlns:p="http://schemas.openxmlformats.org/presentationml/2006/main" showMasterSp="0" showMasterPhAnim="0">
-  <p:cSld>
-    <p:spTree>
-      <p:nvGrpSpPr>
-        <p:cNvPr id="1" name="Shape 258"/>
-        <p:cNvGrpSpPr/>
-        <p:nvPr/>
-      </p:nvGrpSpPr>
-      <p:grpSpPr>
-        <a:xfrm>
-          <a:off x="0" y="0"/>
-          <a:ext cx="0" cy="0"/>
-          <a:chOff x="0" y="0"/>
-          <a:chExt cx="0" cy="0"/>
-        </a:xfrm>
-      </p:grpSpPr>
-      <p:sp>
-        <p:nvSpPr>
-          <p:cNvPr id="259" name="Google Shape;259;g2ec91162f16_0_16:notes"/>
-          <p:cNvSpPr>
-            <a:spLocks noGrp="1" noRot="1" noChangeAspect="1"/>
-          </p:cNvSpPr>
-          <p:nvPr>
-            <p:ph type="sldImg" idx="2"/>
-          </p:nvPr>
-        </p:nvSpPr>
-        <p:spPr>
-          <a:xfrm>
-            <a:off x="685800" y="1143000"/>
-            <a:ext cx="5486400" cy="3086100"/>
-          </a:xfrm>
-          <a:custGeom>
-            <a:avLst/>
-            <a:gdLst/>
-            <a:ahLst/>
-            <a:cxnLst/>
-            <a:rect l="l" t="t" r="r" b="b"/>
-            <a:pathLst>
-              <a:path w="120000" h="120000" extrusionOk="0">
-                <a:moveTo>
-                  <a:pt x="0" y="0"/>
-                </a:moveTo>
-                <a:lnTo>
-                  <a:pt x="120000" y="0"/>
-                </a:lnTo>
-                <a:lnTo>
-                  <a:pt x="120000" y="120000"/>
-                </a:lnTo>
-                <a:lnTo>
-                  <a:pt x="0" y="120000"/>
-                </a:lnTo>
-                <a:close/>
-              </a:path>
-            </a:pathLst>
-          </a:custGeom>
-          <a:noFill/>
-          <a:ln w="12700" cap="flat" cmpd="sng">
-            <a:solidFill>
-              <a:srgbClr val="000000"/>
-            </a:solidFill>
-            <a:prstDash val="solid"/>
-            <a:round/>
-            <a:headEnd type="none" w="sm" len="sm"/>
-            <a:tailEnd type="none" w="sm" len="sm"/>
-          </a:ln>
-        </p:spPr>
-      </p:sp>
-      <p:sp>
-        <p:nvSpPr>
-          <p:cNvPr id="260" name="Google Shape;260;g2ec91162f16_0_16:notes"/>
-          <p:cNvSpPr txBox="1">
-            <a:spLocks noGrp="1"/>
-          </p:cNvSpPr>
-          <p:nvPr>
-            <p:ph type="body" idx="1"/>
-          </p:nvPr>
-        </p:nvSpPr>
-        <p:spPr>
-          <a:xfrm>
-            <a:off x="685800" y="4400550"/>
-            <a:ext cx="5486400" cy="3600600"/>
-          </a:xfrm>
-          <a:prstGeom prst="rect">
-            <a:avLst/>
-          </a:prstGeom>
-          <a:noFill/>
-          <a:ln>
-            <a:noFill/>
-          </a:ln>
-        </p:spPr>
-        <p:txBody>
-          <a:bodyPr spcFirstLastPara="1" wrap="square" lIns="91425" tIns="45700" rIns="91425" bIns="45700" anchor="t" anchorCtr="0">
-            <a:noAutofit/>
-          </a:bodyPr>
-          <a:lstStyle/>
-          <a:p>
-            <a:pPr marL="0" lvl="0" indent="0" algn="l" rtl="0">
-              <a:spcBef>
-                <a:spcPts val="0"/>
-              </a:spcBef>
-              <a:spcAft>
-                <a:spcPts val="0"/>
-              </a:spcAft>
-              <a:buNone/>
-            </a:pPr>
-            <a:endParaRPr/>
-          </a:p>
-        </p:txBody>
-      </p:sp>
-      <p:sp>
-        <p:nvSpPr>
-          <p:cNvPr id="261" name="Google Shape;261;g2ec91162f16_0_16:notes"/>
           <p:cNvSpPr txBox="1">
             <a:spLocks noGrp="1"/>
           </p:cNvSpPr>
@@ -3416,6 +3417,170 @@
   <p:cSld>
     <p:spTree>
       <p:nvGrpSpPr>
+        <p:cNvPr id="1" name="Shape 258"/>
+        <p:cNvGrpSpPr/>
+        <p:nvPr/>
+      </p:nvGrpSpPr>
+      <p:grpSpPr>
+        <a:xfrm>
+          <a:off x="0" y="0"/>
+          <a:ext cx="0" cy="0"/>
+          <a:chOff x="0" y="0"/>
+          <a:chExt cx="0" cy="0"/>
+        </a:xfrm>
+      </p:grpSpPr>
+      <p:sp>
+        <p:nvSpPr>
+          <p:cNvPr id="259" name="Google Shape;259;g2ec91162f16_0_16:notes"/>
+          <p:cNvSpPr>
+            <a:spLocks noGrp="1" noRot="1" noChangeAspect="1"/>
+          </p:cNvSpPr>
+          <p:nvPr>
+            <p:ph type="sldImg" idx="2"/>
+          </p:nvPr>
+        </p:nvSpPr>
+        <p:spPr>
+          <a:xfrm>
+            <a:off x="685800" y="1143000"/>
+            <a:ext cx="5486400" cy="3086100"/>
+          </a:xfrm>
+          <a:custGeom>
+            <a:avLst/>
+            <a:gdLst/>
+            <a:ahLst/>
+            <a:cxnLst/>
+            <a:rect l="l" t="t" r="r" b="b"/>
+            <a:pathLst>
+              <a:path w="120000" h="120000" extrusionOk="0">
+                <a:moveTo>
+                  <a:pt x="0" y="0"/>
+                </a:moveTo>
+                <a:lnTo>
+                  <a:pt x="120000" y="0"/>
+                </a:lnTo>
+                <a:lnTo>
+                  <a:pt x="120000" y="120000"/>
+                </a:lnTo>
+                <a:lnTo>
+                  <a:pt x="0" y="120000"/>
+                </a:lnTo>
+                <a:close/>
+              </a:path>
+            </a:pathLst>
+          </a:custGeom>
+          <a:noFill/>
+          <a:ln w="12700" cap="flat" cmpd="sng">
+            <a:solidFill>
+              <a:srgbClr val="000000"/>
+            </a:solidFill>
+            <a:prstDash val="solid"/>
+            <a:round/>
+            <a:headEnd type="none" w="sm" len="sm"/>
+            <a:tailEnd type="none" w="sm" len="sm"/>
+          </a:ln>
+        </p:spPr>
+      </p:sp>
+      <p:sp>
+        <p:nvSpPr>
+          <p:cNvPr id="260" name="Google Shape;260;g2ec91162f16_0_16:notes"/>
+          <p:cNvSpPr txBox="1">
+            <a:spLocks noGrp="1"/>
+          </p:cNvSpPr>
+          <p:nvPr>
+            <p:ph type="body" idx="1"/>
+          </p:nvPr>
+        </p:nvSpPr>
+        <p:spPr>
+          <a:xfrm>
+            <a:off x="685800" y="4400550"/>
+            <a:ext cx="5486400" cy="3600600"/>
+          </a:xfrm>
+          <a:prstGeom prst="rect">
+            <a:avLst/>
+          </a:prstGeom>
+          <a:noFill/>
+          <a:ln>
+            <a:noFill/>
+          </a:ln>
+        </p:spPr>
+        <p:txBody>
+          <a:bodyPr spcFirstLastPara="1" wrap="square" lIns="91425" tIns="45700" rIns="91425" bIns="45700" anchor="t" anchorCtr="0">
+            <a:noAutofit/>
+          </a:bodyPr>
+          <a:lstStyle/>
+          <a:p>
+            <a:pPr marL="0" lvl="0" indent="0" algn="l" rtl="0">
+              <a:spcBef>
+                <a:spcPts val="0"/>
+              </a:spcBef>
+              <a:spcAft>
+                <a:spcPts val="0"/>
+              </a:spcAft>
+              <a:buNone/>
+            </a:pPr>
+            <a:endParaRPr/>
+          </a:p>
+        </p:txBody>
+      </p:sp>
+      <p:sp>
+        <p:nvSpPr>
+          <p:cNvPr id="261" name="Google Shape;261;g2ec91162f16_0_16:notes"/>
+          <p:cNvSpPr txBox="1">
+            <a:spLocks noGrp="1"/>
+          </p:cNvSpPr>
+          <p:nvPr>
+            <p:ph type="sldNum" idx="12"/>
+          </p:nvPr>
+        </p:nvSpPr>
+        <p:spPr>
+          <a:xfrm>
+            <a:off x="3884613" y="8685213"/>
+            <a:ext cx="2971800" cy="458700"/>
+          </a:xfrm>
+          <a:prstGeom prst="rect">
+            <a:avLst/>
+          </a:prstGeom>
+          <a:noFill/>
+          <a:ln>
+            <a:noFill/>
+          </a:ln>
+        </p:spPr>
+        <p:txBody>
+          <a:bodyPr spcFirstLastPara="1" wrap="square" lIns="91425" tIns="45700" rIns="91425" bIns="45700" anchor="b" anchorCtr="0">
+            <a:noAutofit/>
+          </a:bodyPr>
+          <a:lstStyle/>
+          <a:p>
+            <a:pPr marL="0" lvl="0" indent="0" algn="r" rtl="0">
+              <a:spcBef>
+                <a:spcPts val="0"/>
+              </a:spcBef>
+              <a:spcAft>
+                <a:spcPts val="0"/>
+              </a:spcAft>
+              <a:buNone/>
+            </a:pPr>
+            <a:fld id="{00000000-1234-1234-1234-123412341234}" type="slidenum">
+              <a:rPr lang="it-IT"/>
+              <a:t>20</a:t>
+            </a:fld>
+            <a:endParaRPr/>
+          </a:p>
+        </p:txBody>
+      </p:sp>
+    </p:spTree>
+  </p:cSld>
+  <p:clrMapOvr>
+    <a:masterClrMapping/>
+  </p:clrMapOvr>
+</p:notes>
+</file>
+
+<file path=ppt/notesSlides/notesSlide21.xml><?xml version="1.0" encoding="utf-8"?>
+<p:notes xmlns:a="http://schemas.openxmlformats.org/drawingml/2006/main" xmlns:r="http://schemas.openxmlformats.org/officeDocument/2006/relationships" xmlns:p="http://schemas.openxmlformats.org/presentationml/2006/main" showMasterSp="0" showMasterPhAnim="0">
+  <p:cSld>
+    <p:spTree>
+      <p:nvGrpSpPr>
         <p:cNvPr id="1" name="Shape 266"/>
         <p:cNvGrpSpPr/>
         <p:nvPr/>
@@ -3561,7 +3726,7 @@
             </a:pPr>
             <a:fld id="{00000000-1234-1234-1234-123412341234}" type="slidenum">
               <a:rPr lang="it-IT"/>
-              <a:t>20</a:t>
+              <a:t>21</a:t>
             </a:fld>
             <a:endParaRPr/>
           </a:p>
@@ -3575,7 +3740,7 @@
 </p:notes>
 </file>
 
-<file path=ppt/notesSlides/notesSlide21.xml><?xml version="1.0" encoding="utf-8"?>
+<file path=ppt/notesSlides/notesSlide22.xml><?xml version="1.0" encoding="utf-8"?>
 <p:notes xmlns:a="http://schemas.openxmlformats.org/drawingml/2006/main" xmlns:r="http://schemas.openxmlformats.org/officeDocument/2006/relationships" xmlns:p="http://schemas.openxmlformats.org/presentationml/2006/main" showMasterSp="0" showMasterPhAnim="0">
   <p:cSld>
     <p:spTree>
@@ -3725,7 +3890,7 @@
             </a:pPr>
             <a:fld id="{00000000-1234-1234-1234-123412341234}" type="slidenum">
               <a:rPr lang="it-IT"/>
-              <a:t>21</a:t>
+              <a:t>22</a:t>
             </a:fld>
             <a:endParaRPr/>
           </a:p>
@@ -3739,7 +3904,7 @@
 </p:notes>
 </file>
 
-<file path=ppt/notesSlides/notesSlide22.xml><?xml version="1.0" encoding="utf-8"?>
+<file path=ppt/notesSlides/notesSlide23.xml><?xml version="1.0" encoding="utf-8"?>
 <p:notes xmlns:a="http://schemas.openxmlformats.org/drawingml/2006/main" xmlns:r="http://schemas.openxmlformats.org/officeDocument/2006/relationships" xmlns:p="http://schemas.openxmlformats.org/presentationml/2006/main" showMasterSp="0" showMasterPhAnim="0">
   <p:cSld>
     <p:spTree>
@@ -3889,7 +4054,7 @@
             </a:pPr>
             <a:fld id="{00000000-1234-1234-1234-123412341234}" type="slidenum">
               <a:rPr lang="it-IT"/>
-              <a:t>22</a:t>
+              <a:t>23</a:t>
             </a:fld>
             <a:endParaRPr/>
           </a:p>
@@ -3903,7 +4068,7 @@
 </p:notes>
 </file>
 
-<file path=ppt/notesSlides/notesSlide23.xml><?xml version="1.0" encoding="utf-8"?>
+<file path=ppt/notesSlides/notesSlide24.xml><?xml version="1.0" encoding="utf-8"?>
 <p:notes xmlns:a="http://schemas.openxmlformats.org/drawingml/2006/main" xmlns:r="http://schemas.openxmlformats.org/officeDocument/2006/relationships" xmlns:p="http://schemas.openxmlformats.org/presentationml/2006/main" showMasterSp="0" showMasterPhAnim="0">
   <p:cSld>
     <p:spTree>
@@ -4053,7 +4218,7 @@
             </a:pPr>
             <a:fld id="{00000000-1234-1234-1234-123412341234}" type="slidenum">
               <a:rPr lang="it-IT"/>
-              <a:t>23</a:t>
+              <a:t>24</a:t>
             </a:fld>
             <a:endParaRPr/>
           </a:p>
@@ -4067,7 +4232,7 @@
 </p:notes>
 </file>
 
-<file path=ppt/notesSlides/notesSlide24.xml><?xml version="1.0" encoding="utf-8"?>
+<file path=ppt/notesSlides/notesSlide25.xml><?xml version="1.0" encoding="utf-8"?>
 <p:notes xmlns:a="http://schemas.openxmlformats.org/drawingml/2006/main" xmlns:r="http://schemas.openxmlformats.org/officeDocument/2006/relationships" xmlns:p="http://schemas.openxmlformats.org/presentationml/2006/main" showMasterSp="0" showMasterPhAnim="0">
   <p:cSld>
     <p:spTree>
@@ -4217,7 +4382,7 @@
             </a:pPr>
             <a:fld id="{00000000-1234-1234-1234-123412341234}" type="slidenum">
               <a:rPr lang="it-IT"/>
-              <a:t>24</a:t>
+              <a:t>25</a:t>
             </a:fld>
             <a:endParaRPr/>
           </a:p>
@@ -4231,7 +4396,7 @@
 </p:notes>
 </file>
 
-<file path=ppt/notesSlides/notesSlide25.xml><?xml version="1.0" encoding="utf-8"?>
+<file path=ppt/notesSlides/notesSlide26.xml><?xml version="1.0" encoding="utf-8"?>
 <p:notes xmlns:a="http://schemas.openxmlformats.org/drawingml/2006/main" xmlns:r="http://schemas.openxmlformats.org/officeDocument/2006/relationships" xmlns:p="http://schemas.openxmlformats.org/presentationml/2006/main" showMasterSp="0" showMasterPhAnim="0">
   <p:cSld>
     <p:spTree>
@@ -4381,7 +4546,7 @@
             </a:pPr>
             <a:fld id="{00000000-1234-1234-1234-123412341234}" type="slidenum">
               <a:rPr lang="it-IT"/>
-              <a:t>25</a:t>
+              <a:t>26</a:t>
             </a:fld>
             <a:endParaRPr/>
           </a:p>
@@ -5370,7 +5535,7 @@
   <p:cSld>
     <p:spTree>
       <p:nvGrpSpPr>
-        <p:cNvPr id="1" name="Shape 168"/>
+        <p:cNvPr id="1" name="Shape 156"/>
         <p:cNvGrpSpPr/>
         <p:nvPr/>
       </p:nvGrpSpPr>
@@ -5384,7 +5549,7 @@
       </p:grpSpPr>
       <p:sp>
         <p:nvSpPr>
-          <p:cNvPr id="169" name="Google Shape;169;g2eb1383c48a_0_4:notes"/>
+          <p:cNvPr id="157" name="Google Shape;157;g2eafea217bc_0_20:notes"/>
           <p:cNvSpPr>
             <a:spLocks noGrp="1" noRot="1" noChangeAspect="1"/>
           </p:cNvSpPr>
@@ -5435,7 +5600,7 @@
       </p:sp>
       <p:sp>
         <p:nvSpPr>
-          <p:cNvPr id="170" name="Google Shape;170;g2eb1383c48a_0_4:notes"/>
+          <p:cNvPr id="158" name="Google Shape;158;g2eafea217bc_0_20:notes"/>
           <p:cNvSpPr txBox="1">
             <a:spLocks noGrp="1"/>
           </p:cNvSpPr>
@@ -5477,7 +5642,7 @@
       </p:sp>
       <p:sp>
         <p:nvSpPr>
-          <p:cNvPr id="171" name="Google Shape;171;g2eb1383c48a_0_4:notes"/>
+          <p:cNvPr id="159" name="Google Shape;159;g2eafea217bc_0_20:notes"/>
           <p:cNvSpPr txBox="1">
             <a:spLocks noGrp="1"/>
           </p:cNvSpPr>
@@ -5522,6 +5687,11 @@
         </p:txBody>
       </p:sp>
     </p:spTree>
+    <p:extLst>
+      <p:ext uri="{BB962C8B-B14F-4D97-AF65-F5344CB8AC3E}">
+        <p14:creationId xmlns:p14="http://schemas.microsoft.com/office/powerpoint/2010/main" val="2210049708"/>
+      </p:ext>
+    </p:extLst>
   </p:cSld>
   <p:clrMapOvr>
     <a:masterClrMapping/>
@@ -33218,6 +33388,385 @@
     </p:bg>
     <p:spTree>
       <p:nvGrpSpPr>
+        <p:cNvPr id="1" name="Shape 172"/>
+        <p:cNvGrpSpPr/>
+        <p:nvPr/>
+      </p:nvGrpSpPr>
+      <p:grpSpPr>
+        <a:xfrm>
+          <a:off x="0" y="0"/>
+          <a:ext cx="0" cy="0"/>
+          <a:chOff x="0" y="0"/>
+          <a:chExt cx="0" cy="0"/>
+        </a:xfrm>
+      </p:grpSpPr>
+      <p:sp>
+        <p:nvSpPr>
+          <p:cNvPr id="173" name="Google Shape;173;p21"/>
+          <p:cNvSpPr txBox="1">
+            <a:spLocks noGrp="1"/>
+          </p:cNvSpPr>
+          <p:nvPr>
+            <p:ph type="title"/>
+          </p:nvPr>
+        </p:nvSpPr>
+        <p:spPr>
+          <a:xfrm>
+            <a:off x="1008828" y="554816"/>
+            <a:ext cx="9720000" cy="1499700"/>
+          </a:xfrm>
+          <a:prstGeom prst="rect">
+            <a:avLst/>
+          </a:prstGeom>
+          <a:noFill/>
+          <a:ln>
+            <a:noFill/>
+          </a:ln>
+        </p:spPr>
+        <p:txBody>
+          <a:bodyPr spcFirstLastPara="1" wrap="square" lIns="91425" tIns="45700" rIns="91425" bIns="45700" anchor="ctr" anchorCtr="0">
+            <a:normAutofit/>
+          </a:bodyPr>
+          <a:lstStyle/>
+          <a:p>
+            <a:pPr marL="0" lvl="0" indent="0" algn="l" rtl="0">
+              <a:lnSpc>
+                <a:spcPct val="80000"/>
+              </a:lnSpc>
+              <a:spcBef>
+                <a:spcPts val="0"/>
+              </a:spcBef>
+              <a:spcAft>
+                <a:spcPts val="0"/>
+              </a:spcAft>
+              <a:buClr>
+                <a:srgbClr val="0C0C0C"/>
+              </a:buClr>
+              <a:buSzPts val="5000"/>
+              <a:buFont typeface="Twentieth Century"/>
+              <a:buNone/>
+            </a:pPr>
+            <a:r>
+              <a:rPr lang="it-IT">
+                <a:solidFill>
+                  <a:schemeClr val="dk1"/>
+                </a:solidFill>
+              </a:rPr>
+              <a:t>Il livello</a:t>
+            </a:r>
+            <a:r>
+              <a:rPr lang="it-IT">
+                <a:solidFill>
+                  <a:schemeClr val="accent1"/>
+                </a:solidFill>
+              </a:rPr>
+              <a:t> DenseKAN</a:t>
+            </a:r>
+            <a:endParaRPr sz="1400">
+              <a:solidFill>
+                <a:schemeClr val="dk1"/>
+              </a:solidFill>
+            </a:endParaRPr>
+          </a:p>
+        </p:txBody>
+      </p:sp>
+      <p:sp>
+        <p:nvSpPr>
+          <p:cNvPr id="174" name="Google Shape;174;p21"/>
+          <p:cNvSpPr txBox="1"/>
+          <p:nvPr/>
+        </p:nvSpPr>
+        <p:spPr>
+          <a:xfrm>
+            <a:off x="871200" y="2412525"/>
+            <a:ext cx="10207500" cy="523200"/>
+          </a:xfrm>
+          <a:prstGeom prst="rect">
+            <a:avLst/>
+          </a:prstGeom>
+          <a:noFill/>
+          <a:ln>
+            <a:noFill/>
+          </a:ln>
+        </p:spPr>
+        <p:txBody>
+          <a:bodyPr spcFirstLastPara="1" wrap="square" lIns="91425" tIns="91425" rIns="91425" bIns="91425" anchor="t" anchorCtr="0">
+            <a:noAutofit/>
+          </a:bodyPr>
+          <a:lstStyle/>
+          <a:p>
+            <a:pPr marL="0" lvl="0" indent="0" algn="l" rtl="0">
+              <a:spcBef>
+                <a:spcPts val="0"/>
+              </a:spcBef>
+              <a:spcAft>
+                <a:spcPts val="0"/>
+              </a:spcAft>
+              <a:buNone/>
+            </a:pPr>
+            <a:r>
+              <a:rPr lang="it-IT" sz="2200">
+                <a:solidFill>
+                  <a:schemeClr val="dk1"/>
+                </a:solidFill>
+                <a:latin typeface="Twentieth Century"/>
+                <a:ea typeface="Twentieth Century"/>
+                <a:cs typeface="Twentieth Century"/>
+                <a:sym typeface="Twentieth Century"/>
+              </a:rPr>
+              <a:t>Un livello DenseKAN può essere rappresentato come una </a:t>
+            </a:r>
+            <a:r>
+              <a:rPr lang="it-IT" sz="2200">
+                <a:solidFill>
+                  <a:schemeClr val="accent1"/>
+                </a:solidFill>
+                <a:latin typeface="Twentieth Century"/>
+                <a:ea typeface="Twentieth Century"/>
+                <a:cs typeface="Twentieth Century"/>
+                <a:sym typeface="Twentieth Century"/>
+              </a:rPr>
+              <a:t>matrice di funzioni</a:t>
+            </a:r>
+            <a:r>
+              <a:rPr lang="it-IT" sz="2200">
+                <a:solidFill>
+                  <a:schemeClr val="dk1"/>
+                </a:solidFill>
+                <a:latin typeface="Twentieth Century"/>
+                <a:ea typeface="Twentieth Century"/>
+                <a:cs typeface="Twentieth Century"/>
+                <a:sym typeface="Twentieth Century"/>
+              </a:rPr>
+              <a:t> </a:t>
+            </a:r>
+            <a:endParaRPr sz="2200">
+              <a:solidFill>
+                <a:schemeClr val="dk1"/>
+              </a:solidFill>
+              <a:latin typeface="Twentieth Century"/>
+              <a:ea typeface="Twentieth Century"/>
+              <a:cs typeface="Twentieth Century"/>
+              <a:sym typeface="Twentieth Century"/>
+            </a:endParaRPr>
+          </a:p>
+        </p:txBody>
+      </p:sp>
+      <p:pic>
+        <p:nvPicPr>
+          <p:cNvPr id="175" name="Google Shape;175;p21" title="[0,0,0,&quot;https://www.codecogs.com/eqnedit.php?latex=%5Cphi(x)%20%3D%20w_bb(x)%20%2B%20w_s%5Csum_i%7Bc_iB_i(x)%7D#0&quot;]"/>
+          <p:cNvPicPr preferRelativeResize="0"/>
+          <p:nvPr/>
+        </p:nvPicPr>
+        <p:blipFill>
+          <a:blip r:embed="rId3">
+            <a:alphaModFix/>
+          </a:blip>
+          <a:stretch>
+            <a:fillRect/>
+          </a:stretch>
+        </p:blipFill>
+        <p:spPr>
+          <a:xfrm>
+            <a:off x="6078475" y="4198800"/>
+            <a:ext cx="5335650" cy="870900"/>
+          </a:xfrm>
+          <a:prstGeom prst="rect">
+            <a:avLst/>
+          </a:prstGeom>
+          <a:noFill/>
+          <a:ln>
+            <a:noFill/>
+          </a:ln>
+        </p:spPr>
+      </p:pic>
+      <p:cxnSp>
+        <p:nvCxnSpPr>
+          <p:cNvPr id="176" name="Google Shape;176;p21"/>
+          <p:cNvCxnSpPr/>
+          <p:nvPr/>
+        </p:nvCxnSpPr>
+        <p:spPr>
+          <a:xfrm>
+            <a:off x="7684700" y="4726375"/>
+            <a:ext cx="489000" cy="921900"/>
+          </a:xfrm>
+          <a:prstGeom prst="straightConnector1">
+            <a:avLst/>
+          </a:prstGeom>
+          <a:noFill/>
+          <a:ln w="28575" cap="flat" cmpd="sng">
+            <a:solidFill>
+              <a:schemeClr val="accent1"/>
+            </a:solidFill>
+            <a:prstDash val="solid"/>
+            <a:round/>
+            <a:headEnd type="stealth" w="med" len="med"/>
+            <a:tailEnd type="none" w="med" len="med"/>
+          </a:ln>
+        </p:spPr>
+      </p:cxnSp>
+      <p:cxnSp>
+        <p:nvCxnSpPr>
+          <p:cNvPr id="177" name="Google Shape;177;p21"/>
+          <p:cNvCxnSpPr/>
+          <p:nvPr/>
+        </p:nvCxnSpPr>
+        <p:spPr>
+          <a:xfrm rot="10800000" flipH="1">
+            <a:off x="8173575" y="4656600"/>
+            <a:ext cx="935700" cy="1005600"/>
+          </a:xfrm>
+          <a:prstGeom prst="straightConnector1">
+            <a:avLst/>
+          </a:prstGeom>
+          <a:noFill/>
+          <a:ln w="28575" cap="flat" cmpd="sng">
+            <a:solidFill>
+              <a:schemeClr val="accent1"/>
+            </a:solidFill>
+            <a:prstDash val="solid"/>
+            <a:round/>
+            <a:headEnd type="none" w="med" len="med"/>
+            <a:tailEnd type="stealth" w="med" len="med"/>
+          </a:ln>
+        </p:spPr>
+      </p:cxnSp>
+      <p:cxnSp>
+        <p:nvCxnSpPr>
+          <p:cNvPr id="178" name="Google Shape;178;p21"/>
+          <p:cNvCxnSpPr/>
+          <p:nvPr/>
+        </p:nvCxnSpPr>
+        <p:spPr>
+          <a:xfrm rot="10800000" flipH="1">
+            <a:off x="8187550" y="4698300"/>
+            <a:ext cx="2234700" cy="963900"/>
+          </a:xfrm>
+          <a:prstGeom prst="bentConnector3">
+            <a:avLst>
+              <a:gd name="adj1" fmla="val 100003"/>
+            </a:avLst>
+          </a:prstGeom>
+          <a:noFill/>
+          <a:ln w="28575" cap="flat" cmpd="sng">
+            <a:solidFill>
+              <a:schemeClr val="accent1"/>
+            </a:solidFill>
+            <a:prstDash val="solid"/>
+            <a:round/>
+            <a:headEnd type="none" w="med" len="med"/>
+            <a:tailEnd type="stealth" w="med" len="med"/>
+          </a:ln>
+        </p:spPr>
+      </p:cxnSp>
+      <p:sp>
+        <p:nvSpPr>
+          <p:cNvPr id="179" name="Google Shape;179;p21"/>
+          <p:cNvSpPr txBox="1"/>
+          <p:nvPr/>
+        </p:nvSpPr>
+        <p:spPr>
+          <a:xfrm>
+            <a:off x="7056175" y="5662200"/>
+            <a:ext cx="2737500" cy="523200"/>
+          </a:xfrm>
+          <a:prstGeom prst="rect">
+            <a:avLst/>
+          </a:prstGeom>
+          <a:noFill/>
+          <a:ln>
+            <a:noFill/>
+          </a:ln>
+        </p:spPr>
+        <p:txBody>
+          <a:bodyPr spcFirstLastPara="1" wrap="square" lIns="91425" tIns="91425" rIns="91425" bIns="91425" anchor="t" anchorCtr="0">
+            <a:spAutoFit/>
+          </a:bodyPr>
+          <a:lstStyle/>
+          <a:p>
+            <a:pPr marL="0" lvl="0" indent="0" algn="l" rtl="0">
+              <a:spcBef>
+                <a:spcPts val="0"/>
+              </a:spcBef>
+              <a:spcAft>
+                <a:spcPts val="0"/>
+              </a:spcAft>
+              <a:buNone/>
+            </a:pPr>
+            <a:r>
+              <a:rPr lang="it-IT" sz="2200">
+                <a:solidFill>
+                  <a:schemeClr val="accent1"/>
+                </a:solidFill>
+                <a:latin typeface="Twentieth Century"/>
+                <a:ea typeface="Twentieth Century"/>
+                <a:cs typeface="Twentieth Century"/>
+                <a:sym typeface="Twentieth Century"/>
+              </a:rPr>
+              <a:t>Parametri addestrabili</a:t>
+            </a:r>
+            <a:endParaRPr sz="2200">
+              <a:solidFill>
+                <a:schemeClr val="accent1"/>
+              </a:solidFill>
+              <a:latin typeface="Twentieth Century"/>
+              <a:ea typeface="Twentieth Century"/>
+              <a:cs typeface="Twentieth Century"/>
+              <a:sym typeface="Twentieth Century"/>
+            </a:endParaRPr>
+          </a:p>
+        </p:txBody>
+      </p:sp>
+      <p:pic>
+        <p:nvPicPr>
+          <p:cNvPr id="180" name="Google Shape;180;p21" title="[0,0,0,&quot;https://www.codecogs.com/eqnedit.php?latex=%20%5CPhi%20%3D%20%5Cbegin%7Bpmatrix%7D%20%5Cphi_%7B1%2C1%7D%20%26%20%5Cphi_%7B1%2C2%7D%20%26%20%5Ccdots%20%26%20%5Cphi_%7B1%2Cn%7D%20%5C%5C%20%5Cphi_%7B2%2C1%7D%20%26%20%5Cphi_%7B2%2C2%7D%20%26%20%5Ccdots%20%26%20%5Cphi_%7B2%2Cn%7D%20%5C%5C%20%5Cvdots%20%26%20%5Cvdots%20%26%20%5Cddots%20%26%20%5Cvdots%20%5C%5C%20%5Cphi_%7Bm%2C1%7D%20%26%20%5Cphi_%7Bm%2C2%7D%20%26%20%5Ccdots%20%26%20%5Cphi_%7Bm%2Cn%7D%20%5Cend%7Bpmatrix%7D%20#0&quot;]"/>
+          <p:cNvPicPr preferRelativeResize="0"/>
+          <p:nvPr/>
+        </p:nvPicPr>
+        <p:blipFill>
+          <a:blip r:embed="rId4">
+            <a:alphaModFix/>
+          </a:blip>
+          <a:stretch>
+            <a:fillRect/>
+          </a:stretch>
+        </p:blipFill>
+        <p:spPr>
+          <a:xfrm>
+            <a:off x="815323" y="3701336"/>
+            <a:ext cx="4399998" cy="1865826"/>
+          </a:xfrm>
+          <a:prstGeom prst="rect">
+            <a:avLst/>
+          </a:prstGeom>
+          <a:noFill/>
+          <a:ln>
+            <a:noFill/>
+          </a:ln>
+        </p:spPr>
+      </p:pic>
+    </p:spTree>
+  </p:cSld>
+  <p:clrMapOvr>
+    <a:masterClrMapping/>
+  </p:clrMapOvr>
+</p:sld>
+</file>
+
+<file path=ppt/slides/slide11.xml><?xml version="1.0" encoding="utf-8"?>
+<p:sld xmlns:a="http://schemas.openxmlformats.org/drawingml/2006/main" xmlns:r="http://schemas.openxmlformats.org/officeDocument/2006/relationships" xmlns:p="http://schemas.openxmlformats.org/presentationml/2006/main">
+  <p:cSld>
+    <p:bg>
+      <p:bgPr>
+        <a:solidFill>
+          <a:schemeClr val="lt1"/>
+        </a:solidFill>
+        <a:effectLst/>
+      </p:bgPr>
+    </p:bg>
+    <p:spTree>
+      <p:nvGrpSpPr>
         <p:cNvPr id="1" name="Shape 185"/>
         <p:cNvGrpSpPr/>
         <p:nvPr/>
@@ -33536,7 +34085,7 @@
 </p:sld>
 </file>
 
-<file path=ppt/slides/slide11.xml><?xml version="1.0" encoding="utf-8"?>
+<file path=ppt/slides/slide12.xml><?xml version="1.0" encoding="utf-8"?>
 <p:sld xmlns:a="http://schemas.openxmlformats.org/drawingml/2006/main" xmlns:r="http://schemas.openxmlformats.org/officeDocument/2006/relationships" xmlns:p="http://schemas.openxmlformats.org/presentationml/2006/main">
   <p:cSld>
     <p:bg>
@@ -34133,7 +34682,7 @@
 </p:sld>
 </file>
 
-<file path=ppt/slides/slide12.xml><?xml version="1.0" encoding="utf-8"?>
+<file path=ppt/slides/slide13.xml><?xml version="1.0" encoding="utf-8"?>
 <p:sld xmlns:a="http://schemas.openxmlformats.org/drawingml/2006/main" xmlns:r="http://schemas.openxmlformats.org/officeDocument/2006/relationships" xmlns:p="http://schemas.openxmlformats.org/presentationml/2006/main">
   <p:cSld>
     <p:bg>
@@ -34492,7 +35041,7 @@
 </p:sld>
 </file>
 
-<file path=ppt/slides/slide13.xml><?xml version="1.0" encoding="utf-8"?>
+<file path=ppt/slides/slide14.xml><?xml version="1.0" encoding="utf-8"?>
 <p:sld xmlns:a="http://schemas.openxmlformats.org/drawingml/2006/main" xmlns:r="http://schemas.openxmlformats.org/officeDocument/2006/relationships" xmlns:p="http://schemas.openxmlformats.org/presentationml/2006/main">
   <p:cSld>
     <p:bg>
@@ -34851,7 +35400,7 @@
 </p:sld>
 </file>
 
-<file path=ppt/slides/slide14.xml><?xml version="1.0" encoding="utf-8"?>
+<file path=ppt/slides/slide15.xml><?xml version="1.0" encoding="utf-8"?>
 <p:sld xmlns:a="http://schemas.openxmlformats.org/drawingml/2006/main" xmlns:r="http://schemas.openxmlformats.org/officeDocument/2006/relationships" xmlns:p="http://schemas.openxmlformats.org/presentationml/2006/main">
   <p:cSld>
     <p:spTree>
@@ -35084,7 +35633,7 @@
 </p:sld>
 </file>
 
-<file path=ppt/slides/slide15.xml><?xml version="1.0" encoding="utf-8"?>
+<file path=ppt/slides/slide16.xml><?xml version="1.0" encoding="utf-8"?>
 <p:sld xmlns:a="http://schemas.openxmlformats.org/drawingml/2006/main" xmlns:r="http://schemas.openxmlformats.org/officeDocument/2006/relationships" xmlns:p="http://schemas.openxmlformats.org/presentationml/2006/main">
   <p:cSld>
     <p:spTree>
@@ -35556,7 +36105,7 @@
 </p:sld>
 </file>
 
-<file path=ppt/slides/slide16.xml><?xml version="1.0" encoding="utf-8"?>
+<file path=ppt/slides/slide17.xml><?xml version="1.0" encoding="utf-8"?>
 <p:sld xmlns:a="http://schemas.openxmlformats.org/drawingml/2006/main" xmlns:r="http://schemas.openxmlformats.org/officeDocument/2006/relationships" xmlns:p="http://schemas.openxmlformats.org/presentationml/2006/main">
   <p:cSld>
     <p:bg>
@@ -35779,7 +36328,7 @@
 </p:sld>
 </file>
 
-<file path=ppt/slides/slide17.xml><?xml version="1.0" encoding="utf-8"?>
+<file path=ppt/slides/slide18.xml><?xml version="1.0" encoding="utf-8"?>
 <p:sld xmlns:a="http://schemas.openxmlformats.org/drawingml/2006/main" xmlns:r="http://schemas.openxmlformats.org/officeDocument/2006/relationships" xmlns:p="http://schemas.openxmlformats.org/presentationml/2006/main">
   <p:cSld>
     <p:spTree>
@@ -36000,7 +36549,7 @@
 </p:sld>
 </file>
 
-<file path=ppt/slides/slide18.xml><?xml version="1.0" encoding="utf-8"?>
+<file path=ppt/slides/slide19.xml><?xml version="1.0" encoding="utf-8"?>
 <p:sld xmlns:a="http://schemas.openxmlformats.org/drawingml/2006/main" xmlns:r="http://schemas.openxmlformats.org/officeDocument/2006/relationships" xmlns:p="http://schemas.openxmlformats.org/presentationml/2006/main">
   <p:cSld>
     <p:bg>
@@ -36169,319 +36718,6 @@
           </a:ln>
         </p:spPr>
       </p:pic>
-    </p:spTree>
-  </p:cSld>
-  <p:clrMapOvr>
-    <a:masterClrMapping/>
-  </p:clrMapOvr>
-</p:sld>
-</file>
-
-<file path=ppt/slides/slide19.xml><?xml version="1.0" encoding="utf-8"?>
-<p:sld xmlns:a="http://schemas.openxmlformats.org/drawingml/2006/main" xmlns:r="http://schemas.openxmlformats.org/officeDocument/2006/relationships" xmlns:p="http://schemas.openxmlformats.org/presentationml/2006/main">
-  <p:cSld>
-    <p:bg>
-      <p:bgPr>
-        <a:solidFill>
-          <a:schemeClr val="lt1"/>
-        </a:solidFill>
-        <a:effectLst/>
-      </p:bgPr>
-    </p:bg>
-    <p:spTree>
-      <p:nvGrpSpPr>
-        <p:cNvPr id="1" name="Shape 262"/>
-        <p:cNvGrpSpPr/>
-        <p:nvPr/>
-      </p:nvGrpSpPr>
-      <p:grpSpPr>
-        <a:xfrm>
-          <a:off x="0" y="0"/>
-          <a:ext cx="0" cy="0"/>
-          <a:chOff x="0" y="0"/>
-          <a:chExt cx="0" cy="0"/>
-        </a:xfrm>
-      </p:grpSpPr>
-      <p:sp>
-        <p:nvSpPr>
-          <p:cNvPr id="263" name="Google Shape;263;p30"/>
-          <p:cNvSpPr txBox="1">
-            <a:spLocks noGrp="1"/>
-          </p:cNvSpPr>
-          <p:nvPr>
-            <p:ph type="title"/>
-          </p:nvPr>
-        </p:nvSpPr>
-        <p:spPr>
-          <a:xfrm>
-            <a:off x="1008828" y="554816"/>
-            <a:ext cx="9720000" cy="1499700"/>
-          </a:xfrm>
-          <a:prstGeom prst="rect">
-            <a:avLst/>
-          </a:prstGeom>
-          <a:noFill/>
-          <a:ln>
-            <a:noFill/>
-          </a:ln>
-        </p:spPr>
-        <p:txBody>
-          <a:bodyPr spcFirstLastPara="1" wrap="square" lIns="91425" tIns="45700" rIns="91425" bIns="45700" anchor="ctr" anchorCtr="0">
-            <a:normAutofit/>
-          </a:bodyPr>
-          <a:lstStyle/>
-          <a:p>
-            <a:pPr marL="0" lvl="0" indent="0" algn="l" rtl="0">
-              <a:lnSpc>
-                <a:spcPct val="96000"/>
-              </a:lnSpc>
-              <a:spcBef>
-                <a:spcPts val="0"/>
-              </a:spcBef>
-              <a:spcAft>
-                <a:spcPts val="0"/>
-              </a:spcAft>
-              <a:buClr>
-                <a:schemeClr val="dk1"/>
-              </a:buClr>
-              <a:buSzPts val="1100"/>
-              <a:buFont typeface="Arial"/>
-              <a:buNone/>
-            </a:pPr>
-            <a:r>
-              <a:rPr lang="it-IT">
-                <a:solidFill>
-                  <a:schemeClr val="dk1"/>
-                </a:solidFill>
-              </a:rPr>
-              <a:t>La </a:t>
-            </a:r>
-            <a:r>
-              <a:rPr lang="it-IT">
-                <a:solidFill>
-                  <a:srgbClr val="1CADE4"/>
-                </a:solidFill>
-              </a:rPr>
-              <a:t>trasparenza algoritmica</a:t>
-            </a:r>
-            <a:endParaRPr>
-              <a:solidFill>
-                <a:schemeClr val="dk1"/>
-              </a:solidFill>
-            </a:endParaRPr>
-          </a:p>
-        </p:txBody>
-      </p:sp>
-      <p:sp>
-        <p:nvSpPr>
-          <p:cNvPr id="264" name="Google Shape;264;p30"/>
-          <p:cNvSpPr txBox="1"/>
-          <p:nvPr/>
-        </p:nvSpPr>
-        <p:spPr>
-          <a:xfrm>
-            <a:off x="9249075" y="4055950"/>
-            <a:ext cx="2972400" cy="523200"/>
-          </a:xfrm>
-          <a:prstGeom prst="rect">
-            <a:avLst/>
-          </a:prstGeom>
-          <a:noFill/>
-          <a:ln>
-            <a:noFill/>
-          </a:ln>
-        </p:spPr>
-        <p:txBody>
-          <a:bodyPr spcFirstLastPara="1" wrap="square" lIns="91425" tIns="91425" rIns="91425" bIns="91425" anchor="t" anchorCtr="0">
-            <a:spAutoFit/>
-          </a:bodyPr>
-          <a:lstStyle/>
-          <a:p>
-            <a:pPr marL="0" lvl="0" indent="0" algn="l" rtl="0">
-              <a:spcBef>
-                <a:spcPts val="0"/>
-              </a:spcBef>
-              <a:spcAft>
-                <a:spcPts val="0"/>
-              </a:spcAft>
-              <a:buNone/>
-            </a:pPr>
-            <a:endParaRPr sz="2200">
-              <a:solidFill>
-                <a:schemeClr val="dk1"/>
-              </a:solidFill>
-              <a:latin typeface="Twentieth Century"/>
-              <a:ea typeface="Twentieth Century"/>
-              <a:cs typeface="Twentieth Century"/>
-              <a:sym typeface="Twentieth Century"/>
-            </a:endParaRPr>
-          </a:p>
-        </p:txBody>
-      </p:sp>
-      <p:sp>
-        <p:nvSpPr>
-          <p:cNvPr id="265" name="Google Shape;265;p30"/>
-          <p:cNvSpPr txBox="1"/>
-          <p:nvPr/>
-        </p:nvSpPr>
-        <p:spPr>
-          <a:xfrm>
-            <a:off x="1105225" y="2219650"/>
-            <a:ext cx="9838500" cy="3810900"/>
-          </a:xfrm>
-          <a:prstGeom prst="rect">
-            <a:avLst/>
-          </a:prstGeom>
-          <a:noFill/>
-          <a:ln>
-            <a:noFill/>
-          </a:ln>
-        </p:spPr>
-        <p:txBody>
-          <a:bodyPr spcFirstLastPara="1" wrap="square" lIns="91425" tIns="91425" rIns="91425" bIns="91425" anchor="t" anchorCtr="0">
-            <a:noAutofit/>
-          </a:bodyPr>
-          <a:lstStyle/>
-          <a:p>
-            <a:pPr marL="457200" lvl="0" indent="-412750" algn="l" rtl="0">
-              <a:lnSpc>
-                <a:spcPct val="115000"/>
-              </a:lnSpc>
-              <a:spcBef>
-                <a:spcPts val="0"/>
-              </a:spcBef>
-              <a:spcAft>
-                <a:spcPts val="0"/>
-              </a:spcAft>
-              <a:buClr>
-                <a:schemeClr val="dk1"/>
-              </a:buClr>
-              <a:buSzPts val="2900"/>
-              <a:buFont typeface="Twentieth Century"/>
-              <a:buChar char="●"/>
-            </a:pPr>
-            <a:r>
-              <a:rPr lang="it-IT" sz="2900">
-                <a:solidFill>
-                  <a:schemeClr val="dk1"/>
-                </a:solidFill>
-                <a:highlight>
-                  <a:srgbClr val="FFFFFF"/>
-                </a:highlight>
-                <a:latin typeface="Twentieth Century"/>
-                <a:ea typeface="Twentieth Century"/>
-                <a:cs typeface="Twentieth Century"/>
-                <a:sym typeface="Twentieth Century"/>
-              </a:rPr>
-              <a:t>Feature Importance</a:t>
-            </a:r>
-            <a:endParaRPr sz="2900">
-              <a:solidFill>
-                <a:schemeClr val="dk1"/>
-              </a:solidFill>
-              <a:highlight>
-                <a:srgbClr val="FFFFFF"/>
-              </a:highlight>
-              <a:latin typeface="Twentieth Century"/>
-              <a:ea typeface="Twentieth Century"/>
-              <a:cs typeface="Twentieth Century"/>
-              <a:sym typeface="Twentieth Century"/>
-            </a:endParaRPr>
-          </a:p>
-          <a:p>
-            <a:pPr marL="457200" lvl="0" indent="-412750" algn="l" rtl="0">
-              <a:lnSpc>
-                <a:spcPct val="115000"/>
-              </a:lnSpc>
-              <a:spcBef>
-                <a:spcPts val="0"/>
-              </a:spcBef>
-              <a:spcAft>
-                <a:spcPts val="0"/>
-              </a:spcAft>
-              <a:buClr>
-                <a:schemeClr val="dk1"/>
-              </a:buClr>
-              <a:buSzPts val="2900"/>
-              <a:buFont typeface="Twentieth Century"/>
-              <a:buChar char="●"/>
-            </a:pPr>
-            <a:r>
-              <a:rPr lang="it-IT" sz="2900">
-                <a:solidFill>
-                  <a:schemeClr val="dk1"/>
-                </a:solidFill>
-                <a:highlight>
-                  <a:srgbClr val="FFFFFF"/>
-                </a:highlight>
-                <a:latin typeface="Twentieth Century"/>
-                <a:ea typeface="Twentieth Century"/>
-                <a:cs typeface="Twentieth Century"/>
-                <a:sym typeface="Twentieth Century"/>
-              </a:rPr>
-              <a:t>LIME (Local Interpretable Model-agnostic Explanations)</a:t>
-            </a:r>
-            <a:endParaRPr sz="2900">
-              <a:solidFill>
-                <a:schemeClr val="dk1"/>
-              </a:solidFill>
-              <a:highlight>
-                <a:srgbClr val="FFFFFF"/>
-              </a:highlight>
-              <a:latin typeface="Twentieth Century"/>
-              <a:ea typeface="Twentieth Century"/>
-              <a:cs typeface="Twentieth Century"/>
-              <a:sym typeface="Twentieth Century"/>
-            </a:endParaRPr>
-          </a:p>
-          <a:p>
-            <a:pPr marL="457200" lvl="0" indent="-412750" algn="l" rtl="0">
-              <a:lnSpc>
-                <a:spcPct val="115000"/>
-              </a:lnSpc>
-              <a:spcBef>
-                <a:spcPts val="0"/>
-              </a:spcBef>
-              <a:spcAft>
-                <a:spcPts val="0"/>
-              </a:spcAft>
-              <a:buClr>
-                <a:schemeClr val="dk1"/>
-              </a:buClr>
-              <a:buSzPts val="2900"/>
-              <a:buFont typeface="Twentieth Century"/>
-              <a:buChar char="●"/>
-            </a:pPr>
-            <a:r>
-              <a:rPr lang="it-IT" sz="2900">
-                <a:solidFill>
-                  <a:schemeClr val="dk1"/>
-                </a:solidFill>
-                <a:highlight>
-                  <a:srgbClr val="FFFFFF"/>
-                </a:highlight>
-                <a:latin typeface="Twentieth Century"/>
-                <a:ea typeface="Twentieth Century"/>
-                <a:cs typeface="Twentieth Century"/>
-                <a:sym typeface="Twentieth Century"/>
-              </a:rPr>
-              <a:t>Grafo di rappresentazione dei livelli</a:t>
-            </a:r>
-            <a:endParaRPr sz="2900">
-              <a:solidFill>
-                <a:schemeClr val="dk1"/>
-              </a:solidFill>
-              <a:highlight>
-                <a:schemeClr val="lt1"/>
-              </a:highlight>
-              <a:latin typeface="Twentieth Century"/>
-              <a:ea typeface="Twentieth Century"/>
-              <a:cs typeface="Twentieth Century"/>
-              <a:sym typeface="Twentieth Century"/>
-            </a:endParaRPr>
-          </a:p>
-        </p:txBody>
-      </p:sp>
     </p:spTree>
   </p:cSld>
   <p:clrMapOvr>
@@ -36708,7 +36944,7 @@
               <a:buChar char="●"/>
             </a:pPr>
             <a:r>
-              <a:rPr lang="it-IT" sz="2200">
+              <a:rPr lang="it-IT" sz="2200" dirty="0">
                 <a:solidFill>
                   <a:schemeClr val="dk1"/>
                 </a:solidFill>
@@ -36720,7 +36956,7 @@
               <a:t>Confrontare le KAN con i modelli di Machine Learning allo stato dell’arte per </a:t>
             </a:r>
             <a:r>
-              <a:rPr lang="it-IT" sz="2200">
+              <a:rPr lang="it-IT" sz="2200" dirty="0">
                 <a:solidFill>
                   <a:schemeClr val="accent1"/>
                 </a:solidFill>
@@ -36732,7 +36968,7 @@
               <a:t>scoprire i vantaggi</a:t>
             </a:r>
             <a:r>
-              <a:rPr lang="it-IT" sz="2200">
+              <a:rPr lang="it-IT" sz="2200" dirty="0">
                 <a:solidFill>
                   <a:schemeClr val="dk1"/>
                 </a:solidFill>
@@ -36743,7 +36979,7 @@
               </a:rPr>
               <a:t> che possono essere introdotti dal nuovo approccio.</a:t>
             </a:r>
-            <a:endParaRPr sz="2200">
+            <a:endParaRPr sz="2200" dirty="0">
               <a:solidFill>
                 <a:schemeClr val="dk1"/>
               </a:solidFill>
@@ -36764,7 +37000,7 @@
               <a:buNone/>
             </a:pPr>
             <a:r>
-              <a:rPr lang="it-IT" sz="2200">
+              <a:rPr lang="it-IT" sz="2200" dirty="0">
                 <a:solidFill>
                   <a:schemeClr val="dk1"/>
                 </a:solidFill>
@@ -36775,7 +37011,7 @@
               </a:rPr>
               <a:t>Questi approcci potranno essere sostituiti?</a:t>
             </a:r>
-            <a:endParaRPr sz="2200">
+            <a:endParaRPr sz="2200" dirty="0">
               <a:solidFill>
                 <a:schemeClr val="dk1"/>
               </a:solidFill>
@@ -36895,6 +37131,319 @@
     </p:bg>
     <p:spTree>
       <p:nvGrpSpPr>
+        <p:cNvPr id="1" name="Shape 262"/>
+        <p:cNvGrpSpPr/>
+        <p:nvPr/>
+      </p:nvGrpSpPr>
+      <p:grpSpPr>
+        <a:xfrm>
+          <a:off x="0" y="0"/>
+          <a:ext cx="0" cy="0"/>
+          <a:chOff x="0" y="0"/>
+          <a:chExt cx="0" cy="0"/>
+        </a:xfrm>
+      </p:grpSpPr>
+      <p:sp>
+        <p:nvSpPr>
+          <p:cNvPr id="263" name="Google Shape;263;p30"/>
+          <p:cNvSpPr txBox="1">
+            <a:spLocks noGrp="1"/>
+          </p:cNvSpPr>
+          <p:nvPr>
+            <p:ph type="title"/>
+          </p:nvPr>
+        </p:nvSpPr>
+        <p:spPr>
+          <a:xfrm>
+            <a:off x="1008828" y="554816"/>
+            <a:ext cx="9720000" cy="1499700"/>
+          </a:xfrm>
+          <a:prstGeom prst="rect">
+            <a:avLst/>
+          </a:prstGeom>
+          <a:noFill/>
+          <a:ln>
+            <a:noFill/>
+          </a:ln>
+        </p:spPr>
+        <p:txBody>
+          <a:bodyPr spcFirstLastPara="1" wrap="square" lIns="91425" tIns="45700" rIns="91425" bIns="45700" anchor="ctr" anchorCtr="0">
+            <a:normAutofit/>
+          </a:bodyPr>
+          <a:lstStyle/>
+          <a:p>
+            <a:pPr marL="0" lvl="0" indent="0" algn="l" rtl="0">
+              <a:lnSpc>
+                <a:spcPct val="96000"/>
+              </a:lnSpc>
+              <a:spcBef>
+                <a:spcPts val="0"/>
+              </a:spcBef>
+              <a:spcAft>
+                <a:spcPts val="0"/>
+              </a:spcAft>
+              <a:buClr>
+                <a:schemeClr val="dk1"/>
+              </a:buClr>
+              <a:buSzPts val="1100"/>
+              <a:buFont typeface="Arial"/>
+              <a:buNone/>
+            </a:pPr>
+            <a:r>
+              <a:rPr lang="it-IT">
+                <a:solidFill>
+                  <a:schemeClr val="dk1"/>
+                </a:solidFill>
+              </a:rPr>
+              <a:t>La </a:t>
+            </a:r>
+            <a:r>
+              <a:rPr lang="it-IT">
+                <a:solidFill>
+                  <a:srgbClr val="1CADE4"/>
+                </a:solidFill>
+              </a:rPr>
+              <a:t>trasparenza algoritmica</a:t>
+            </a:r>
+            <a:endParaRPr>
+              <a:solidFill>
+                <a:schemeClr val="dk1"/>
+              </a:solidFill>
+            </a:endParaRPr>
+          </a:p>
+        </p:txBody>
+      </p:sp>
+      <p:sp>
+        <p:nvSpPr>
+          <p:cNvPr id="264" name="Google Shape;264;p30"/>
+          <p:cNvSpPr txBox="1"/>
+          <p:nvPr/>
+        </p:nvSpPr>
+        <p:spPr>
+          <a:xfrm>
+            <a:off x="9249075" y="4055950"/>
+            <a:ext cx="2972400" cy="523200"/>
+          </a:xfrm>
+          <a:prstGeom prst="rect">
+            <a:avLst/>
+          </a:prstGeom>
+          <a:noFill/>
+          <a:ln>
+            <a:noFill/>
+          </a:ln>
+        </p:spPr>
+        <p:txBody>
+          <a:bodyPr spcFirstLastPara="1" wrap="square" lIns="91425" tIns="91425" rIns="91425" bIns="91425" anchor="t" anchorCtr="0">
+            <a:spAutoFit/>
+          </a:bodyPr>
+          <a:lstStyle/>
+          <a:p>
+            <a:pPr marL="0" lvl="0" indent="0" algn="l" rtl="0">
+              <a:spcBef>
+                <a:spcPts val="0"/>
+              </a:spcBef>
+              <a:spcAft>
+                <a:spcPts val="0"/>
+              </a:spcAft>
+              <a:buNone/>
+            </a:pPr>
+            <a:endParaRPr sz="2200">
+              <a:solidFill>
+                <a:schemeClr val="dk1"/>
+              </a:solidFill>
+              <a:latin typeface="Twentieth Century"/>
+              <a:ea typeface="Twentieth Century"/>
+              <a:cs typeface="Twentieth Century"/>
+              <a:sym typeface="Twentieth Century"/>
+            </a:endParaRPr>
+          </a:p>
+        </p:txBody>
+      </p:sp>
+      <p:sp>
+        <p:nvSpPr>
+          <p:cNvPr id="265" name="Google Shape;265;p30"/>
+          <p:cNvSpPr txBox="1"/>
+          <p:nvPr/>
+        </p:nvSpPr>
+        <p:spPr>
+          <a:xfrm>
+            <a:off x="1105225" y="2219650"/>
+            <a:ext cx="9838500" cy="3810900"/>
+          </a:xfrm>
+          <a:prstGeom prst="rect">
+            <a:avLst/>
+          </a:prstGeom>
+          <a:noFill/>
+          <a:ln>
+            <a:noFill/>
+          </a:ln>
+        </p:spPr>
+        <p:txBody>
+          <a:bodyPr spcFirstLastPara="1" wrap="square" lIns="91425" tIns="91425" rIns="91425" bIns="91425" anchor="t" anchorCtr="0">
+            <a:noAutofit/>
+          </a:bodyPr>
+          <a:lstStyle/>
+          <a:p>
+            <a:pPr marL="457200" lvl="0" indent="-412750" algn="l" rtl="0">
+              <a:lnSpc>
+                <a:spcPct val="115000"/>
+              </a:lnSpc>
+              <a:spcBef>
+                <a:spcPts val="0"/>
+              </a:spcBef>
+              <a:spcAft>
+                <a:spcPts val="0"/>
+              </a:spcAft>
+              <a:buClr>
+                <a:schemeClr val="dk1"/>
+              </a:buClr>
+              <a:buSzPts val="2900"/>
+              <a:buFont typeface="Twentieth Century"/>
+              <a:buChar char="●"/>
+            </a:pPr>
+            <a:r>
+              <a:rPr lang="it-IT" sz="2900">
+                <a:solidFill>
+                  <a:schemeClr val="dk1"/>
+                </a:solidFill>
+                <a:highlight>
+                  <a:srgbClr val="FFFFFF"/>
+                </a:highlight>
+                <a:latin typeface="Twentieth Century"/>
+                <a:ea typeface="Twentieth Century"/>
+                <a:cs typeface="Twentieth Century"/>
+                <a:sym typeface="Twentieth Century"/>
+              </a:rPr>
+              <a:t>Feature Importance</a:t>
+            </a:r>
+            <a:endParaRPr sz="2900">
+              <a:solidFill>
+                <a:schemeClr val="dk1"/>
+              </a:solidFill>
+              <a:highlight>
+                <a:srgbClr val="FFFFFF"/>
+              </a:highlight>
+              <a:latin typeface="Twentieth Century"/>
+              <a:ea typeface="Twentieth Century"/>
+              <a:cs typeface="Twentieth Century"/>
+              <a:sym typeface="Twentieth Century"/>
+            </a:endParaRPr>
+          </a:p>
+          <a:p>
+            <a:pPr marL="457200" lvl="0" indent="-412750" algn="l" rtl="0">
+              <a:lnSpc>
+                <a:spcPct val="115000"/>
+              </a:lnSpc>
+              <a:spcBef>
+                <a:spcPts val="0"/>
+              </a:spcBef>
+              <a:spcAft>
+                <a:spcPts val="0"/>
+              </a:spcAft>
+              <a:buClr>
+                <a:schemeClr val="dk1"/>
+              </a:buClr>
+              <a:buSzPts val="2900"/>
+              <a:buFont typeface="Twentieth Century"/>
+              <a:buChar char="●"/>
+            </a:pPr>
+            <a:r>
+              <a:rPr lang="it-IT" sz="2900">
+                <a:solidFill>
+                  <a:schemeClr val="dk1"/>
+                </a:solidFill>
+                <a:highlight>
+                  <a:srgbClr val="FFFFFF"/>
+                </a:highlight>
+                <a:latin typeface="Twentieth Century"/>
+                <a:ea typeface="Twentieth Century"/>
+                <a:cs typeface="Twentieth Century"/>
+                <a:sym typeface="Twentieth Century"/>
+              </a:rPr>
+              <a:t>LIME (Local Interpretable Model-agnostic Explanations)</a:t>
+            </a:r>
+            <a:endParaRPr sz="2900">
+              <a:solidFill>
+                <a:schemeClr val="dk1"/>
+              </a:solidFill>
+              <a:highlight>
+                <a:srgbClr val="FFFFFF"/>
+              </a:highlight>
+              <a:latin typeface="Twentieth Century"/>
+              <a:ea typeface="Twentieth Century"/>
+              <a:cs typeface="Twentieth Century"/>
+              <a:sym typeface="Twentieth Century"/>
+            </a:endParaRPr>
+          </a:p>
+          <a:p>
+            <a:pPr marL="457200" lvl="0" indent="-412750" algn="l" rtl="0">
+              <a:lnSpc>
+                <a:spcPct val="115000"/>
+              </a:lnSpc>
+              <a:spcBef>
+                <a:spcPts val="0"/>
+              </a:spcBef>
+              <a:spcAft>
+                <a:spcPts val="0"/>
+              </a:spcAft>
+              <a:buClr>
+                <a:schemeClr val="dk1"/>
+              </a:buClr>
+              <a:buSzPts val="2900"/>
+              <a:buFont typeface="Twentieth Century"/>
+              <a:buChar char="●"/>
+            </a:pPr>
+            <a:r>
+              <a:rPr lang="it-IT" sz="2900">
+                <a:solidFill>
+                  <a:schemeClr val="dk1"/>
+                </a:solidFill>
+                <a:highlight>
+                  <a:srgbClr val="FFFFFF"/>
+                </a:highlight>
+                <a:latin typeface="Twentieth Century"/>
+                <a:ea typeface="Twentieth Century"/>
+                <a:cs typeface="Twentieth Century"/>
+                <a:sym typeface="Twentieth Century"/>
+              </a:rPr>
+              <a:t>Grafo di rappresentazione dei livelli</a:t>
+            </a:r>
+            <a:endParaRPr sz="2900">
+              <a:solidFill>
+                <a:schemeClr val="dk1"/>
+              </a:solidFill>
+              <a:highlight>
+                <a:schemeClr val="lt1"/>
+              </a:highlight>
+              <a:latin typeface="Twentieth Century"/>
+              <a:ea typeface="Twentieth Century"/>
+              <a:cs typeface="Twentieth Century"/>
+              <a:sym typeface="Twentieth Century"/>
+            </a:endParaRPr>
+          </a:p>
+        </p:txBody>
+      </p:sp>
+    </p:spTree>
+  </p:cSld>
+  <p:clrMapOvr>
+    <a:masterClrMapping/>
+  </p:clrMapOvr>
+</p:sld>
+</file>
+
+<file path=ppt/slides/slide21.xml><?xml version="1.0" encoding="utf-8"?>
+<p:sld xmlns:a="http://schemas.openxmlformats.org/drawingml/2006/main" xmlns:r="http://schemas.openxmlformats.org/officeDocument/2006/relationships" xmlns:p="http://schemas.openxmlformats.org/presentationml/2006/main">
+  <p:cSld>
+    <p:bg>
+      <p:bgPr>
+        <a:solidFill>
+          <a:schemeClr val="lt1"/>
+        </a:solidFill>
+        <a:effectLst/>
+      </p:bgPr>
+    </p:bg>
+    <p:spTree>
+      <p:nvGrpSpPr>
         <p:cNvPr id="1" name="Shape 270"/>
         <p:cNvGrpSpPr/>
         <p:nvPr/>
@@ -37051,7 +37600,7 @@
 </p:sld>
 </file>
 
-<file path=ppt/slides/slide21.xml><?xml version="1.0" encoding="utf-8"?>
+<file path=ppt/slides/slide22.xml><?xml version="1.0" encoding="utf-8"?>
 <p:sld xmlns:a="http://schemas.openxmlformats.org/drawingml/2006/main" xmlns:r="http://schemas.openxmlformats.org/officeDocument/2006/relationships" xmlns:p="http://schemas.openxmlformats.org/presentationml/2006/main">
   <p:cSld>
     <p:bg>
@@ -37223,7 +37772,7 @@
 </p:sld>
 </file>
 
-<file path=ppt/slides/slide22.xml><?xml version="1.0" encoding="utf-8"?>
+<file path=ppt/slides/slide23.xml><?xml version="1.0" encoding="utf-8"?>
 <p:sld xmlns:a="http://schemas.openxmlformats.org/drawingml/2006/main" xmlns:r="http://schemas.openxmlformats.org/officeDocument/2006/relationships" xmlns:p="http://schemas.openxmlformats.org/presentationml/2006/main">
   <p:cSld>
     <p:bg>
@@ -37492,7 +38041,7 @@
 </p:sld>
 </file>
 
-<file path=ppt/slides/slide23.xml><?xml version="1.0" encoding="utf-8"?>
+<file path=ppt/slides/slide24.xml><?xml version="1.0" encoding="utf-8"?>
 <p:sld xmlns:a="http://schemas.openxmlformats.org/drawingml/2006/main" xmlns:r="http://schemas.openxmlformats.org/officeDocument/2006/relationships" xmlns:p="http://schemas.openxmlformats.org/presentationml/2006/main">
   <p:cSld>
     <p:bg>
@@ -37661,7 +38210,7 @@
 </p:sld>
 </file>
 
-<file path=ppt/slides/slide24.xml><?xml version="1.0" encoding="utf-8"?>
+<file path=ppt/slides/slide25.xml><?xml version="1.0" encoding="utf-8"?>
 <p:sld xmlns:a="http://schemas.openxmlformats.org/drawingml/2006/main" xmlns:r="http://schemas.openxmlformats.org/officeDocument/2006/relationships" xmlns:p="http://schemas.openxmlformats.org/presentationml/2006/main">
   <p:cSld>
     <p:bg>
@@ -38204,7 +38753,7 @@
 </p:sld>
 </file>
 
-<file path=ppt/slides/slide25.xml><?xml version="1.0" encoding="utf-8"?>
+<file path=ppt/slides/slide26.xml><?xml version="1.0" encoding="utf-8"?>
 <p:sld xmlns:a="http://schemas.openxmlformats.org/drawingml/2006/main" xmlns:r="http://schemas.openxmlformats.org/officeDocument/2006/relationships" xmlns:p="http://schemas.openxmlformats.org/presentationml/2006/main">
   <p:cSld>
     <p:bg>
@@ -40636,7 +41185,7 @@
               <a:buNone/>
             </a:pPr>
             <a:r>
-              <a:rPr lang="it-IT" sz="2200">
+              <a:rPr lang="it-IT" sz="2200" dirty="0">
                 <a:solidFill>
                   <a:schemeClr val="dk1"/>
                 </a:solidFill>
@@ -40645,9 +41194,33 @@
                 <a:cs typeface="Twentieth Century"/>
                 <a:sym typeface="Twentieth Century"/>
               </a:rPr>
-              <a:t>Una spline è una combinazione di funzioni elementari				    : grado della funzione </a:t>
+              <a:t>Una </a:t>
             </a:r>
-            <a:endParaRPr sz="2200">
+            <a:r>
+              <a:rPr lang="it-IT" sz="2200" dirty="0" err="1">
+                <a:solidFill>
+                  <a:schemeClr val="dk1"/>
+                </a:solidFill>
+                <a:latin typeface="Twentieth Century"/>
+                <a:ea typeface="Twentieth Century"/>
+                <a:cs typeface="Twentieth Century"/>
+                <a:sym typeface="Twentieth Century"/>
+              </a:rPr>
+              <a:t>spline</a:t>
+            </a:r>
+            <a:r>
+              <a:rPr lang="it-IT" sz="2200" dirty="0">
+                <a:solidFill>
+                  <a:schemeClr val="dk1"/>
+                </a:solidFill>
+                <a:latin typeface="Twentieth Century"/>
+                <a:ea typeface="Twentieth Century"/>
+                <a:cs typeface="Twentieth Century"/>
+                <a:sym typeface="Twentieth Century"/>
+              </a:rPr>
+              <a:t> è una combinazione di funzioni elementari				    : grado della funzione </a:t>
+            </a:r>
+            <a:endParaRPr sz="2200" dirty="0">
               <a:solidFill>
                 <a:schemeClr val="dk1"/>
               </a:solidFill>
@@ -40851,7 +41424,7 @@
         </p:blipFill>
         <p:spPr>
           <a:xfrm>
-            <a:off x="8249250" y="2557700"/>
+            <a:off x="10004898" y="2560040"/>
             <a:ext cx="148570" cy="232833"/>
           </a:xfrm>
           <a:prstGeom prst="rect">
@@ -40874,17 +41447,9 @@
 <file path=ppt/slides/slide9.xml><?xml version="1.0" encoding="utf-8"?>
 <p:sld xmlns:a="http://schemas.openxmlformats.org/drawingml/2006/main" xmlns:r="http://schemas.openxmlformats.org/officeDocument/2006/relationships" xmlns:p="http://schemas.openxmlformats.org/presentationml/2006/main">
   <p:cSld>
-    <p:bg>
-      <p:bgPr>
-        <a:solidFill>
-          <a:schemeClr val="lt1"/>
-        </a:solidFill>
-        <a:effectLst/>
-      </p:bgPr>
-    </p:bg>
     <p:spTree>
       <p:nvGrpSpPr>
-        <p:cNvPr id="1" name="Shape 172"/>
+        <p:cNvPr id="1" name="Shape 160"/>
         <p:cNvGrpSpPr/>
         <p:nvPr/>
       </p:nvGrpSpPr>
@@ -40898,7 +41463,7 @@
       </p:grpSpPr>
       <p:sp>
         <p:nvSpPr>
-          <p:cNvPr id="173" name="Google Shape;173;p21"/>
+          <p:cNvPr id="161" name="Google Shape;161;p20"/>
           <p:cNvSpPr txBox="1">
             <a:spLocks noGrp="1"/>
           </p:cNvSpPr>
@@ -40948,7 +41513,7 @@
                   <a:schemeClr val="dk1"/>
                 </a:solidFill>
               </a:rPr>
-              <a:t>Il livello</a:t>
+              <a:t>Le</a:t>
             </a:r>
             <a:r>
               <a:rPr lang="it-IT">
@@ -40956,7 +41521,7 @@
                   <a:schemeClr val="accent1"/>
                 </a:solidFill>
               </a:rPr>
-              <a:t> DenseKAN</a:t>
+              <a:t> splines</a:t>
             </a:r>
             <a:endParaRPr sz="1400">
               <a:solidFill>
@@ -40966,97 +41531,39 @@
           </a:p>
         </p:txBody>
       </p:sp>
-      <p:sp>
-        <p:nvSpPr>
-          <p:cNvPr id="174" name="Google Shape;174;p21"/>
-          <p:cNvSpPr txBox="1"/>
-          <p:nvPr/>
-        </p:nvSpPr>
-        <p:spPr>
-          <a:xfrm>
-            <a:off x="871200" y="2412525"/>
-            <a:ext cx="10207500" cy="523200"/>
-          </a:xfrm>
-          <a:prstGeom prst="rect">
-            <a:avLst/>
-          </a:prstGeom>
-          <a:noFill/>
-          <a:ln>
-            <a:noFill/>
-          </a:ln>
-        </p:spPr>
-        <p:txBody>
-          <a:bodyPr spcFirstLastPara="1" wrap="square" lIns="91425" tIns="91425" rIns="91425" bIns="91425" anchor="t" anchorCtr="0">
-            <a:noAutofit/>
-          </a:bodyPr>
-          <a:lstStyle/>
-          <a:p>
-            <a:pPr marL="0" lvl="0" indent="0" algn="l" rtl="0">
-              <a:spcBef>
-                <a:spcPts val="0"/>
-              </a:spcBef>
-              <a:spcAft>
-                <a:spcPts val="0"/>
-              </a:spcAft>
-              <a:buNone/>
-            </a:pPr>
-            <a:r>
-              <a:rPr lang="it-IT" sz="2200">
-                <a:solidFill>
-                  <a:schemeClr val="dk1"/>
-                </a:solidFill>
-                <a:latin typeface="Twentieth Century"/>
-                <a:ea typeface="Twentieth Century"/>
-                <a:cs typeface="Twentieth Century"/>
-                <a:sym typeface="Twentieth Century"/>
-              </a:rPr>
-              <a:t>Un livello DenseKAN può essere rappresentato come una </a:t>
-            </a:r>
-            <a:r>
-              <a:rPr lang="it-IT" sz="2200">
-                <a:solidFill>
-                  <a:schemeClr val="accent1"/>
-                </a:solidFill>
-                <a:latin typeface="Twentieth Century"/>
-                <a:ea typeface="Twentieth Century"/>
-                <a:cs typeface="Twentieth Century"/>
-                <a:sym typeface="Twentieth Century"/>
-              </a:rPr>
-              <a:t>matrice di funzioni</a:t>
-            </a:r>
-            <a:r>
-              <a:rPr lang="it-IT" sz="2200">
-                <a:solidFill>
-                  <a:schemeClr val="dk1"/>
-                </a:solidFill>
-                <a:latin typeface="Twentieth Century"/>
-                <a:ea typeface="Twentieth Century"/>
-                <a:cs typeface="Twentieth Century"/>
-                <a:sym typeface="Twentieth Century"/>
-              </a:rPr>
-              <a:t> </a:t>
-            </a:r>
-            <a:endParaRPr sz="2200">
-              <a:solidFill>
-                <a:schemeClr val="dk1"/>
-              </a:solidFill>
-              <a:latin typeface="Twentieth Century"/>
-              <a:ea typeface="Twentieth Century"/>
-              <a:cs typeface="Twentieth Century"/>
-              <a:sym typeface="Twentieth Century"/>
-            </a:endParaRPr>
-          </a:p>
-        </p:txBody>
-      </p:sp>
       <p:pic>
         <p:nvPicPr>
-          <p:cNvPr id="175" name="Google Shape;175;p21" title="[0,0,0,&quot;https://www.codecogs.com/eqnedit.php?latex=%5Cphi(x)%20%3D%20w_bb(x)%20%2B%20w_s%5Csum_i%7Bc_iB_i(x)%7D#0&quot;]"/>
-          <p:cNvPicPr preferRelativeResize="0"/>
+          <p:cNvPr id="3" name="Immagine 2">
+            <a:extLst>
+              <a:ext uri="{FF2B5EF4-FFF2-40B4-BE49-F238E27FC236}">
+                <a16:creationId xmlns:a16="http://schemas.microsoft.com/office/drawing/2014/main" id="{C061324C-3ADD-784B-453F-F304A24C58EE}"/>
+              </a:ext>
+            </a:extLst>
+          </p:cNvPr>
+          <p:cNvPicPr>
+            <a:picLocks noChangeAspect="1"/>
+          </p:cNvPicPr>
           <p:nvPr/>
         </p:nvPicPr>
         <p:blipFill>
           <a:blip r:embed="rId3">
-            <a:alphaModFix/>
+            <a:extLst>
+              <a:ext uri="{BEBA8EAE-BF5A-486C-A8C5-ECC9F3942E4B}">
+                <a14:imgProps xmlns:a14="http://schemas.microsoft.com/office/drawing/2010/main">
+                  <a14:imgLayer r:embed="rId4">
+                    <a14:imgEffect>
+                      <a14:colorTemperature colorTemp="6900"/>
+                    </a14:imgEffect>
+                    <a14:imgEffect>
+                      <a14:saturation sat="86000"/>
+                    </a14:imgEffect>
+                    <a14:imgEffect>
+                      <a14:brightnessContrast contrast="61000"/>
+                    </a14:imgEffect>
+                  </a14:imgLayer>
+                </a14:imgProps>
+              </a:ext>
+            </a:extLst>
           </a:blip>
           <a:stretch>
             <a:fillRect/>
@@ -41064,165 +41571,44 @@
         </p:blipFill>
         <p:spPr>
           <a:xfrm>
-            <a:off x="6078475" y="4198800"/>
-            <a:ext cx="5335650" cy="870900"/>
+            <a:off x="36944" y="2054516"/>
+            <a:ext cx="4050475" cy="3311811"/>
           </a:xfrm>
           <a:prstGeom prst="rect">
             <a:avLst/>
           </a:prstGeom>
-          <a:noFill/>
-          <a:ln>
-            <a:noFill/>
-          </a:ln>
         </p:spPr>
       </p:pic>
-      <p:cxnSp>
-        <p:nvCxnSpPr>
-          <p:cNvPr id="176" name="Google Shape;176;p21"/>
-          <p:cNvCxnSpPr/>
-          <p:nvPr/>
-        </p:nvCxnSpPr>
-        <p:spPr>
-          <a:xfrm>
-            <a:off x="7684700" y="4726375"/>
-            <a:ext cx="489000" cy="921900"/>
-          </a:xfrm>
-          <a:prstGeom prst="straightConnector1">
-            <a:avLst/>
-          </a:prstGeom>
-          <a:noFill/>
-          <a:ln w="28575" cap="flat" cmpd="sng">
-            <a:solidFill>
-              <a:schemeClr val="accent1"/>
-            </a:solidFill>
-            <a:prstDash val="solid"/>
-            <a:round/>
-            <a:headEnd type="stealth" w="med" len="med"/>
-            <a:tailEnd type="none" w="med" len="med"/>
-          </a:ln>
-        </p:spPr>
-      </p:cxnSp>
-      <p:cxnSp>
-        <p:nvCxnSpPr>
-          <p:cNvPr id="177" name="Google Shape;177;p21"/>
-          <p:cNvCxnSpPr/>
-          <p:nvPr/>
-        </p:nvCxnSpPr>
-        <p:spPr>
-          <a:xfrm rot="10800000" flipH="1">
-            <a:off x="8173575" y="4656600"/>
-            <a:ext cx="935700" cy="1005600"/>
-          </a:xfrm>
-          <a:prstGeom prst="straightConnector1">
-            <a:avLst/>
-          </a:prstGeom>
-          <a:noFill/>
-          <a:ln w="28575" cap="flat" cmpd="sng">
-            <a:solidFill>
-              <a:schemeClr val="accent1"/>
-            </a:solidFill>
-            <a:prstDash val="solid"/>
-            <a:round/>
-            <a:headEnd type="none" w="med" len="med"/>
-            <a:tailEnd type="stealth" w="med" len="med"/>
-          </a:ln>
-        </p:spPr>
-      </p:cxnSp>
-      <p:cxnSp>
-        <p:nvCxnSpPr>
-          <p:cNvPr id="178" name="Google Shape;178;p21"/>
-          <p:cNvCxnSpPr/>
-          <p:nvPr/>
-        </p:nvCxnSpPr>
-        <p:spPr>
-          <a:xfrm rot="10800000" flipH="1">
-            <a:off x="8187550" y="4698300"/>
-            <a:ext cx="2234700" cy="963900"/>
-          </a:xfrm>
-          <a:prstGeom prst="bentConnector3">
-            <a:avLst>
-              <a:gd name="adj1" fmla="val 100003"/>
-            </a:avLst>
-          </a:prstGeom>
-          <a:noFill/>
-          <a:ln w="28575" cap="flat" cmpd="sng">
-            <a:solidFill>
-              <a:schemeClr val="accent1"/>
-            </a:solidFill>
-            <a:prstDash val="solid"/>
-            <a:round/>
-            <a:headEnd type="none" w="med" len="med"/>
-            <a:tailEnd type="stealth" w="med" len="med"/>
-          </a:ln>
-        </p:spPr>
-      </p:cxnSp>
-      <p:sp>
-        <p:nvSpPr>
-          <p:cNvPr id="179" name="Google Shape;179;p21"/>
-          <p:cNvSpPr txBox="1"/>
-          <p:nvPr/>
-        </p:nvSpPr>
-        <p:spPr>
-          <a:xfrm>
-            <a:off x="7056175" y="5662200"/>
-            <a:ext cx="2737500" cy="523200"/>
-          </a:xfrm>
-          <a:prstGeom prst="rect">
-            <a:avLst/>
-          </a:prstGeom>
-          <a:noFill/>
-          <a:ln>
-            <a:noFill/>
-          </a:ln>
-        </p:spPr>
-        <p:txBody>
-          <a:bodyPr spcFirstLastPara="1" wrap="square" lIns="91425" tIns="91425" rIns="91425" bIns="91425" anchor="t" anchorCtr="0">
-            <a:spAutoFit/>
-          </a:bodyPr>
-          <a:lstStyle/>
-          <a:p>
-            <a:pPr marL="0" lvl="0" indent="0" algn="l" rtl="0">
-              <a:spcBef>
-                <a:spcPts val="0"/>
-              </a:spcBef>
-              <a:spcAft>
-                <a:spcPts val="0"/>
-              </a:spcAft>
-              <a:buNone/>
-            </a:pPr>
-            <a:r>
-              <a:rPr lang="it-IT" sz="2200">
-                <a:solidFill>
-                  <a:schemeClr val="accent1"/>
-                </a:solidFill>
-                <a:latin typeface="Twentieth Century"/>
-                <a:ea typeface="Twentieth Century"/>
-                <a:cs typeface="Twentieth Century"/>
-                <a:sym typeface="Twentieth Century"/>
-              </a:rPr>
-              <a:t>Parametri addestrabili</a:t>
-            </a:r>
-            <a:endParaRPr sz="2200">
-              <a:solidFill>
-                <a:schemeClr val="accent1"/>
-              </a:solidFill>
-              <a:latin typeface="Twentieth Century"/>
-              <a:ea typeface="Twentieth Century"/>
-              <a:cs typeface="Twentieth Century"/>
-              <a:sym typeface="Twentieth Century"/>
-            </a:endParaRPr>
-          </a:p>
-        </p:txBody>
-      </p:sp>
       <p:pic>
         <p:nvPicPr>
-          <p:cNvPr id="180" name="Google Shape;180;p21" title="[0,0,0,&quot;https://www.codecogs.com/eqnedit.php?latex=%20%5CPhi%20%3D%20%5Cbegin%7Bpmatrix%7D%20%5Cphi_%7B1%2C1%7D%20%26%20%5Cphi_%7B1%2C2%7D%20%26%20%5Ccdots%20%26%20%5Cphi_%7B1%2Cn%7D%20%5C%5C%20%5Cphi_%7B2%2C1%7D%20%26%20%5Cphi_%7B2%2C2%7D%20%26%20%5Ccdots%20%26%20%5Cphi_%7B2%2Cn%7D%20%5C%5C%20%5Cvdots%20%26%20%5Cvdots%20%26%20%5Cddots%20%26%20%5Cvdots%20%5C%5C%20%5Cphi_%7Bm%2C1%7D%20%26%20%5Cphi_%7Bm%2C2%7D%20%26%20%5Ccdots%20%26%20%5Cphi_%7Bm%2Cn%7D%20%5Cend%7Bpmatrix%7D%20#0&quot;]"/>
-          <p:cNvPicPr preferRelativeResize="0"/>
+          <p:cNvPr id="5" name="Immagine 4">
+            <a:extLst>
+              <a:ext uri="{FF2B5EF4-FFF2-40B4-BE49-F238E27FC236}">
+                <a16:creationId xmlns:a16="http://schemas.microsoft.com/office/drawing/2014/main" id="{4BB75D30-D4FC-858B-CF28-682F62A0D36A}"/>
+              </a:ext>
+            </a:extLst>
+          </p:cNvPr>
+          <p:cNvPicPr>
+            <a:picLocks noChangeAspect="1"/>
+          </p:cNvPicPr>
           <p:nvPr/>
         </p:nvPicPr>
         <p:blipFill>
-          <a:blip r:embed="rId4">
-            <a:alphaModFix/>
+          <a:blip r:embed="rId5">
+            <a:extLst>
+              <a:ext uri="{BEBA8EAE-BF5A-486C-A8C5-ECC9F3942E4B}">
+                <a14:imgProps xmlns:a14="http://schemas.microsoft.com/office/drawing/2010/main">
+                  <a14:imgLayer r:embed="rId6">
+                    <a14:imgEffect>
+                      <a14:colorTemperature colorTemp="6900"/>
+                    </a14:imgEffect>
+                    <a14:imgEffect>
+                      <a14:brightnessContrast contrast="60000"/>
+                    </a14:imgEffect>
+                  </a14:imgLayer>
+                </a14:imgProps>
+              </a:ext>
+            </a:extLst>
           </a:blip>
           <a:stretch>
             <a:fillRect/>
@@ -41230,19 +41616,65 @@
         </p:blipFill>
         <p:spPr>
           <a:xfrm>
-            <a:off x="815323" y="3701336"/>
-            <a:ext cx="4399998" cy="1865826"/>
+            <a:off x="4087419" y="2054515"/>
+            <a:ext cx="4008181" cy="3311811"/>
           </a:xfrm>
           <a:prstGeom prst="rect">
             <a:avLst/>
           </a:prstGeom>
-          <a:noFill/>
-          <a:ln>
-            <a:noFill/>
-          </a:ln>
+        </p:spPr>
+      </p:pic>
+      <p:pic>
+        <p:nvPicPr>
+          <p:cNvPr id="7" name="Immagine 6">
+            <a:extLst>
+              <a:ext uri="{FF2B5EF4-FFF2-40B4-BE49-F238E27FC236}">
+                <a16:creationId xmlns:a16="http://schemas.microsoft.com/office/drawing/2014/main" id="{20203B60-2D52-BC05-0C9C-911D105F5BB4}"/>
+              </a:ext>
+            </a:extLst>
+          </p:cNvPr>
+          <p:cNvPicPr>
+            <a:picLocks noChangeAspect="1"/>
+          </p:cNvPicPr>
+          <p:nvPr/>
+        </p:nvPicPr>
+        <p:blipFill>
+          <a:blip r:embed="rId7">
+            <a:extLst>
+              <a:ext uri="{BEBA8EAE-BF5A-486C-A8C5-ECC9F3942E4B}">
+                <a14:imgProps xmlns:a14="http://schemas.microsoft.com/office/drawing/2010/main">
+                  <a14:imgLayer r:embed="rId8">
+                    <a14:imgEffect>
+                      <a14:colorTemperature colorTemp="6900"/>
+                    </a14:imgEffect>
+                    <a14:imgEffect>
+                      <a14:brightnessContrast contrast="60000"/>
+                    </a14:imgEffect>
+                  </a14:imgLayer>
+                </a14:imgProps>
+              </a:ext>
+            </a:extLst>
+          </a:blip>
+          <a:stretch>
+            <a:fillRect/>
+          </a:stretch>
+        </p:blipFill>
+        <p:spPr>
+          <a:xfrm>
+            <a:off x="8095600" y="2054515"/>
+            <a:ext cx="4046809" cy="3311811"/>
+          </a:xfrm>
+          <a:prstGeom prst="rect">
+            <a:avLst/>
+          </a:prstGeom>
         </p:spPr>
       </p:pic>
     </p:spTree>
+    <p:extLst>
+      <p:ext uri="{BB962C8B-B14F-4D97-AF65-F5344CB8AC3E}">
+        <p14:creationId xmlns:p14="http://schemas.microsoft.com/office/powerpoint/2010/main" val="1377080872"/>
+      </p:ext>
+    </p:extLst>
   </p:cSld>
   <p:clrMapOvr>
     <a:masterClrMapping/>

--- a/Presentazione_YesWeKAN.pptx
+++ b/Presentazione_YesWeKAN.pptx
@@ -39293,7 +39293,7 @@
               <a:buNone/>
             </a:pPr>
             <a:r>
-              <a:rPr lang="it-IT">
+              <a:rPr lang="it-IT" dirty="0">
                 <a:solidFill>
                   <a:schemeClr val="accent1"/>
                 </a:solidFill>
@@ -39301,14 +39301,14 @@
               <a:t>Applicazioni </a:t>
             </a:r>
             <a:r>
-              <a:rPr lang="it-IT">
+              <a:rPr lang="it-IT" dirty="0">
                 <a:solidFill>
                   <a:schemeClr val="dk1"/>
                 </a:solidFill>
               </a:rPr>
               <a:t>del progetto</a:t>
             </a:r>
-            <a:endParaRPr>
+            <a:endParaRPr dirty="0">
               <a:solidFill>
                 <a:schemeClr val="dk1"/>
               </a:solidFill>
@@ -39356,7 +39356,7 @@
               <a:buChar char="●"/>
             </a:pPr>
             <a:r>
-              <a:rPr lang="it-IT" sz="2200">
+              <a:rPr lang="it-IT" sz="2200" dirty="0">
                 <a:solidFill>
                   <a:schemeClr val="dk1"/>
                 </a:solidFill>
@@ -39368,7 +39368,7 @@
               <a:t>Il nostro task consiste nello stimare la </a:t>
             </a:r>
             <a:r>
-              <a:rPr lang="it-IT" sz="2200">
+              <a:rPr lang="it-IT" sz="2200" dirty="0">
                 <a:solidFill>
                   <a:schemeClr val="accent1"/>
                 </a:solidFill>
@@ -39380,7 +39380,7 @@
               <a:t>durata in giorni</a:t>
             </a:r>
             <a:r>
-              <a:rPr lang="it-IT" sz="2200">
+              <a:rPr lang="it-IT" sz="2200" dirty="0">
                 <a:solidFill>
                   <a:schemeClr val="dk1"/>
                 </a:solidFill>
@@ -39391,7 +39391,7 @@
               </a:rPr>
               <a:t> del ricovero ospedaliero di un paziente avendo alcuni dati relativi al suo stato di salute e al ricovero</a:t>
             </a:r>
-            <a:endParaRPr sz="2200">
+            <a:endParaRPr sz="2200" dirty="0">
               <a:solidFill>
                 <a:schemeClr val="dk1"/>
               </a:solidFill>
@@ -39438,7 +39438,7 @@
               <a:buNone/>
             </a:pPr>
             <a:r>
-              <a:rPr lang="it-IT" sz="2200">
+              <a:rPr lang="it-IT" sz="2200" dirty="0">
                 <a:solidFill>
                   <a:schemeClr val="dk1"/>
                 </a:solidFill>
@@ -39450,7 +39450,7 @@
               <a:t>Fornire un sistema di </a:t>
             </a:r>
             <a:r>
-              <a:rPr lang="it-IT" sz="2200">
+              <a:rPr lang="it-IT" sz="2200" dirty="0">
                 <a:solidFill>
                   <a:schemeClr val="accent1"/>
                 </a:solidFill>
@@ -39462,7 +39462,7 @@
               <a:t>supporto decisionale</a:t>
             </a:r>
             <a:r>
-              <a:rPr lang="it-IT" sz="2200">
+              <a:rPr lang="it-IT" sz="2200" dirty="0">
                 <a:solidFill>
                   <a:schemeClr val="dk1"/>
                 </a:solidFill>
@@ -39473,7 +39473,7 @@
               </a:rPr>
               <a:t> al personale addetto alla gestione logistica dei posti letto nelle strutture ospedaliere</a:t>
             </a:r>
-            <a:endParaRPr sz="2200">
+            <a:endParaRPr sz="2200" dirty="0">
               <a:solidFill>
                 <a:schemeClr val="dk1"/>
               </a:solidFill>
@@ -39520,7 +39520,7 @@
               <a:buNone/>
             </a:pPr>
             <a:r>
-              <a:rPr lang="it-IT" sz="2200">
+              <a:rPr lang="it-IT" sz="2200" dirty="0">
                 <a:solidFill>
                   <a:schemeClr val="dk1"/>
                 </a:solidFill>
@@ -39532,7 +39532,7 @@
               <a:t>Fornire al paziente una </a:t>
             </a:r>
             <a:r>
-              <a:rPr lang="it-IT" sz="2200">
+              <a:rPr lang="it-IT" sz="2200" dirty="0">
                 <a:solidFill>
                   <a:schemeClr val="accent1"/>
                 </a:solidFill>
@@ -39544,7 +39544,7 @@
               <a:t>stima trasparente</a:t>
             </a:r>
             <a:r>
-              <a:rPr lang="it-IT" sz="2200">
+              <a:rPr lang="it-IT" sz="2200" dirty="0">
                 <a:solidFill>
                   <a:schemeClr val="dk1"/>
                 </a:solidFill>
@@ -39555,7 +39555,7 @@
               </a:rPr>
               <a:t> sulla durata della sua permanenza nella struttura</a:t>
             </a:r>
-            <a:endParaRPr sz="2200">
+            <a:endParaRPr sz="2200" dirty="0">
               <a:solidFill>
                 <a:schemeClr val="dk1"/>
               </a:solidFill>

--- a/Presentazione_YesWeKAN.pptx
+++ b/Presentazione_YesWeKAN.pptx
@@ -15,8 +15,8 @@
     <p:sldId id="260" r:id="rId6"/>
     <p:sldId id="261" r:id="rId7"/>
     <p:sldId id="262" r:id="rId8"/>
-    <p:sldId id="263" r:id="rId9"/>
-    <p:sldId id="281" r:id="rId10"/>
+    <p:sldId id="281" r:id="rId9"/>
+    <p:sldId id="263" r:id="rId10"/>
     <p:sldId id="264" r:id="rId11"/>
     <p:sldId id="265" r:id="rId12"/>
     <p:sldId id="266" r:id="rId13"/>
@@ -5523,6 +5523,11 @@
         </p:txBody>
       </p:sp>
     </p:spTree>
+    <p:extLst>
+      <p:ext uri="{BB962C8B-B14F-4D97-AF65-F5344CB8AC3E}">
+        <p14:creationId xmlns:p14="http://schemas.microsoft.com/office/powerpoint/2010/main" val="2210049708"/>
+      </p:ext>
+    </p:extLst>
   </p:cSld>
   <p:clrMapOvr>
     <a:masterClrMapping/>
@@ -5687,11 +5692,6 @@
         </p:txBody>
       </p:sp>
     </p:spTree>
-    <p:extLst>
-      <p:ext uri="{BB962C8B-B14F-4D97-AF65-F5344CB8AC3E}">
-        <p14:creationId xmlns:p14="http://schemas.microsoft.com/office/powerpoint/2010/main" val="2210049708"/>
-      </p:ext>
-    </p:extLst>
   </p:cSld>
   <p:clrMapOvr>
     <a:masterClrMapping/>
@@ -41058,395 +41058,6 @@
 <file path=ppt/slides/slide8.xml><?xml version="1.0" encoding="utf-8"?>
 <p:sld xmlns:a="http://schemas.openxmlformats.org/drawingml/2006/main" xmlns:r="http://schemas.openxmlformats.org/officeDocument/2006/relationships" xmlns:p="http://schemas.openxmlformats.org/presentationml/2006/main">
   <p:cSld>
-    <p:bg>
-      <p:bgPr>
-        <a:solidFill>
-          <a:schemeClr val="lt1"/>
-        </a:solidFill>
-        <a:effectLst/>
-      </p:bgPr>
-    </p:bg>
-    <p:spTree>
-      <p:nvGrpSpPr>
-        <p:cNvPr id="1" name="Shape 160"/>
-        <p:cNvGrpSpPr/>
-        <p:nvPr/>
-      </p:nvGrpSpPr>
-      <p:grpSpPr>
-        <a:xfrm>
-          <a:off x="0" y="0"/>
-          <a:ext cx="0" cy="0"/>
-          <a:chOff x="0" y="0"/>
-          <a:chExt cx="0" cy="0"/>
-        </a:xfrm>
-      </p:grpSpPr>
-      <p:sp>
-        <p:nvSpPr>
-          <p:cNvPr id="161" name="Google Shape;161;p20"/>
-          <p:cNvSpPr txBox="1">
-            <a:spLocks noGrp="1"/>
-          </p:cNvSpPr>
-          <p:nvPr>
-            <p:ph type="title"/>
-          </p:nvPr>
-        </p:nvSpPr>
-        <p:spPr>
-          <a:xfrm>
-            <a:off x="1008828" y="554816"/>
-            <a:ext cx="9720000" cy="1499700"/>
-          </a:xfrm>
-          <a:prstGeom prst="rect">
-            <a:avLst/>
-          </a:prstGeom>
-          <a:noFill/>
-          <a:ln>
-            <a:noFill/>
-          </a:ln>
-        </p:spPr>
-        <p:txBody>
-          <a:bodyPr spcFirstLastPara="1" wrap="square" lIns="91425" tIns="45700" rIns="91425" bIns="45700" anchor="ctr" anchorCtr="0">
-            <a:normAutofit/>
-          </a:bodyPr>
-          <a:lstStyle/>
-          <a:p>
-            <a:pPr marL="0" lvl="0" indent="0" algn="l" rtl="0">
-              <a:lnSpc>
-                <a:spcPct val="80000"/>
-              </a:lnSpc>
-              <a:spcBef>
-                <a:spcPts val="0"/>
-              </a:spcBef>
-              <a:spcAft>
-                <a:spcPts val="0"/>
-              </a:spcAft>
-              <a:buClr>
-                <a:srgbClr val="0C0C0C"/>
-              </a:buClr>
-              <a:buSzPts val="5000"/>
-              <a:buFont typeface="Twentieth Century"/>
-              <a:buNone/>
-            </a:pPr>
-            <a:r>
-              <a:rPr lang="it-IT">
-                <a:solidFill>
-                  <a:schemeClr val="dk1"/>
-                </a:solidFill>
-              </a:rPr>
-              <a:t>Le</a:t>
-            </a:r>
-            <a:r>
-              <a:rPr lang="it-IT">
-                <a:solidFill>
-                  <a:schemeClr val="accent1"/>
-                </a:solidFill>
-              </a:rPr>
-              <a:t> splines</a:t>
-            </a:r>
-            <a:endParaRPr sz="1400">
-              <a:solidFill>
-                <a:schemeClr val="dk1"/>
-              </a:solidFill>
-            </a:endParaRPr>
-          </a:p>
-        </p:txBody>
-      </p:sp>
-      <p:sp>
-        <p:nvSpPr>
-          <p:cNvPr id="162" name="Google Shape;162;p20"/>
-          <p:cNvSpPr txBox="1"/>
-          <p:nvPr/>
-        </p:nvSpPr>
-        <p:spPr>
-          <a:xfrm>
-            <a:off x="745075" y="2412525"/>
-            <a:ext cx="10785600" cy="523200"/>
-          </a:xfrm>
-          <a:prstGeom prst="rect">
-            <a:avLst/>
-          </a:prstGeom>
-          <a:noFill/>
-          <a:ln>
-            <a:noFill/>
-          </a:ln>
-        </p:spPr>
-        <p:txBody>
-          <a:bodyPr spcFirstLastPara="1" wrap="square" lIns="91425" tIns="91425" rIns="91425" bIns="91425" anchor="t" anchorCtr="0">
-            <a:noAutofit/>
-          </a:bodyPr>
-          <a:lstStyle/>
-          <a:p>
-            <a:pPr marL="0" lvl="0" indent="0" algn="l" rtl="0">
-              <a:spcBef>
-                <a:spcPts val="0"/>
-              </a:spcBef>
-              <a:spcAft>
-                <a:spcPts val="0"/>
-              </a:spcAft>
-              <a:buNone/>
-            </a:pPr>
-            <a:r>
-              <a:rPr lang="it-IT" sz="2200" dirty="0">
-                <a:solidFill>
-                  <a:schemeClr val="dk1"/>
-                </a:solidFill>
-                <a:latin typeface="Twentieth Century"/>
-                <a:ea typeface="Twentieth Century"/>
-                <a:cs typeface="Twentieth Century"/>
-                <a:sym typeface="Twentieth Century"/>
-              </a:rPr>
-              <a:t>Una </a:t>
-            </a:r>
-            <a:r>
-              <a:rPr lang="it-IT" sz="2200" dirty="0" err="1">
-                <a:solidFill>
-                  <a:schemeClr val="dk1"/>
-                </a:solidFill>
-                <a:latin typeface="Twentieth Century"/>
-                <a:ea typeface="Twentieth Century"/>
-                <a:cs typeface="Twentieth Century"/>
-                <a:sym typeface="Twentieth Century"/>
-              </a:rPr>
-              <a:t>spline</a:t>
-            </a:r>
-            <a:r>
-              <a:rPr lang="it-IT" sz="2200" dirty="0">
-                <a:solidFill>
-                  <a:schemeClr val="dk1"/>
-                </a:solidFill>
-                <a:latin typeface="Twentieth Century"/>
-                <a:ea typeface="Twentieth Century"/>
-                <a:cs typeface="Twentieth Century"/>
-                <a:sym typeface="Twentieth Century"/>
-              </a:rPr>
-              <a:t> è una combinazione di funzioni elementari				    : grado della funzione </a:t>
-            </a:r>
-            <a:endParaRPr sz="2200" dirty="0">
-              <a:solidFill>
-                <a:schemeClr val="dk1"/>
-              </a:solidFill>
-              <a:latin typeface="Twentieth Century"/>
-              <a:ea typeface="Twentieth Century"/>
-              <a:cs typeface="Twentieth Century"/>
-              <a:sym typeface="Twentieth Century"/>
-            </a:endParaRPr>
-          </a:p>
-        </p:txBody>
-      </p:sp>
-      <p:sp>
-        <p:nvSpPr>
-          <p:cNvPr id="163" name="Google Shape;163;p20"/>
-          <p:cNvSpPr txBox="1"/>
-          <p:nvPr/>
-        </p:nvSpPr>
-        <p:spPr>
-          <a:xfrm>
-            <a:off x="5831625" y="3546575"/>
-            <a:ext cx="4757400" cy="1302300"/>
-          </a:xfrm>
-          <a:prstGeom prst="rect">
-            <a:avLst/>
-          </a:prstGeom>
-          <a:noFill/>
-          <a:ln>
-            <a:noFill/>
-          </a:ln>
-        </p:spPr>
-        <p:txBody>
-          <a:bodyPr spcFirstLastPara="1" wrap="square" lIns="91425" tIns="91425" rIns="91425" bIns="91425" anchor="t" anchorCtr="0">
-            <a:spAutoFit/>
-          </a:bodyPr>
-          <a:lstStyle/>
-          <a:p>
-            <a:pPr marL="457200" marR="457200" lvl="0" indent="0" algn="l" rtl="0">
-              <a:lnSpc>
-                <a:spcPct val="115000"/>
-              </a:lnSpc>
-              <a:spcBef>
-                <a:spcPts val="0"/>
-              </a:spcBef>
-              <a:spcAft>
-                <a:spcPts val="0"/>
-              </a:spcAft>
-              <a:buNone/>
-            </a:pPr>
-            <a:endParaRPr sz="2200">
-              <a:solidFill>
-                <a:schemeClr val="dk1"/>
-              </a:solidFill>
-              <a:latin typeface="Twentieth Century"/>
-              <a:ea typeface="Twentieth Century"/>
-              <a:cs typeface="Twentieth Century"/>
-              <a:sym typeface="Twentieth Century"/>
-            </a:endParaRPr>
-          </a:p>
-          <a:p>
-            <a:pPr marL="457200" marR="457200" lvl="0" indent="0" algn="l" rtl="0">
-              <a:lnSpc>
-                <a:spcPct val="115000"/>
-              </a:lnSpc>
-              <a:spcBef>
-                <a:spcPts val="0"/>
-              </a:spcBef>
-              <a:spcAft>
-                <a:spcPts val="0"/>
-              </a:spcAft>
-              <a:buNone/>
-            </a:pPr>
-            <a:endParaRPr sz="2200">
-              <a:solidFill>
-                <a:schemeClr val="dk1"/>
-              </a:solidFill>
-              <a:latin typeface="Twentieth Century"/>
-              <a:ea typeface="Twentieth Century"/>
-              <a:cs typeface="Twentieth Century"/>
-              <a:sym typeface="Twentieth Century"/>
-            </a:endParaRPr>
-          </a:p>
-          <a:p>
-            <a:pPr marL="0" lvl="0" indent="0" algn="l" rtl="0">
-              <a:spcBef>
-                <a:spcPts val="0"/>
-              </a:spcBef>
-              <a:spcAft>
-                <a:spcPts val="0"/>
-              </a:spcAft>
-              <a:buNone/>
-            </a:pPr>
-            <a:endParaRPr sz="2200">
-              <a:solidFill>
-                <a:schemeClr val="dk1"/>
-              </a:solidFill>
-              <a:latin typeface="Twentieth Century"/>
-              <a:ea typeface="Twentieth Century"/>
-              <a:cs typeface="Twentieth Century"/>
-              <a:sym typeface="Twentieth Century"/>
-            </a:endParaRPr>
-          </a:p>
-        </p:txBody>
-      </p:sp>
-      <p:pic>
-        <p:nvPicPr>
-          <p:cNvPr id="164" name="Google Shape;164;p20" title="[0,0,0,&quot;https://www.codecogs.com/eqnedit.php?latex=B_%7Bi%2Ck%7D(x)#0&quot;]"/>
-          <p:cNvPicPr preferRelativeResize="0"/>
-          <p:nvPr/>
-        </p:nvPicPr>
-        <p:blipFill>
-          <a:blip r:embed="rId3">
-            <a:alphaModFix/>
-          </a:blip>
-          <a:stretch>
-            <a:fillRect/>
-          </a:stretch>
-        </p:blipFill>
-        <p:spPr>
-          <a:xfrm>
-            <a:off x="6983050" y="2501025"/>
-            <a:ext cx="935201" cy="346200"/>
-          </a:xfrm>
-          <a:prstGeom prst="rect">
-            <a:avLst/>
-          </a:prstGeom>
-          <a:noFill/>
-          <a:ln>
-            <a:noFill/>
-          </a:ln>
-        </p:spPr>
-      </p:pic>
-      <p:pic>
-        <p:nvPicPr>
-          <p:cNvPr id="165" name="Google Shape;165;p20" title="[0,0,0,&quot;https://www.codecogs.com/eqnedit.php?latex=spline(x)%20%3D%20%5Csum_ic_iB_%7Bi%2Ck%7D(x)#0&quot;]"/>
-          <p:cNvPicPr preferRelativeResize="0"/>
-          <p:nvPr/>
-        </p:nvPicPr>
-        <p:blipFill>
-          <a:blip r:embed="rId4">
-            <a:alphaModFix/>
-          </a:blip>
-          <a:stretch>
-            <a:fillRect/>
-          </a:stretch>
-        </p:blipFill>
-        <p:spPr>
-          <a:xfrm>
-            <a:off x="1074225" y="4136000"/>
-            <a:ext cx="4757400" cy="969856"/>
-          </a:xfrm>
-          <a:prstGeom prst="rect">
-            <a:avLst/>
-          </a:prstGeom>
-          <a:noFill/>
-          <a:ln>
-            <a:noFill/>
-          </a:ln>
-        </p:spPr>
-      </p:pic>
-      <p:pic>
-        <p:nvPicPr>
-          <p:cNvPr id="166" name="Google Shape;166;p20"/>
-          <p:cNvPicPr preferRelativeResize="0"/>
-          <p:nvPr/>
-        </p:nvPicPr>
-        <p:blipFill>
-          <a:blip r:embed="rId5">
-            <a:alphaModFix/>
-          </a:blip>
-          <a:stretch>
-            <a:fillRect/>
-          </a:stretch>
-        </p:blipFill>
-        <p:spPr>
-          <a:xfrm>
-            <a:off x="6549500" y="3041051"/>
-            <a:ext cx="5157851" cy="4137449"/>
-          </a:xfrm>
-          <a:prstGeom prst="rect">
-            <a:avLst/>
-          </a:prstGeom>
-          <a:noFill/>
-          <a:ln>
-            <a:noFill/>
-          </a:ln>
-        </p:spPr>
-      </p:pic>
-      <p:pic>
-        <p:nvPicPr>
-          <p:cNvPr id="167" name="Google Shape;167;p20" title="[0,0,0,&quot;https://www.codecogs.com/eqnedit.php?latex=k#0&quot;]"/>
-          <p:cNvPicPr preferRelativeResize="0"/>
-          <p:nvPr/>
-        </p:nvPicPr>
-        <p:blipFill>
-          <a:blip r:embed="rId6">
-            <a:alphaModFix/>
-          </a:blip>
-          <a:stretch>
-            <a:fillRect/>
-          </a:stretch>
-        </p:blipFill>
-        <p:spPr>
-          <a:xfrm>
-            <a:off x="10004898" y="2560040"/>
-            <a:ext cx="148570" cy="232833"/>
-          </a:xfrm>
-          <a:prstGeom prst="rect">
-            <a:avLst/>
-          </a:prstGeom>
-          <a:noFill/>
-          <a:ln>
-            <a:noFill/>
-          </a:ln>
-        </p:spPr>
-      </p:pic>
-    </p:spTree>
-  </p:cSld>
-  <p:clrMapOvr>
-    <a:masterClrMapping/>
-  </p:clrMapOvr>
-</p:sld>
-</file>
-
-<file path=ppt/slides/slide9.xml><?xml version="1.0" encoding="utf-8"?>
-<p:sld xmlns:a="http://schemas.openxmlformats.org/drawingml/2006/main" xmlns:r="http://schemas.openxmlformats.org/officeDocument/2006/relationships" xmlns:p="http://schemas.openxmlformats.org/presentationml/2006/main">
-  <p:cSld>
     <p:spTree>
       <p:nvGrpSpPr>
         <p:cNvPr id="1" name="Shape 160"/>
@@ -41675,6 +41286,395 @@
         <p14:creationId xmlns:p14="http://schemas.microsoft.com/office/powerpoint/2010/main" val="1377080872"/>
       </p:ext>
     </p:extLst>
+  </p:cSld>
+  <p:clrMapOvr>
+    <a:masterClrMapping/>
+  </p:clrMapOvr>
+</p:sld>
+</file>
+
+<file path=ppt/slides/slide9.xml><?xml version="1.0" encoding="utf-8"?>
+<p:sld xmlns:a="http://schemas.openxmlformats.org/drawingml/2006/main" xmlns:r="http://schemas.openxmlformats.org/officeDocument/2006/relationships" xmlns:p="http://schemas.openxmlformats.org/presentationml/2006/main">
+  <p:cSld>
+    <p:bg>
+      <p:bgPr>
+        <a:solidFill>
+          <a:schemeClr val="lt1"/>
+        </a:solidFill>
+        <a:effectLst/>
+      </p:bgPr>
+    </p:bg>
+    <p:spTree>
+      <p:nvGrpSpPr>
+        <p:cNvPr id="1" name="Shape 160"/>
+        <p:cNvGrpSpPr/>
+        <p:nvPr/>
+      </p:nvGrpSpPr>
+      <p:grpSpPr>
+        <a:xfrm>
+          <a:off x="0" y="0"/>
+          <a:ext cx="0" cy="0"/>
+          <a:chOff x="0" y="0"/>
+          <a:chExt cx="0" cy="0"/>
+        </a:xfrm>
+      </p:grpSpPr>
+      <p:sp>
+        <p:nvSpPr>
+          <p:cNvPr id="161" name="Google Shape;161;p20"/>
+          <p:cNvSpPr txBox="1">
+            <a:spLocks noGrp="1"/>
+          </p:cNvSpPr>
+          <p:nvPr>
+            <p:ph type="title"/>
+          </p:nvPr>
+        </p:nvSpPr>
+        <p:spPr>
+          <a:xfrm>
+            <a:off x="1008828" y="554816"/>
+            <a:ext cx="9720000" cy="1499700"/>
+          </a:xfrm>
+          <a:prstGeom prst="rect">
+            <a:avLst/>
+          </a:prstGeom>
+          <a:noFill/>
+          <a:ln>
+            <a:noFill/>
+          </a:ln>
+        </p:spPr>
+        <p:txBody>
+          <a:bodyPr spcFirstLastPara="1" wrap="square" lIns="91425" tIns="45700" rIns="91425" bIns="45700" anchor="ctr" anchorCtr="0">
+            <a:normAutofit/>
+          </a:bodyPr>
+          <a:lstStyle/>
+          <a:p>
+            <a:pPr marL="0" lvl="0" indent="0" algn="l" rtl="0">
+              <a:lnSpc>
+                <a:spcPct val="80000"/>
+              </a:lnSpc>
+              <a:spcBef>
+                <a:spcPts val="0"/>
+              </a:spcBef>
+              <a:spcAft>
+                <a:spcPts val="0"/>
+              </a:spcAft>
+              <a:buClr>
+                <a:srgbClr val="0C0C0C"/>
+              </a:buClr>
+              <a:buSzPts val="5000"/>
+              <a:buFont typeface="Twentieth Century"/>
+              <a:buNone/>
+            </a:pPr>
+            <a:r>
+              <a:rPr lang="it-IT">
+                <a:solidFill>
+                  <a:schemeClr val="dk1"/>
+                </a:solidFill>
+              </a:rPr>
+              <a:t>Le</a:t>
+            </a:r>
+            <a:r>
+              <a:rPr lang="it-IT">
+                <a:solidFill>
+                  <a:schemeClr val="accent1"/>
+                </a:solidFill>
+              </a:rPr>
+              <a:t> splines</a:t>
+            </a:r>
+            <a:endParaRPr sz="1400">
+              <a:solidFill>
+                <a:schemeClr val="dk1"/>
+              </a:solidFill>
+            </a:endParaRPr>
+          </a:p>
+        </p:txBody>
+      </p:sp>
+      <p:sp>
+        <p:nvSpPr>
+          <p:cNvPr id="162" name="Google Shape;162;p20"/>
+          <p:cNvSpPr txBox="1"/>
+          <p:nvPr/>
+        </p:nvSpPr>
+        <p:spPr>
+          <a:xfrm>
+            <a:off x="745075" y="2412525"/>
+            <a:ext cx="10785600" cy="523200"/>
+          </a:xfrm>
+          <a:prstGeom prst="rect">
+            <a:avLst/>
+          </a:prstGeom>
+          <a:noFill/>
+          <a:ln>
+            <a:noFill/>
+          </a:ln>
+        </p:spPr>
+        <p:txBody>
+          <a:bodyPr spcFirstLastPara="1" wrap="square" lIns="91425" tIns="91425" rIns="91425" bIns="91425" anchor="t" anchorCtr="0">
+            <a:noAutofit/>
+          </a:bodyPr>
+          <a:lstStyle/>
+          <a:p>
+            <a:pPr marL="0" lvl="0" indent="0" algn="l" rtl="0">
+              <a:spcBef>
+                <a:spcPts val="0"/>
+              </a:spcBef>
+              <a:spcAft>
+                <a:spcPts val="0"/>
+              </a:spcAft>
+              <a:buNone/>
+            </a:pPr>
+            <a:r>
+              <a:rPr lang="it-IT" sz="2200" dirty="0">
+                <a:solidFill>
+                  <a:schemeClr val="dk1"/>
+                </a:solidFill>
+                <a:latin typeface="Twentieth Century"/>
+                <a:ea typeface="Twentieth Century"/>
+                <a:cs typeface="Twentieth Century"/>
+                <a:sym typeface="Twentieth Century"/>
+              </a:rPr>
+              <a:t>Una </a:t>
+            </a:r>
+            <a:r>
+              <a:rPr lang="it-IT" sz="2200" dirty="0" err="1">
+                <a:solidFill>
+                  <a:schemeClr val="dk1"/>
+                </a:solidFill>
+                <a:latin typeface="Twentieth Century"/>
+                <a:ea typeface="Twentieth Century"/>
+                <a:cs typeface="Twentieth Century"/>
+                <a:sym typeface="Twentieth Century"/>
+              </a:rPr>
+              <a:t>spline</a:t>
+            </a:r>
+            <a:r>
+              <a:rPr lang="it-IT" sz="2200" dirty="0">
+                <a:solidFill>
+                  <a:schemeClr val="dk1"/>
+                </a:solidFill>
+                <a:latin typeface="Twentieth Century"/>
+                <a:ea typeface="Twentieth Century"/>
+                <a:cs typeface="Twentieth Century"/>
+                <a:sym typeface="Twentieth Century"/>
+              </a:rPr>
+              <a:t> è una combinazione di funzioni elementari				    : grado della funzione </a:t>
+            </a:r>
+            <a:endParaRPr sz="2200" dirty="0">
+              <a:solidFill>
+                <a:schemeClr val="dk1"/>
+              </a:solidFill>
+              <a:latin typeface="Twentieth Century"/>
+              <a:ea typeface="Twentieth Century"/>
+              <a:cs typeface="Twentieth Century"/>
+              <a:sym typeface="Twentieth Century"/>
+            </a:endParaRPr>
+          </a:p>
+        </p:txBody>
+      </p:sp>
+      <p:sp>
+        <p:nvSpPr>
+          <p:cNvPr id="163" name="Google Shape;163;p20"/>
+          <p:cNvSpPr txBox="1"/>
+          <p:nvPr/>
+        </p:nvSpPr>
+        <p:spPr>
+          <a:xfrm>
+            <a:off x="5831625" y="3546575"/>
+            <a:ext cx="4757400" cy="1302300"/>
+          </a:xfrm>
+          <a:prstGeom prst="rect">
+            <a:avLst/>
+          </a:prstGeom>
+          <a:noFill/>
+          <a:ln>
+            <a:noFill/>
+          </a:ln>
+        </p:spPr>
+        <p:txBody>
+          <a:bodyPr spcFirstLastPara="1" wrap="square" lIns="91425" tIns="91425" rIns="91425" bIns="91425" anchor="t" anchorCtr="0">
+            <a:spAutoFit/>
+          </a:bodyPr>
+          <a:lstStyle/>
+          <a:p>
+            <a:pPr marL="457200" marR="457200" lvl="0" indent="0" algn="l" rtl="0">
+              <a:lnSpc>
+                <a:spcPct val="115000"/>
+              </a:lnSpc>
+              <a:spcBef>
+                <a:spcPts val="0"/>
+              </a:spcBef>
+              <a:spcAft>
+                <a:spcPts val="0"/>
+              </a:spcAft>
+              <a:buNone/>
+            </a:pPr>
+            <a:endParaRPr sz="2200">
+              <a:solidFill>
+                <a:schemeClr val="dk1"/>
+              </a:solidFill>
+              <a:latin typeface="Twentieth Century"/>
+              <a:ea typeface="Twentieth Century"/>
+              <a:cs typeface="Twentieth Century"/>
+              <a:sym typeface="Twentieth Century"/>
+            </a:endParaRPr>
+          </a:p>
+          <a:p>
+            <a:pPr marL="457200" marR="457200" lvl="0" indent="0" algn="l" rtl="0">
+              <a:lnSpc>
+                <a:spcPct val="115000"/>
+              </a:lnSpc>
+              <a:spcBef>
+                <a:spcPts val="0"/>
+              </a:spcBef>
+              <a:spcAft>
+                <a:spcPts val="0"/>
+              </a:spcAft>
+              <a:buNone/>
+            </a:pPr>
+            <a:endParaRPr sz="2200">
+              <a:solidFill>
+                <a:schemeClr val="dk1"/>
+              </a:solidFill>
+              <a:latin typeface="Twentieth Century"/>
+              <a:ea typeface="Twentieth Century"/>
+              <a:cs typeface="Twentieth Century"/>
+              <a:sym typeface="Twentieth Century"/>
+            </a:endParaRPr>
+          </a:p>
+          <a:p>
+            <a:pPr marL="0" lvl="0" indent="0" algn="l" rtl="0">
+              <a:spcBef>
+                <a:spcPts val="0"/>
+              </a:spcBef>
+              <a:spcAft>
+                <a:spcPts val="0"/>
+              </a:spcAft>
+              <a:buNone/>
+            </a:pPr>
+            <a:endParaRPr sz="2200">
+              <a:solidFill>
+                <a:schemeClr val="dk1"/>
+              </a:solidFill>
+              <a:latin typeface="Twentieth Century"/>
+              <a:ea typeface="Twentieth Century"/>
+              <a:cs typeface="Twentieth Century"/>
+              <a:sym typeface="Twentieth Century"/>
+            </a:endParaRPr>
+          </a:p>
+        </p:txBody>
+      </p:sp>
+      <p:pic>
+        <p:nvPicPr>
+          <p:cNvPr id="164" name="Google Shape;164;p20" title="[0,0,0,&quot;https://www.codecogs.com/eqnedit.php?latex=B_%7Bi%2Ck%7D(x)#0&quot;]"/>
+          <p:cNvPicPr preferRelativeResize="0"/>
+          <p:nvPr/>
+        </p:nvPicPr>
+        <p:blipFill>
+          <a:blip r:embed="rId3">
+            <a:alphaModFix/>
+          </a:blip>
+          <a:stretch>
+            <a:fillRect/>
+          </a:stretch>
+        </p:blipFill>
+        <p:spPr>
+          <a:xfrm>
+            <a:off x="6983050" y="2501025"/>
+            <a:ext cx="935201" cy="346200"/>
+          </a:xfrm>
+          <a:prstGeom prst="rect">
+            <a:avLst/>
+          </a:prstGeom>
+          <a:noFill/>
+          <a:ln>
+            <a:noFill/>
+          </a:ln>
+        </p:spPr>
+      </p:pic>
+      <p:pic>
+        <p:nvPicPr>
+          <p:cNvPr id="165" name="Google Shape;165;p20" title="[0,0,0,&quot;https://www.codecogs.com/eqnedit.php?latex=spline(x)%20%3D%20%5Csum_ic_iB_%7Bi%2Ck%7D(x)#0&quot;]"/>
+          <p:cNvPicPr preferRelativeResize="0"/>
+          <p:nvPr/>
+        </p:nvPicPr>
+        <p:blipFill>
+          <a:blip r:embed="rId4">
+            <a:alphaModFix/>
+          </a:blip>
+          <a:stretch>
+            <a:fillRect/>
+          </a:stretch>
+        </p:blipFill>
+        <p:spPr>
+          <a:xfrm>
+            <a:off x="1074225" y="4136000"/>
+            <a:ext cx="4757400" cy="969856"/>
+          </a:xfrm>
+          <a:prstGeom prst="rect">
+            <a:avLst/>
+          </a:prstGeom>
+          <a:noFill/>
+          <a:ln>
+            <a:noFill/>
+          </a:ln>
+        </p:spPr>
+      </p:pic>
+      <p:pic>
+        <p:nvPicPr>
+          <p:cNvPr id="166" name="Google Shape;166;p20"/>
+          <p:cNvPicPr preferRelativeResize="0"/>
+          <p:nvPr/>
+        </p:nvPicPr>
+        <p:blipFill>
+          <a:blip r:embed="rId5">
+            <a:alphaModFix/>
+          </a:blip>
+          <a:stretch>
+            <a:fillRect/>
+          </a:stretch>
+        </p:blipFill>
+        <p:spPr>
+          <a:xfrm>
+            <a:off x="6549500" y="3041051"/>
+            <a:ext cx="5157851" cy="4137449"/>
+          </a:xfrm>
+          <a:prstGeom prst="rect">
+            <a:avLst/>
+          </a:prstGeom>
+          <a:noFill/>
+          <a:ln>
+            <a:noFill/>
+          </a:ln>
+        </p:spPr>
+      </p:pic>
+      <p:pic>
+        <p:nvPicPr>
+          <p:cNvPr id="167" name="Google Shape;167;p20" title="[0,0,0,&quot;https://www.codecogs.com/eqnedit.php?latex=k#0&quot;]"/>
+          <p:cNvPicPr preferRelativeResize="0"/>
+          <p:nvPr/>
+        </p:nvPicPr>
+        <p:blipFill>
+          <a:blip r:embed="rId6">
+            <a:alphaModFix/>
+          </a:blip>
+          <a:stretch>
+            <a:fillRect/>
+          </a:stretch>
+        </p:blipFill>
+        <p:spPr>
+          <a:xfrm>
+            <a:off x="10004898" y="2560040"/>
+            <a:ext cx="148570" cy="232833"/>
+          </a:xfrm>
+          <a:prstGeom prst="rect">
+            <a:avLst/>
+          </a:prstGeom>
+          <a:noFill/>
+          <a:ln>
+            <a:noFill/>
+          </a:ln>
+        </p:spPr>
+      </p:pic>
+    </p:spTree>
   </p:cSld>
   <p:clrMapOvr>
     <a:masterClrMapping/>

--- a/Presentazione_YesWeKAN.pptx
+++ b/Presentazione_YesWeKAN.pptx
@@ -5,7 +5,7 @@
     <p:sldMasterId id="2147483659" r:id="rId1"/>
   </p:sldMasterIdLst>
   <p:notesMasterIdLst>
-    <p:notesMasterId r:id="rId28"/>
+    <p:notesMasterId r:id="rId27"/>
   </p:notesMasterIdLst>
   <p:sldIdLst>
     <p:sldId id="256" r:id="rId2"/>
@@ -22,18 +22,17 @@
     <p:sldId id="266" r:id="rId13"/>
     <p:sldId id="267" r:id="rId14"/>
     <p:sldId id="268" r:id="rId15"/>
-    <p:sldId id="269" r:id="rId16"/>
-    <p:sldId id="270" r:id="rId17"/>
-    <p:sldId id="271" r:id="rId18"/>
-    <p:sldId id="280" r:id="rId19"/>
-    <p:sldId id="272" r:id="rId20"/>
-    <p:sldId id="273" r:id="rId21"/>
-    <p:sldId id="274" r:id="rId22"/>
-    <p:sldId id="275" r:id="rId23"/>
-    <p:sldId id="276" r:id="rId24"/>
-    <p:sldId id="277" r:id="rId25"/>
-    <p:sldId id="278" r:id="rId26"/>
-    <p:sldId id="279" r:id="rId27"/>
+    <p:sldId id="270" r:id="rId16"/>
+    <p:sldId id="271" r:id="rId17"/>
+    <p:sldId id="280" r:id="rId18"/>
+    <p:sldId id="272" r:id="rId19"/>
+    <p:sldId id="273" r:id="rId20"/>
+    <p:sldId id="274" r:id="rId21"/>
+    <p:sldId id="275" r:id="rId22"/>
+    <p:sldId id="276" r:id="rId23"/>
+    <p:sldId id="277" r:id="rId24"/>
+    <p:sldId id="278" r:id="rId25"/>
+    <p:sldId id="279" r:id="rId26"/>
   </p:sldIdLst>
   <p:sldSz cx="12192000" cy="6858000"/>
   <p:notesSz cx="6858000" cy="9144000"/>
@@ -2456,156 +2455,6 @@
   <p:cSld>
     <p:spTree>
       <p:nvGrpSpPr>
-        <p:cNvPr id="1" name="Shape 227"/>
-        <p:cNvGrpSpPr/>
-        <p:nvPr/>
-      </p:nvGrpSpPr>
-      <p:grpSpPr>
-        <a:xfrm>
-          <a:off x="0" y="0"/>
-          <a:ext cx="0" cy="0"/>
-          <a:chOff x="0" y="0"/>
-          <a:chExt cx="0" cy="0"/>
-        </a:xfrm>
-      </p:grpSpPr>
-      <p:sp>
-        <p:nvSpPr>
-          <p:cNvPr id="228" name="Google Shape;228;g2eb1c720b98_0_8:notes"/>
-          <p:cNvSpPr>
-            <a:spLocks noGrp="1" noRot="1" noChangeAspect="1"/>
-          </p:cNvSpPr>
-          <p:nvPr>
-            <p:ph type="sldImg" idx="2"/>
-          </p:nvPr>
-        </p:nvSpPr>
-        <p:spPr>
-          <a:xfrm>
-            <a:off x="685800" y="1143000"/>
-            <a:ext cx="5486400" cy="3086100"/>
-          </a:xfrm>
-          <a:custGeom>
-            <a:avLst/>
-            <a:gdLst/>
-            <a:ahLst/>
-            <a:cxnLst/>
-            <a:rect l="l" t="t" r="r" b="b"/>
-            <a:pathLst>
-              <a:path w="120000" h="120000" extrusionOk="0">
-                <a:moveTo>
-                  <a:pt x="0" y="0"/>
-                </a:moveTo>
-                <a:lnTo>
-                  <a:pt x="120000" y="0"/>
-                </a:lnTo>
-                <a:lnTo>
-                  <a:pt x="120000" y="120000"/>
-                </a:lnTo>
-                <a:lnTo>
-                  <a:pt x="0" y="120000"/>
-                </a:lnTo>
-                <a:close/>
-              </a:path>
-            </a:pathLst>
-          </a:custGeom>
-        </p:spPr>
-      </p:sp>
-      <p:sp>
-        <p:nvSpPr>
-          <p:cNvPr id="229" name="Google Shape;229;g2eb1c720b98_0_8:notes"/>
-          <p:cNvSpPr txBox="1">
-            <a:spLocks noGrp="1"/>
-          </p:cNvSpPr>
-          <p:nvPr>
-            <p:ph type="body" idx="1"/>
-          </p:nvPr>
-        </p:nvSpPr>
-        <p:spPr>
-          <a:xfrm>
-            <a:off x="685800" y="4400550"/>
-            <a:ext cx="5486400" cy="3600600"/>
-          </a:xfrm>
-          <a:prstGeom prst="rect">
-            <a:avLst/>
-          </a:prstGeom>
-        </p:spPr>
-        <p:txBody>
-          <a:bodyPr spcFirstLastPara="1" wrap="square" lIns="91425" tIns="45700" rIns="91425" bIns="45700" anchor="t" anchorCtr="0">
-            <a:noAutofit/>
-          </a:bodyPr>
-          <a:lstStyle/>
-          <a:p>
-            <a:pPr marL="0" lvl="0" indent="0" algn="l" rtl="0">
-              <a:spcBef>
-                <a:spcPts val="0"/>
-              </a:spcBef>
-              <a:spcAft>
-                <a:spcPts val="0"/>
-              </a:spcAft>
-              <a:buNone/>
-            </a:pPr>
-            <a:endParaRPr/>
-          </a:p>
-        </p:txBody>
-      </p:sp>
-      <p:sp>
-        <p:nvSpPr>
-          <p:cNvPr id="230" name="Google Shape;230;g2eb1c720b98_0_8:notes"/>
-          <p:cNvSpPr txBox="1">
-            <a:spLocks noGrp="1"/>
-          </p:cNvSpPr>
-          <p:nvPr>
-            <p:ph type="sldNum" idx="12"/>
-          </p:nvPr>
-        </p:nvSpPr>
-        <p:spPr>
-          <a:xfrm>
-            <a:off x="3884613" y="8685213"/>
-            <a:ext cx="2971800" cy="458700"/>
-          </a:xfrm>
-          <a:prstGeom prst="rect">
-            <a:avLst/>
-          </a:prstGeom>
-        </p:spPr>
-        <p:txBody>
-          <a:bodyPr spcFirstLastPara="1" wrap="square" lIns="91425" tIns="45700" rIns="91425" bIns="45700" anchor="b" anchorCtr="0">
-            <a:noAutofit/>
-          </a:bodyPr>
-          <a:lstStyle/>
-          <a:p>
-            <a:pPr marL="0" lvl="0" indent="0" algn="r" rtl="0">
-              <a:spcBef>
-                <a:spcPts val="0"/>
-              </a:spcBef>
-              <a:spcAft>
-                <a:spcPts val="0"/>
-              </a:spcAft>
-              <a:buClr>
-                <a:srgbClr val="000000"/>
-              </a:buClr>
-              <a:buFont typeface="Arial"/>
-              <a:buNone/>
-            </a:pPr>
-            <a:fld id="{00000000-1234-1234-1234-123412341234}" type="slidenum">
-              <a:rPr lang="it-IT"/>
-              <a:t>15</a:t>
-            </a:fld>
-            <a:endParaRPr/>
-          </a:p>
-        </p:txBody>
-      </p:sp>
-    </p:spTree>
-  </p:cSld>
-  <p:clrMapOvr>
-    <a:masterClrMapping/>
-  </p:clrMapOvr>
-</p:notes>
-</file>
-
-<file path=ppt/notesSlides/notesSlide16.xml><?xml version="1.0" encoding="utf-8"?>
-<p:notes xmlns:a="http://schemas.openxmlformats.org/drawingml/2006/main" xmlns:r="http://schemas.openxmlformats.org/officeDocument/2006/relationships" xmlns:p="http://schemas.openxmlformats.org/presentationml/2006/main" showMasterSp="0" showMasterPhAnim="0">
-  <p:cSld>
-    <p:spTree>
-      <p:nvGrpSpPr>
         <p:cNvPr id="1" name="Shape 234"/>
         <p:cNvGrpSpPr/>
         <p:nvPr/>
@@ -2733,6 +2582,170 @@
                 <a:srgbClr val="000000"/>
               </a:buClr>
               <a:buFont typeface="Arial"/>
+              <a:buNone/>
+            </a:pPr>
+            <a:fld id="{00000000-1234-1234-1234-123412341234}" type="slidenum">
+              <a:rPr lang="it-IT"/>
+              <a:t>15</a:t>
+            </a:fld>
+            <a:endParaRPr/>
+          </a:p>
+        </p:txBody>
+      </p:sp>
+    </p:spTree>
+  </p:cSld>
+  <p:clrMapOvr>
+    <a:masterClrMapping/>
+  </p:clrMapOvr>
+</p:notes>
+</file>
+
+<file path=ppt/notesSlides/notesSlide16.xml><?xml version="1.0" encoding="utf-8"?>
+<p:notes xmlns:a="http://schemas.openxmlformats.org/drawingml/2006/main" xmlns:r="http://schemas.openxmlformats.org/officeDocument/2006/relationships" xmlns:p="http://schemas.openxmlformats.org/presentationml/2006/main" showMasterSp="0" showMasterPhAnim="0">
+  <p:cSld>
+    <p:spTree>
+      <p:nvGrpSpPr>
+        <p:cNvPr id="1" name="Shape 241"/>
+        <p:cNvGrpSpPr/>
+        <p:nvPr/>
+      </p:nvGrpSpPr>
+      <p:grpSpPr>
+        <a:xfrm>
+          <a:off x="0" y="0"/>
+          <a:ext cx="0" cy="0"/>
+          <a:chOff x="0" y="0"/>
+          <a:chExt cx="0" cy="0"/>
+        </a:xfrm>
+      </p:grpSpPr>
+      <p:sp>
+        <p:nvSpPr>
+          <p:cNvPr id="242" name="Google Shape;242;g2eb2196a626_0_22:notes"/>
+          <p:cNvSpPr>
+            <a:spLocks noGrp="1" noRot="1" noChangeAspect="1"/>
+          </p:cNvSpPr>
+          <p:nvPr>
+            <p:ph type="sldImg" idx="2"/>
+          </p:nvPr>
+        </p:nvSpPr>
+        <p:spPr>
+          <a:xfrm>
+            <a:off x="685800" y="1143000"/>
+            <a:ext cx="5486400" cy="3086100"/>
+          </a:xfrm>
+          <a:custGeom>
+            <a:avLst/>
+            <a:gdLst/>
+            <a:ahLst/>
+            <a:cxnLst/>
+            <a:rect l="l" t="t" r="r" b="b"/>
+            <a:pathLst>
+              <a:path w="120000" h="120000" extrusionOk="0">
+                <a:moveTo>
+                  <a:pt x="0" y="0"/>
+                </a:moveTo>
+                <a:lnTo>
+                  <a:pt x="120000" y="0"/>
+                </a:lnTo>
+                <a:lnTo>
+                  <a:pt x="120000" y="120000"/>
+                </a:lnTo>
+                <a:lnTo>
+                  <a:pt x="0" y="120000"/>
+                </a:lnTo>
+                <a:close/>
+              </a:path>
+            </a:pathLst>
+          </a:custGeom>
+          <a:noFill/>
+          <a:ln w="12700" cap="flat" cmpd="sng">
+            <a:solidFill>
+              <a:srgbClr val="000000"/>
+            </a:solidFill>
+            <a:prstDash val="solid"/>
+            <a:round/>
+            <a:headEnd type="none" w="sm" len="sm"/>
+            <a:tailEnd type="none" w="sm" len="sm"/>
+          </a:ln>
+        </p:spPr>
+      </p:sp>
+      <p:sp>
+        <p:nvSpPr>
+          <p:cNvPr id="243" name="Google Shape;243;g2eb2196a626_0_22:notes"/>
+          <p:cNvSpPr txBox="1">
+            <a:spLocks noGrp="1"/>
+          </p:cNvSpPr>
+          <p:nvPr>
+            <p:ph type="body" idx="1"/>
+          </p:nvPr>
+        </p:nvSpPr>
+        <p:spPr>
+          <a:xfrm>
+            <a:off x="685800" y="4400550"/>
+            <a:ext cx="5486400" cy="3600600"/>
+          </a:xfrm>
+          <a:prstGeom prst="rect">
+            <a:avLst/>
+          </a:prstGeom>
+          <a:noFill/>
+          <a:ln>
+            <a:noFill/>
+          </a:ln>
+        </p:spPr>
+        <p:txBody>
+          <a:bodyPr spcFirstLastPara="1" wrap="square" lIns="91425" tIns="45700" rIns="91425" bIns="45700" anchor="t" anchorCtr="0">
+            <a:noAutofit/>
+          </a:bodyPr>
+          <a:lstStyle/>
+          <a:p>
+            <a:pPr marL="0" lvl="0" indent="0" algn="l" rtl="0">
+              <a:spcBef>
+                <a:spcPts val="0"/>
+              </a:spcBef>
+              <a:spcAft>
+                <a:spcPts val="0"/>
+              </a:spcAft>
+              <a:buNone/>
+            </a:pPr>
+            <a:endParaRPr/>
+          </a:p>
+        </p:txBody>
+      </p:sp>
+      <p:sp>
+        <p:nvSpPr>
+          <p:cNvPr id="244" name="Google Shape;244;g2eb2196a626_0_22:notes"/>
+          <p:cNvSpPr txBox="1">
+            <a:spLocks noGrp="1"/>
+          </p:cNvSpPr>
+          <p:nvPr>
+            <p:ph type="sldNum" idx="12"/>
+          </p:nvPr>
+        </p:nvSpPr>
+        <p:spPr>
+          <a:xfrm>
+            <a:off x="3884613" y="8685213"/>
+            <a:ext cx="2971800" cy="458700"/>
+          </a:xfrm>
+          <a:prstGeom prst="rect">
+            <a:avLst/>
+          </a:prstGeom>
+          <a:noFill/>
+          <a:ln>
+            <a:noFill/>
+          </a:ln>
+        </p:spPr>
+        <p:txBody>
+          <a:bodyPr spcFirstLastPara="1" wrap="square" lIns="91425" tIns="45700" rIns="91425" bIns="45700" anchor="b" anchorCtr="0">
+            <a:noAutofit/>
+          </a:bodyPr>
+          <a:lstStyle/>
+          <a:p>
+            <a:pPr marL="0" lvl="0" indent="0" algn="r" rtl="0">
+              <a:spcBef>
+                <a:spcPts val="0"/>
+              </a:spcBef>
+              <a:spcAft>
+                <a:spcPts val="0"/>
+              </a:spcAft>
               <a:buNone/>
             </a:pPr>
             <a:fld id="{00000000-1234-1234-1234-123412341234}" type="slidenum">
@@ -2908,170 +2921,6 @@
         </p:txBody>
       </p:sp>
     </p:spTree>
-  </p:cSld>
-  <p:clrMapOvr>
-    <a:masterClrMapping/>
-  </p:clrMapOvr>
-</p:notes>
-</file>
-
-<file path=ppt/notesSlides/notesSlide18.xml><?xml version="1.0" encoding="utf-8"?>
-<p:notes xmlns:a="http://schemas.openxmlformats.org/drawingml/2006/main" xmlns:r="http://schemas.openxmlformats.org/officeDocument/2006/relationships" xmlns:p="http://schemas.openxmlformats.org/presentationml/2006/main" showMasterSp="0" showMasterPhAnim="0">
-  <p:cSld>
-    <p:spTree>
-      <p:nvGrpSpPr>
-        <p:cNvPr id="1" name="Shape 241"/>
-        <p:cNvGrpSpPr/>
-        <p:nvPr/>
-      </p:nvGrpSpPr>
-      <p:grpSpPr>
-        <a:xfrm>
-          <a:off x="0" y="0"/>
-          <a:ext cx="0" cy="0"/>
-          <a:chOff x="0" y="0"/>
-          <a:chExt cx="0" cy="0"/>
-        </a:xfrm>
-      </p:grpSpPr>
-      <p:sp>
-        <p:nvSpPr>
-          <p:cNvPr id="242" name="Google Shape;242;g2eb2196a626_0_22:notes"/>
-          <p:cNvSpPr>
-            <a:spLocks noGrp="1" noRot="1" noChangeAspect="1"/>
-          </p:cNvSpPr>
-          <p:nvPr>
-            <p:ph type="sldImg" idx="2"/>
-          </p:nvPr>
-        </p:nvSpPr>
-        <p:spPr>
-          <a:xfrm>
-            <a:off x="685800" y="1143000"/>
-            <a:ext cx="5486400" cy="3086100"/>
-          </a:xfrm>
-          <a:custGeom>
-            <a:avLst/>
-            <a:gdLst/>
-            <a:ahLst/>
-            <a:cxnLst/>
-            <a:rect l="l" t="t" r="r" b="b"/>
-            <a:pathLst>
-              <a:path w="120000" h="120000" extrusionOk="0">
-                <a:moveTo>
-                  <a:pt x="0" y="0"/>
-                </a:moveTo>
-                <a:lnTo>
-                  <a:pt x="120000" y="0"/>
-                </a:lnTo>
-                <a:lnTo>
-                  <a:pt x="120000" y="120000"/>
-                </a:lnTo>
-                <a:lnTo>
-                  <a:pt x="0" y="120000"/>
-                </a:lnTo>
-                <a:close/>
-              </a:path>
-            </a:pathLst>
-          </a:custGeom>
-          <a:noFill/>
-          <a:ln w="12700" cap="flat" cmpd="sng">
-            <a:solidFill>
-              <a:srgbClr val="000000"/>
-            </a:solidFill>
-            <a:prstDash val="solid"/>
-            <a:round/>
-            <a:headEnd type="none" w="sm" len="sm"/>
-            <a:tailEnd type="none" w="sm" len="sm"/>
-          </a:ln>
-        </p:spPr>
-      </p:sp>
-      <p:sp>
-        <p:nvSpPr>
-          <p:cNvPr id="243" name="Google Shape;243;g2eb2196a626_0_22:notes"/>
-          <p:cNvSpPr txBox="1">
-            <a:spLocks noGrp="1"/>
-          </p:cNvSpPr>
-          <p:nvPr>
-            <p:ph type="body" idx="1"/>
-          </p:nvPr>
-        </p:nvSpPr>
-        <p:spPr>
-          <a:xfrm>
-            <a:off x="685800" y="4400550"/>
-            <a:ext cx="5486400" cy="3600600"/>
-          </a:xfrm>
-          <a:prstGeom prst="rect">
-            <a:avLst/>
-          </a:prstGeom>
-          <a:noFill/>
-          <a:ln>
-            <a:noFill/>
-          </a:ln>
-        </p:spPr>
-        <p:txBody>
-          <a:bodyPr spcFirstLastPara="1" wrap="square" lIns="91425" tIns="45700" rIns="91425" bIns="45700" anchor="t" anchorCtr="0">
-            <a:noAutofit/>
-          </a:bodyPr>
-          <a:lstStyle/>
-          <a:p>
-            <a:pPr marL="0" lvl="0" indent="0" algn="l" rtl="0">
-              <a:spcBef>
-                <a:spcPts val="0"/>
-              </a:spcBef>
-              <a:spcAft>
-                <a:spcPts val="0"/>
-              </a:spcAft>
-              <a:buNone/>
-            </a:pPr>
-            <a:endParaRPr/>
-          </a:p>
-        </p:txBody>
-      </p:sp>
-      <p:sp>
-        <p:nvSpPr>
-          <p:cNvPr id="244" name="Google Shape;244;g2eb2196a626_0_22:notes"/>
-          <p:cNvSpPr txBox="1">
-            <a:spLocks noGrp="1"/>
-          </p:cNvSpPr>
-          <p:nvPr>
-            <p:ph type="sldNum" idx="12"/>
-          </p:nvPr>
-        </p:nvSpPr>
-        <p:spPr>
-          <a:xfrm>
-            <a:off x="3884613" y="8685213"/>
-            <a:ext cx="2971800" cy="458700"/>
-          </a:xfrm>
-          <a:prstGeom prst="rect">
-            <a:avLst/>
-          </a:prstGeom>
-          <a:noFill/>
-          <a:ln>
-            <a:noFill/>
-          </a:ln>
-        </p:spPr>
-        <p:txBody>
-          <a:bodyPr spcFirstLastPara="1" wrap="square" lIns="91425" tIns="45700" rIns="91425" bIns="45700" anchor="b" anchorCtr="0">
-            <a:noAutofit/>
-          </a:bodyPr>
-          <a:lstStyle/>
-          <a:p>
-            <a:pPr marL="0" lvl="0" indent="0" algn="r" rtl="0">
-              <a:spcBef>
-                <a:spcPts val="0"/>
-              </a:spcBef>
-              <a:spcAft>
-                <a:spcPts val="0"/>
-              </a:spcAft>
-              <a:buNone/>
-            </a:pPr>
-            <a:fld id="{00000000-1234-1234-1234-123412341234}" type="slidenum">
-              <a:rPr lang="it-IT"/>
-              <a:t>18</a:t>
-            </a:fld>
-            <a:endParaRPr/>
-          </a:p>
-        </p:txBody>
-      </p:sp>
-    </p:spTree>
     <p:extLst>
       <p:ext uri="{BB962C8B-B14F-4D97-AF65-F5344CB8AC3E}">
         <p14:creationId xmlns:p14="http://schemas.microsoft.com/office/powerpoint/2010/main" val="4095570421"/>
@@ -3084,7 +2933,7 @@
 </p:notes>
 </file>
 
-<file path=ppt/notesSlides/notesSlide19.xml><?xml version="1.0" encoding="utf-8"?>
+<file path=ppt/notesSlides/notesSlide18.xml><?xml version="1.0" encoding="utf-8"?>
 <p:notes xmlns:a="http://schemas.openxmlformats.org/drawingml/2006/main" xmlns:r="http://schemas.openxmlformats.org/officeDocument/2006/relationships" xmlns:p="http://schemas.openxmlformats.org/presentationml/2006/main" showMasterSp="0" showMasterPhAnim="0">
   <p:cSld>
     <p:spTree>
@@ -3197,6 +3046,170 @@
       <p:sp>
         <p:nvSpPr>
           <p:cNvPr id="253" name="Google Shape;253;g2eb2196a626_0_28:notes"/>
+          <p:cNvSpPr txBox="1">
+            <a:spLocks noGrp="1"/>
+          </p:cNvSpPr>
+          <p:nvPr>
+            <p:ph type="sldNum" idx="12"/>
+          </p:nvPr>
+        </p:nvSpPr>
+        <p:spPr>
+          <a:xfrm>
+            <a:off x="3884613" y="8685213"/>
+            <a:ext cx="2971800" cy="458700"/>
+          </a:xfrm>
+          <a:prstGeom prst="rect">
+            <a:avLst/>
+          </a:prstGeom>
+          <a:noFill/>
+          <a:ln>
+            <a:noFill/>
+          </a:ln>
+        </p:spPr>
+        <p:txBody>
+          <a:bodyPr spcFirstLastPara="1" wrap="square" lIns="91425" tIns="45700" rIns="91425" bIns="45700" anchor="b" anchorCtr="0">
+            <a:noAutofit/>
+          </a:bodyPr>
+          <a:lstStyle/>
+          <a:p>
+            <a:pPr marL="0" lvl="0" indent="0" algn="r" rtl="0">
+              <a:spcBef>
+                <a:spcPts val="0"/>
+              </a:spcBef>
+              <a:spcAft>
+                <a:spcPts val="0"/>
+              </a:spcAft>
+              <a:buNone/>
+            </a:pPr>
+            <a:fld id="{00000000-1234-1234-1234-123412341234}" type="slidenum">
+              <a:rPr lang="it-IT"/>
+              <a:t>18</a:t>
+            </a:fld>
+            <a:endParaRPr/>
+          </a:p>
+        </p:txBody>
+      </p:sp>
+    </p:spTree>
+  </p:cSld>
+  <p:clrMapOvr>
+    <a:masterClrMapping/>
+  </p:clrMapOvr>
+</p:notes>
+</file>
+
+<file path=ppt/notesSlides/notesSlide19.xml><?xml version="1.0" encoding="utf-8"?>
+<p:notes xmlns:a="http://schemas.openxmlformats.org/drawingml/2006/main" xmlns:r="http://schemas.openxmlformats.org/officeDocument/2006/relationships" xmlns:p="http://schemas.openxmlformats.org/presentationml/2006/main" showMasterSp="0" showMasterPhAnim="0">
+  <p:cSld>
+    <p:spTree>
+      <p:nvGrpSpPr>
+        <p:cNvPr id="1" name="Shape 258"/>
+        <p:cNvGrpSpPr/>
+        <p:nvPr/>
+      </p:nvGrpSpPr>
+      <p:grpSpPr>
+        <a:xfrm>
+          <a:off x="0" y="0"/>
+          <a:ext cx="0" cy="0"/>
+          <a:chOff x="0" y="0"/>
+          <a:chExt cx="0" cy="0"/>
+        </a:xfrm>
+      </p:grpSpPr>
+      <p:sp>
+        <p:nvSpPr>
+          <p:cNvPr id="259" name="Google Shape;259;g2ec91162f16_0_16:notes"/>
+          <p:cNvSpPr>
+            <a:spLocks noGrp="1" noRot="1" noChangeAspect="1"/>
+          </p:cNvSpPr>
+          <p:nvPr>
+            <p:ph type="sldImg" idx="2"/>
+          </p:nvPr>
+        </p:nvSpPr>
+        <p:spPr>
+          <a:xfrm>
+            <a:off x="685800" y="1143000"/>
+            <a:ext cx="5486400" cy="3086100"/>
+          </a:xfrm>
+          <a:custGeom>
+            <a:avLst/>
+            <a:gdLst/>
+            <a:ahLst/>
+            <a:cxnLst/>
+            <a:rect l="l" t="t" r="r" b="b"/>
+            <a:pathLst>
+              <a:path w="120000" h="120000" extrusionOk="0">
+                <a:moveTo>
+                  <a:pt x="0" y="0"/>
+                </a:moveTo>
+                <a:lnTo>
+                  <a:pt x="120000" y="0"/>
+                </a:lnTo>
+                <a:lnTo>
+                  <a:pt x="120000" y="120000"/>
+                </a:lnTo>
+                <a:lnTo>
+                  <a:pt x="0" y="120000"/>
+                </a:lnTo>
+                <a:close/>
+              </a:path>
+            </a:pathLst>
+          </a:custGeom>
+          <a:noFill/>
+          <a:ln w="12700" cap="flat" cmpd="sng">
+            <a:solidFill>
+              <a:srgbClr val="000000"/>
+            </a:solidFill>
+            <a:prstDash val="solid"/>
+            <a:round/>
+            <a:headEnd type="none" w="sm" len="sm"/>
+            <a:tailEnd type="none" w="sm" len="sm"/>
+          </a:ln>
+        </p:spPr>
+      </p:sp>
+      <p:sp>
+        <p:nvSpPr>
+          <p:cNvPr id="260" name="Google Shape;260;g2ec91162f16_0_16:notes"/>
+          <p:cNvSpPr txBox="1">
+            <a:spLocks noGrp="1"/>
+          </p:cNvSpPr>
+          <p:nvPr>
+            <p:ph type="body" idx="1"/>
+          </p:nvPr>
+        </p:nvSpPr>
+        <p:spPr>
+          <a:xfrm>
+            <a:off x="685800" y="4400550"/>
+            <a:ext cx="5486400" cy="3600600"/>
+          </a:xfrm>
+          <a:prstGeom prst="rect">
+            <a:avLst/>
+          </a:prstGeom>
+          <a:noFill/>
+          <a:ln>
+            <a:noFill/>
+          </a:ln>
+        </p:spPr>
+        <p:txBody>
+          <a:bodyPr spcFirstLastPara="1" wrap="square" lIns="91425" tIns="45700" rIns="91425" bIns="45700" anchor="t" anchorCtr="0">
+            <a:noAutofit/>
+          </a:bodyPr>
+          <a:lstStyle/>
+          <a:p>
+            <a:pPr marL="0" lvl="0" indent="0" algn="l" rtl="0">
+              <a:spcBef>
+                <a:spcPts val="0"/>
+              </a:spcBef>
+              <a:spcAft>
+                <a:spcPts val="0"/>
+              </a:spcAft>
+              <a:buNone/>
+            </a:pPr>
+            <a:endParaRPr/>
+          </a:p>
+        </p:txBody>
+      </p:sp>
+      <p:sp>
+        <p:nvSpPr>
+          <p:cNvPr id="261" name="Google Shape;261;g2ec91162f16_0_16:notes"/>
           <p:cNvSpPr txBox="1">
             <a:spLocks noGrp="1"/>
           </p:cNvSpPr>
@@ -3417,170 +3430,6 @@
   <p:cSld>
     <p:spTree>
       <p:nvGrpSpPr>
-        <p:cNvPr id="1" name="Shape 258"/>
-        <p:cNvGrpSpPr/>
-        <p:nvPr/>
-      </p:nvGrpSpPr>
-      <p:grpSpPr>
-        <a:xfrm>
-          <a:off x="0" y="0"/>
-          <a:ext cx="0" cy="0"/>
-          <a:chOff x="0" y="0"/>
-          <a:chExt cx="0" cy="0"/>
-        </a:xfrm>
-      </p:grpSpPr>
-      <p:sp>
-        <p:nvSpPr>
-          <p:cNvPr id="259" name="Google Shape;259;g2ec91162f16_0_16:notes"/>
-          <p:cNvSpPr>
-            <a:spLocks noGrp="1" noRot="1" noChangeAspect="1"/>
-          </p:cNvSpPr>
-          <p:nvPr>
-            <p:ph type="sldImg" idx="2"/>
-          </p:nvPr>
-        </p:nvSpPr>
-        <p:spPr>
-          <a:xfrm>
-            <a:off x="685800" y="1143000"/>
-            <a:ext cx="5486400" cy="3086100"/>
-          </a:xfrm>
-          <a:custGeom>
-            <a:avLst/>
-            <a:gdLst/>
-            <a:ahLst/>
-            <a:cxnLst/>
-            <a:rect l="l" t="t" r="r" b="b"/>
-            <a:pathLst>
-              <a:path w="120000" h="120000" extrusionOk="0">
-                <a:moveTo>
-                  <a:pt x="0" y="0"/>
-                </a:moveTo>
-                <a:lnTo>
-                  <a:pt x="120000" y="0"/>
-                </a:lnTo>
-                <a:lnTo>
-                  <a:pt x="120000" y="120000"/>
-                </a:lnTo>
-                <a:lnTo>
-                  <a:pt x="0" y="120000"/>
-                </a:lnTo>
-                <a:close/>
-              </a:path>
-            </a:pathLst>
-          </a:custGeom>
-          <a:noFill/>
-          <a:ln w="12700" cap="flat" cmpd="sng">
-            <a:solidFill>
-              <a:srgbClr val="000000"/>
-            </a:solidFill>
-            <a:prstDash val="solid"/>
-            <a:round/>
-            <a:headEnd type="none" w="sm" len="sm"/>
-            <a:tailEnd type="none" w="sm" len="sm"/>
-          </a:ln>
-        </p:spPr>
-      </p:sp>
-      <p:sp>
-        <p:nvSpPr>
-          <p:cNvPr id="260" name="Google Shape;260;g2ec91162f16_0_16:notes"/>
-          <p:cNvSpPr txBox="1">
-            <a:spLocks noGrp="1"/>
-          </p:cNvSpPr>
-          <p:nvPr>
-            <p:ph type="body" idx="1"/>
-          </p:nvPr>
-        </p:nvSpPr>
-        <p:spPr>
-          <a:xfrm>
-            <a:off x="685800" y="4400550"/>
-            <a:ext cx="5486400" cy="3600600"/>
-          </a:xfrm>
-          <a:prstGeom prst="rect">
-            <a:avLst/>
-          </a:prstGeom>
-          <a:noFill/>
-          <a:ln>
-            <a:noFill/>
-          </a:ln>
-        </p:spPr>
-        <p:txBody>
-          <a:bodyPr spcFirstLastPara="1" wrap="square" lIns="91425" tIns="45700" rIns="91425" bIns="45700" anchor="t" anchorCtr="0">
-            <a:noAutofit/>
-          </a:bodyPr>
-          <a:lstStyle/>
-          <a:p>
-            <a:pPr marL="0" lvl="0" indent="0" algn="l" rtl="0">
-              <a:spcBef>
-                <a:spcPts val="0"/>
-              </a:spcBef>
-              <a:spcAft>
-                <a:spcPts val="0"/>
-              </a:spcAft>
-              <a:buNone/>
-            </a:pPr>
-            <a:endParaRPr/>
-          </a:p>
-        </p:txBody>
-      </p:sp>
-      <p:sp>
-        <p:nvSpPr>
-          <p:cNvPr id="261" name="Google Shape;261;g2ec91162f16_0_16:notes"/>
-          <p:cNvSpPr txBox="1">
-            <a:spLocks noGrp="1"/>
-          </p:cNvSpPr>
-          <p:nvPr>
-            <p:ph type="sldNum" idx="12"/>
-          </p:nvPr>
-        </p:nvSpPr>
-        <p:spPr>
-          <a:xfrm>
-            <a:off x="3884613" y="8685213"/>
-            <a:ext cx="2971800" cy="458700"/>
-          </a:xfrm>
-          <a:prstGeom prst="rect">
-            <a:avLst/>
-          </a:prstGeom>
-          <a:noFill/>
-          <a:ln>
-            <a:noFill/>
-          </a:ln>
-        </p:spPr>
-        <p:txBody>
-          <a:bodyPr spcFirstLastPara="1" wrap="square" lIns="91425" tIns="45700" rIns="91425" bIns="45700" anchor="b" anchorCtr="0">
-            <a:noAutofit/>
-          </a:bodyPr>
-          <a:lstStyle/>
-          <a:p>
-            <a:pPr marL="0" lvl="0" indent="0" algn="r" rtl="0">
-              <a:spcBef>
-                <a:spcPts val="0"/>
-              </a:spcBef>
-              <a:spcAft>
-                <a:spcPts val="0"/>
-              </a:spcAft>
-              <a:buNone/>
-            </a:pPr>
-            <a:fld id="{00000000-1234-1234-1234-123412341234}" type="slidenum">
-              <a:rPr lang="it-IT"/>
-              <a:t>20</a:t>
-            </a:fld>
-            <a:endParaRPr/>
-          </a:p>
-        </p:txBody>
-      </p:sp>
-    </p:spTree>
-  </p:cSld>
-  <p:clrMapOvr>
-    <a:masterClrMapping/>
-  </p:clrMapOvr>
-</p:notes>
-</file>
-
-<file path=ppt/notesSlides/notesSlide21.xml><?xml version="1.0" encoding="utf-8"?>
-<p:notes xmlns:a="http://schemas.openxmlformats.org/drawingml/2006/main" xmlns:r="http://schemas.openxmlformats.org/officeDocument/2006/relationships" xmlns:p="http://schemas.openxmlformats.org/presentationml/2006/main" showMasterSp="0" showMasterPhAnim="0">
-  <p:cSld>
-    <p:spTree>
-      <p:nvGrpSpPr>
         <p:cNvPr id="1" name="Shape 266"/>
         <p:cNvGrpSpPr/>
         <p:nvPr/>
@@ -3726,7 +3575,7 @@
             </a:pPr>
             <a:fld id="{00000000-1234-1234-1234-123412341234}" type="slidenum">
               <a:rPr lang="it-IT"/>
-              <a:t>21</a:t>
+              <a:t>20</a:t>
             </a:fld>
             <a:endParaRPr/>
           </a:p>
@@ -3740,7 +3589,7 @@
 </p:notes>
 </file>
 
-<file path=ppt/notesSlides/notesSlide22.xml><?xml version="1.0" encoding="utf-8"?>
+<file path=ppt/notesSlides/notesSlide21.xml><?xml version="1.0" encoding="utf-8"?>
 <p:notes xmlns:a="http://schemas.openxmlformats.org/drawingml/2006/main" xmlns:r="http://schemas.openxmlformats.org/officeDocument/2006/relationships" xmlns:p="http://schemas.openxmlformats.org/presentationml/2006/main" showMasterSp="0" showMasterPhAnim="0">
   <p:cSld>
     <p:spTree>
@@ -3890,7 +3739,7 @@
             </a:pPr>
             <a:fld id="{00000000-1234-1234-1234-123412341234}" type="slidenum">
               <a:rPr lang="it-IT"/>
-              <a:t>22</a:t>
+              <a:t>21</a:t>
             </a:fld>
             <a:endParaRPr/>
           </a:p>
@@ -3904,7 +3753,7 @@
 </p:notes>
 </file>
 
-<file path=ppt/notesSlides/notesSlide23.xml><?xml version="1.0" encoding="utf-8"?>
+<file path=ppt/notesSlides/notesSlide22.xml><?xml version="1.0" encoding="utf-8"?>
 <p:notes xmlns:a="http://schemas.openxmlformats.org/drawingml/2006/main" xmlns:r="http://schemas.openxmlformats.org/officeDocument/2006/relationships" xmlns:p="http://schemas.openxmlformats.org/presentationml/2006/main" showMasterSp="0" showMasterPhAnim="0">
   <p:cSld>
     <p:spTree>
@@ -4054,7 +3903,7 @@
             </a:pPr>
             <a:fld id="{00000000-1234-1234-1234-123412341234}" type="slidenum">
               <a:rPr lang="it-IT"/>
-              <a:t>23</a:t>
+              <a:t>22</a:t>
             </a:fld>
             <a:endParaRPr/>
           </a:p>
@@ -4068,7 +3917,7 @@
 </p:notes>
 </file>
 
-<file path=ppt/notesSlides/notesSlide24.xml><?xml version="1.0" encoding="utf-8"?>
+<file path=ppt/notesSlides/notesSlide23.xml><?xml version="1.0" encoding="utf-8"?>
 <p:notes xmlns:a="http://schemas.openxmlformats.org/drawingml/2006/main" xmlns:r="http://schemas.openxmlformats.org/officeDocument/2006/relationships" xmlns:p="http://schemas.openxmlformats.org/presentationml/2006/main" showMasterSp="0" showMasterPhAnim="0">
   <p:cSld>
     <p:spTree>
@@ -4218,7 +4067,7 @@
             </a:pPr>
             <a:fld id="{00000000-1234-1234-1234-123412341234}" type="slidenum">
               <a:rPr lang="it-IT"/>
-              <a:t>24</a:t>
+              <a:t>23</a:t>
             </a:fld>
             <a:endParaRPr/>
           </a:p>
@@ -4232,7 +4081,7 @@
 </p:notes>
 </file>
 
-<file path=ppt/notesSlides/notesSlide25.xml><?xml version="1.0" encoding="utf-8"?>
+<file path=ppt/notesSlides/notesSlide24.xml><?xml version="1.0" encoding="utf-8"?>
 <p:notes xmlns:a="http://schemas.openxmlformats.org/drawingml/2006/main" xmlns:r="http://schemas.openxmlformats.org/officeDocument/2006/relationships" xmlns:p="http://schemas.openxmlformats.org/presentationml/2006/main" showMasterSp="0" showMasterPhAnim="0">
   <p:cSld>
     <p:spTree>
@@ -4382,7 +4231,7 @@
             </a:pPr>
             <a:fld id="{00000000-1234-1234-1234-123412341234}" type="slidenum">
               <a:rPr lang="it-IT"/>
-              <a:t>25</a:t>
+              <a:t>24</a:t>
             </a:fld>
             <a:endParaRPr/>
           </a:p>
@@ -4396,7 +4245,7 @@
 </p:notes>
 </file>
 
-<file path=ppt/notesSlides/notesSlide26.xml><?xml version="1.0" encoding="utf-8"?>
+<file path=ppt/notesSlides/notesSlide25.xml><?xml version="1.0" encoding="utf-8"?>
 <p:notes xmlns:a="http://schemas.openxmlformats.org/drawingml/2006/main" xmlns:r="http://schemas.openxmlformats.org/officeDocument/2006/relationships" xmlns:p="http://schemas.openxmlformats.org/presentationml/2006/main" showMasterSp="0" showMasterPhAnim="0">
   <p:cSld>
     <p:spTree>
@@ -4546,7 +4395,7 @@
             </a:pPr>
             <a:fld id="{00000000-1234-1234-1234-123412341234}" type="slidenum">
               <a:rPr lang="it-IT"/>
-              <a:t>26</a:t>
+              <a:t>25</a:t>
             </a:fld>
             <a:endParaRPr/>
           </a:p>
@@ -35405,239 +35254,6 @@
   <p:cSld>
     <p:spTree>
       <p:nvGrpSpPr>
-        <p:cNvPr id="1" name="Shape 231"/>
-        <p:cNvGrpSpPr/>
-        <p:nvPr/>
-      </p:nvGrpSpPr>
-      <p:grpSpPr>
-        <a:xfrm>
-          <a:off x="0" y="0"/>
-          <a:ext cx="0" cy="0"/>
-          <a:chOff x="0" y="0"/>
-          <a:chExt cx="0" cy="0"/>
-        </a:xfrm>
-      </p:grpSpPr>
-      <p:sp>
-        <p:nvSpPr>
-          <p:cNvPr id="232" name="Google Shape;232;p26"/>
-          <p:cNvSpPr txBox="1">
-            <a:spLocks noGrp="1"/>
-          </p:cNvSpPr>
-          <p:nvPr>
-            <p:ph type="title"/>
-          </p:nvPr>
-        </p:nvSpPr>
-        <p:spPr>
-          <a:xfrm>
-            <a:off x="1024128" y="585216"/>
-            <a:ext cx="9720000" cy="1499700"/>
-          </a:xfrm>
-          <a:prstGeom prst="rect">
-            <a:avLst/>
-          </a:prstGeom>
-        </p:spPr>
-        <p:txBody>
-          <a:bodyPr spcFirstLastPara="1" wrap="square" lIns="91425" tIns="45700" rIns="91425" bIns="45700" anchor="ctr" anchorCtr="0">
-            <a:normAutofit/>
-          </a:bodyPr>
-          <a:lstStyle/>
-          <a:p>
-            <a:pPr marL="0" lvl="0" indent="0" algn="l" rtl="0">
-              <a:spcBef>
-                <a:spcPts val="0"/>
-              </a:spcBef>
-              <a:spcAft>
-                <a:spcPts val="0"/>
-              </a:spcAft>
-              <a:buNone/>
-            </a:pPr>
-            <a:r>
-              <a:rPr lang="it-IT"/>
-              <a:t>Modelli a </a:t>
-            </a:r>
-            <a:r>
-              <a:rPr lang="it-IT">
-                <a:solidFill>
-                  <a:schemeClr val="accent1"/>
-                </a:solidFill>
-              </a:rPr>
-              <a:t>confronto</a:t>
-            </a:r>
-            <a:endParaRPr>
-              <a:solidFill>
-                <a:schemeClr val="accent1"/>
-              </a:solidFill>
-            </a:endParaRPr>
-          </a:p>
-        </p:txBody>
-      </p:sp>
-      <p:sp>
-        <p:nvSpPr>
-          <p:cNvPr id="233" name="Google Shape;233;p26"/>
-          <p:cNvSpPr txBox="1">
-            <a:spLocks noGrp="1"/>
-          </p:cNvSpPr>
-          <p:nvPr>
-            <p:ph type="body" idx="1"/>
-          </p:nvPr>
-        </p:nvSpPr>
-        <p:spPr>
-          <a:xfrm>
-            <a:off x="1024128" y="2286000"/>
-            <a:ext cx="9720000" cy="4023300"/>
-          </a:xfrm>
-          <a:prstGeom prst="rect">
-            <a:avLst/>
-          </a:prstGeom>
-        </p:spPr>
-        <p:txBody>
-          <a:bodyPr spcFirstLastPara="1" wrap="square" lIns="45700" tIns="45700" rIns="45700" bIns="45700" anchor="t" anchorCtr="0">
-            <a:normAutofit/>
-          </a:bodyPr>
-          <a:lstStyle/>
-          <a:p>
-            <a:pPr marL="457200" lvl="0" indent="-387350" algn="l" rtl="0">
-              <a:spcBef>
-                <a:spcPts val="1200"/>
-              </a:spcBef>
-              <a:spcAft>
-                <a:spcPts val="0"/>
-              </a:spcAft>
-              <a:buClr>
-                <a:schemeClr val="dk1"/>
-              </a:buClr>
-              <a:buSzPts val="2500"/>
-              <a:buChar char="●"/>
-            </a:pPr>
-            <a:r>
-              <a:rPr lang="it-IT" sz="3500"/>
-              <a:t>KAN</a:t>
-            </a:r>
-            <a:endParaRPr sz="3500"/>
-          </a:p>
-          <a:p>
-            <a:pPr marL="457200" lvl="0" indent="-387350" algn="l" rtl="0">
-              <a:spcBef>
-                <a:spcPts val="0"/>
-              </a:spcBef>
-              <a:spcAft>
-                <a:spcPts val="0"/>
-              </a:spcAft>
-              <a:buClr>
-                <a:schemeClr val="dk1"/>
-              </a:buClr>
-              <a:buSzPts val="2500"/>
-              <a:buChar char="●"/>
-            </a:pPr>
-            <a:r>
-              <a:rPr lang="it-IT" sz="3500"/>
-              <a:t>MLP</a:t>
-            </a:r>
-            <a:endParaRPr sz="3500">
-              <a:solidFill>
-                <a:schemeClr val="accent3"/>
-              </a:solidFill>
-            </a:endParaRPr>
-          </a:p>
-          <a:p>
-            <a:pPr marL="457200" lvl="0" indent="-387350" algn="l" rtl="0">
-              <a:spcBef>
-                <a:spcPts val="0"/>
-              </a:spcBef>
-              <a:spcAft>
-                <a:spcPts val="0"/>
-              </a:spcAft>
-              <a:buClr>
-                <a:schemeClr val="dk1"/>
-              </a:buClr>
-              <a:buSzPts val="2500"/>
-              <a:buChar char="●"/>
-            </a:pPr>
-            <a:r>
-              <a:rPr lang="it-IT" sz="3500"/>
-              <a:t>KAN-MLP</a:t>
-            </a:r>
-            <a:endParaRPr sz="3500">
-              <a:solidFill>
-                <a:schemeClr val="accent3"/>
-              </a:solidFill>
-            </a:endParaRPr>
-          </a:p>
-          <a:p>
-            <a:pPr marL="457200" lvl="0" indent="-387350" algn="l" rtl="0">
-              <a:spcBef>
-                <a:spcPts val="0"/>
-              </a:spcBef>
-              <a:spcAft>
-                <a:spcPts val="0"/>
-              </a:spcAft>
-              <a:buClr>
-                <a:schemeClr val="dk1"/>
-              </a:buClr>
-              <a:buSzPts val="2500"/>
-              <a:buChar char="●"/>
-            </a:pPr>
-            <a:r>
-              <a:rPr lang="it-IT" sz="3500"/>
-              <a:t>Decision Tree Regressor</a:t>
-            </a:r>
-            <a:endParaRPr sz="3500"/>
-          </a:p>
-          <a:p>
-            <a:pPr marL="457200" lvl="0" indent="-387350" algn="l" rtl="0">
-              <a:spcBef>
-                <a:spcPts val="0"/>
-              </a:spcBef>
-              <a:spcAft>
-                <a:spcPts val="0"/>
-              </a:spcAft>
-              <a:buClr>
-                <a:schemeClr val="dk1"/>
-              </a:buClr>
-              <a:buSzPts val="2500"/>
-              <a:buChar char="●"/>
-            </a:pPr>
-            <a:r>
-              <a:rPr lang="it-IT" sz="3500"/>
-              <a:t>Random Forest Regressor</a:t>
-            </a:r>
-            <a:endParaRPr sz="3500"/>
-          </a:p>
-          <a:p>
-            <a:pPr marL="457200" lvl="0" indent="-387350" algn="l" rtl="0">
-              <a:spcBef>
-                <a:spcPts val="0"/>
-              </a:spcBef>
-              <a:spcAft>
-                <a:spcPts val="0"/>
-              </a:spcAft>
-              <a:buClr>
-                <a:schemeClr val="dk1"/>
-              </a:buClr>
-              <a:buSzPts val="2500"/>
-              <a:buChar char="●"/>
-            </a:pPr>
-            <a:r>
-              <a:rPr lang="it-IT" sz="3500"/>
-              <a:t>Voting Regressor (Tree + Linear + Bayesian)</a:t>
-            </a:r>
-            <a:endParaRPr sz="3500"/>
-          </a:p>
-        </p:txBody>
-      </p:sp>
-    </p:spTree>
-  </p:cSld>
-  <p:clrMapOvr>
-    <a:masterClrMapping/>
-  </p:clrMapOvr>
-</p:sld>
-</file>
-
-<file path=ppt/slides/slide16.xml><?xml version="1.0" encoding="utf-8"?>
-<p:sld xmlns:a="http://schemas.openxmlformats.org/drawingml/2006/main" xmlns:r="http://schemas.openxmlformats.org/officeDocument/2006/relationships" xmlns:p="http://schemas.openxmlformats.org/presentationml/2006/main">
-  <p:cSld>
-    <p:spTree>
-      <p:nvGrpSpPr>
         <p:cNvPr id="1" name="Shape 238"/>
         <p:cNvGrpSpPr/>
         <p:nvPr/>
@@ -35685,18 +35301,18 @@
               <a:buNone/>
             </a:pPr>
             <a:r>
-              <a:rPr lang="it-IT">
+              <a:rPr lang="it-IT" dirty="0"/>
+              <a:t>Modelli a </a:t>
+            </a:r>
+            <a:r>
+              <a:rPr lang="it-IT" dirty="0">
                 <a:solidFill>
                   <a:schemeClr val="accent1"/>
                 </a:solidFill>
               </a:rPr>
-              <a:t>Tempi </a:t>
+              <a:t>confronto</a:t>
             </a:r>
-            <a:r>
-              <a:rPr lang="it-IT"/>
-              <a:t>di addestramento</a:t>
-            </a:r>
-            <a:endParaRPr/>
+            <a:endParaRPr dirty="0"/>
           </a:p>
         </p:txBody>
       </p:sp>
@@ -35707,14 +35323,14 @@
           <p:nvPr>
             <p:extLst>
               <p:ext uri="{D42A27DB-BD31-4B8C-83A1-F6EECF244321}">
-                <p14:modId xmlns:p14="http://schemas.microsoft.com/office/powerpoint/2010/main" val="11595407"/>
+                <p14:modId xmlns:p14="http://schemas.microsoft.com/office/powerpoint/2010/main" val="2217333040"/>
               </p:ext>
             </p:extLst>
           </p:nvPr>
         </p:nvGraphicFramePr>
         <p:xfrm>
-          <a:off x="952500" y="2286000"/>
-          <a:ext cx="10287000" cy="2578428"/>
+          <a:off x="952500" y="2334738"/>
+          <a:ext cx="10276333" cy="3008166"/>
         </p:xfrm>
         <a:graphic>
           <a:graphicData uri="http://schemas.openxmlformats.org/drawingml/2006/table">
@@ -35724,17 +35340,31 @@
                 <a:tableStyleId>{595FF9A5-12F4-442A-9B63-3920E5D098C9}</a:tableStyleId>
               </a:tblPr>
               <a:tblGrid>
-                <a:gridCol w="5146548">
+                <a:gridCol w="2997708">
                   <a:extLst>
                     <a:ext uri="{9D8B030D-6E8A-4147-A177-3AD203B41FA5}">
                       <a16:colId xmlns:a16="http://schemas.microsoft.com/office/drawing/2014/main" val="20000"/>
                     </a:ext>
                   </a:extLst>
                 </a:gridCol>
-                <a:gridCol w="5140452">
+                <a:gridCol w="3209544">
                   <a:extLst>
                     <a:ext uri="{9D8B030D-6E8A-4147-A177-3AD203B41FA5}">
-                      <a16:colId xmlns:a16="http://schemas.microsoft.com/office/drawing/2014/main" val="20001"/>
+                      <a16:colId xmlns:a16="http://schemas.microsoft.com/office/drawing/2014/main" val="2182611906"/>
+                    </a:ext>
+                  </a:extLst>
+                </a:gridCol>
+                <a:gridCol w="1811767">
+                  <a:extLst>
+                    <a:ext uri="{9D8B030D-6E8A-4147-A177-3AD203B41FA5}">
+                      <a16:colId xmlns:a16="http://schemas.microsoft.com/office/drawing/2014/main" val="4252568653"/>
+                    </a:ext>
+                  </a:extLst>
+                </a:gridCol>
+                <a:gridCol w="2257314">
+                  <a:extLst>
+                    <a:ext uri="{9D8B030D-6E8A-4147-A177-3AD203B41FA5}">
+                      <a16:colId xmlns:a16="http://schemas.microsoft.com/office/drawing/2014/main" val="4239370160"/>
                     </a:ext>
                   </a:extLst>
                 </a:gridCol>
@@ -35759,7 +35389,170 @@
                       </a:pPr>
                       <a:r>
                         <a:rPr lang="it-IT" sz="1800" dirty="0"/>
+                        <a:t>Modello</a:t>
+                      </a:r>
+                      <a:endParaRPr sz="1800" dirty="0"/>
+                    </a:p>
+                  </a:txBody>
+                  <a:tcPr marL="91425" marR="91425" marT="91425" marB="91425"/>
+                </a:tc>
+                <a:tc>
+                  <a:txBody>
+                    <a:bodyPr/>
+                    <a:lstStyle/>
+                    <a:p>
+                      <a:pPr marL="0" marR="0" lvl="0" indent="0" algn="l" rtl="0">
+                        <a:lnSpc>
+                          <a:spcPct val="90000"/>
+                        </a:lnSpc>
+                        <a:spcBef>
+                          <a:spcPts val="1200"/>
+                        </a:spcBef>
+                        <a:spcAft>
+                          <a:spcPts val="200"/>
+                        </a:spcAft>
+                        <a:buNone/>
+                      </a:pPr>
+                      <a:r>
+                        <a:rPr lang="it-IT" sz="1800" dirty="0"/>
+                        <a:t>Struttura</a:t>
+                      </a:r>
+                      <a:endParaRPr sz="1800" dirty="0"/>
+                    </a:p>
+                  </a:txBody>
+                  <a:tcPr marL="91425" marR="91425" marT="91425" marB="91425"/>
+                </a:tc>
+                <a:tc>
+                  <a:txBody>
+                    <a:bodyPr/>
+                    <a:lstStyle/>
+                    <a:p>
+                      <a:pPr marL="0" marR="0" lvl="0" indent="0" algn="l" rtl="0">
+                        <a:lnSpc>
+                          <a:spcPct val="90000"/>
+                        </a:lnSpc>
+                        <a:spcBef>
+                          <a:spcPts val="1200"/>
+                        </a:spcBef>
+                        <a:spcAft>
+                          <a:spcPts val="200"/>
+                        </a:spcAft>
+                        <a:buNone/>
+                      </a:pPr>
+                      <a:r>
+                        <a:rPr lang="it-IT" sz="1800" dirty="0"/>
+                        <a:t>N parametri</a:t>
+                      </a:r>
+                      <a:endParaRPr sz="1800" dirty="0"/>
+                    </a:p>
+                  </a:txBody>
+                  <a:tcPr marL="91425" marR="91425" marT="91425" marB="91425"/>
+                </a:tc>
+                <a:tc>
+                  <a:txBody>
+                    <a:bodyPr/>
+                    <a:lstStyle/>
+                    <a:p>
+                      <a:pPr marL="0" marR="0" lvl="0" indent="0" algn="l" rtl="0">
+                        <a:lnSpc>
+                          <a:spcPct val="90000"/>
+                        </a:lnSpc>
+                        <a:spcBef>
+                          <a:spcPts val="1200"/>
+                        </a:spcBef>
+                        <a:spcAft>
+                          <a:spcPts val="200"/>
+                        </a:spcAft>
+                        <a:buNone/>
+                      </a:pPr>
+                      <a:r>
+                        <a:rPr lang="it-IT" sz="1800" dirty="0"/>
+                        <a:t>Tempi</a:t>
+                      </a:r>
+                      <a:endParaRPr sz="1800" dirty="0"/>
+                    </a:p>
+                  </a:txBody>
+                  <a:tcPr marL="91425" marR="91425" marT="91425" marB="91425"/>
+                </a:tc>
+                <a:extLst>
+                  <a:ext uri="{0D108BD9-81ED-4DB2-BD59-A6C34878D82A}">
+                    <a16:rowId xmlns:a16="http://schemas.microsoft.com/office/drawing/2014/main" val="3024154387"/>
+                  </a:ext>
+                </a:extLst>
+              </a:tr>
+              <a:tr h="381000">
+                <a:tc>
+                  <a:txBody>
+                    <a:bodyPr/>
+                    <a:lstStyle/>
+                    <a:p>
+                      <a:pPr marL="0" marR="0" lvl="0" indent="0" algn="l" rtl="0">
+                        <a:lnSpc>
+                          <a:spcPct val="90000"/>
+                        </a:lnSpc>
+                        <a:spcBef>
+                          <a:spcPts val="1200"/>
+                        </a:spcBef>
+                        <a:spcAft>
+                          <a:spcPts val="200"/>
+                        </a:spcAft>
+                        <a:buNone/>
+                      </a:pPr>
+                      <a:r>
+                        <a:rPr lang="it-IT" sz="1800" dirty="0"/>
                         <a:t>KAN</a:t>
+                      </a:r>
+                      <a:endParaRPr sz="1800" dirty="0"/>
+                    </a:p>
+                  </a:txBody>
+                  <a:tcPr marL="91425" marR="91425" marT="91425" marB="91425"/>
+                </a:tc>
+                <a:tc>
+                  <a:txBody>
+                    <a:bodyPr/>
+                    <a:lstStyle/>
+                    <a:p>
+                      <a:pPr marL="0" marR="0" lvl="0" indent="0" algn="l" rtl="0">
+                        <a:lnSpc>
+                          <a:spcPct val="90000"/>
+                        </a:lnSpc>
+                        <a:spcBef>
+                          <a:spcPts val="1200"/>
+                        </a:spcBef>
+                        <a:spcAft>
+                          <a:spcPts val="200"/>
+                        </a:spcAft>
+                        <a:buNone/>
+                      </a:pPr>
+                      <a:r>
+                        <a:rPr lang="it-IT" sz="1800" dirty="0"/>
+                        <a:t>16 – 6 – 4 – 1</a:t>
+                      </a:r>
+                      <a:endParaRPr sz="1800" dirty="0"/>
+                    </a:p>
+                  </a:txBody>
+                  <a:tcPr marL="91425" marR="91425" marT="91425" marB="91425"/>
+                </a:tc>
+                <a:tc>
+                  <a:txBody>
+                    <a:bodyPr/>
+                    <a:lstStyle/>
+                    <a:p>
+                      <a:pPr marL="0" marR="0" lvl="0" indent="0" algn="l" rtl="0">
+                        <a:lnSpc>
+                          <a:spcPct val="90000"/>
+                        </a:lnSpc>
+                        <a:spcBef>
+                          <a:spcPts val="1200"/>
+                        </a:spcBef>
+                        <a:spcAft>
+                          <a:spcPts val="200"/>
+                        </a:spcAft>
+                        <a:buNone/>
+                      </a:pPr>
+                      <a:r>
+                        <a:rPr lang="it-IT" sz="1800" dirty="0"/>
+                        <a:t>~ 11.000</a:t>
                       </a:r>
                       <a:endParaRPr sz="1800" dirty="0"/>
                     </a:p>
@@ -35844,6 +35637,58 @@
                       </a:pPr>
                       <a:r>
                         <a:rPr lang="it-IT" sz="1800" dirty="0"/>
+                        <a:t>156 – 164 – 20 – 12 – 1</a:t>
+                      </a:r>
+                      <a:endParaRPr sz="1800" dirty="0"/>
+                    </a:p>
+                  </a:txBody>
+                  <a:tcPr marL="91425" marR="91425" marT="91425" marB="91425"/>
+                </a:tc>
+                <a:tc>
+                  <a:txBody>
+                    <a:bodyPr/>
+                    <a:lstStyle/>
+                    <a:p>
+                      <a:pPr marL="0" marR="0" lvl="0" indent="0" algn="l" rtl="0">
+                        <a:lnSpc>
+                          <a:spcPct val="90000"/>
+                        </a:lnSpc>
+                        <a:spcBef>
+                          <a:spcPts val="1200"/>
+                        </a:spcBef>
+                        <a:spcAft>
+                          <a:spcPts val="200"/>
+                        </a:spcAft>
+                        <a:buNone/>
+                      </a:pPr>
+                      <a:r>
+                        <a:rPr lang="it-IT" sz="1800" dirty="0"/>
+                        <a:t>~ 33.000</a:t>
+                      </a:r>
+                      <a:endParaRPr sz="1800" dirty="0"/>
+                    </a:p>
+                  </a:txBody>
+                  <a:tcPr marL="91425" marR="91425" marT="91425" marB="91425"/>
+                </a:tc>
+                <a:tc>
+                  <a:txBody>
+                    <a:bodyPr/>
+                    <a:lstStyle/>
+                    <a:p>
+                      <a:pPr marL="0" marR="0" lvl="0" indent="0" algn="l" rtl="0">
+                        <a:lnSpc>
+                          <a:spcPct val="90000"/>
+                        </a:lnSpc>
+                        <a:spcBef>
+                          <a:spcPts val="1200"/>
+                        </a:spcBef>
+                        <a:spcAft>
+                          <a:spcPts val="200"/>
+                        </a:spcAft>
+                        <a:buNone/>
+                      </a:pPr>
+                      <a:r>
+                        <a:rPr lang="it-IT" sz="1800" dirty="0"/>
                         <a:t>2 minuti</a:t>
                       </a:r>
                       <a:endParaRPr sz="1800" dirty="0"/>
@@ -35902,10 +35747,62 @@
                         <a:buNone/>
                       </a:pPr>
                       <a:r>
-                        <a:rPr lang="it-IT" sz="1800"/>
+                        <a:rPr lang="it-IT" sz="1800" dirty="0"/>
+                        <a:t>8DK – 16D – 1DK</a:t>
+                      </a:r>
+                      <a:endParaRPr sz="1800" dirty="0"/>
+                    </a:p>
+                  </a:txBody>
+                  <a:tcPr marL="91425" marR="91425" marT="91425" marB="91425"/>
+                </a:tc>
+                <a:tc>
+                  <a:txBody>
+                    <a:bodyPr/>
+                    <a:lstStyle/>
+                    <a:p>
+                      <a:pPr marL="0" marR="0" lvl="0" indent="0" algn="l" rtl="0">
+                        <a:lnSpc>
+                          <a:spcPct val="90000"/>
+                        </a:lnSpc>
+                        <a:spcBef>
+                          <a:spcPts val="1200"/>
+                        </a:spcBef>
+                        <a:spcAft>
+                          <a:spcPts val="200"/>
+                        </a:spcAft>
+                        <a:buNone/>
+                      </a:pPr>
+                      <a:r>
+                        <a:rPr lang="it-IT" sz="1800" dirty="0"/>
+                        <a:t>~ 5.000</a:t>
+                      </a:r>
+                      <a:endParaRPr sz="1800" dirty="0"/>
+                    </a:p>
+                  </a:txBody>
+                  <a:tcPr marL="91425" marR="91425" marT="91425" marB="91425"/>
+                </a:tc>
+                <a:tc>
+                  <a:txBody>
+                    <a:bodyPr/>
+                    <a:lstStyle/>
+                    <a:p>
+                      <a:pPr marL="0" marR="0" lvl="0" indent="0" algn="l" rtl="0">
+                        <a:lnSpc>
+                          <a:spcPct val="90000"/>
+                        </a:lnSpc>
+                        <a:spcBef>
+                          <a:spcPts val="1200"/>
+                        </a:spcBef>
+                        <a:spcAft>
+                          <a:spcPts val="200"/>
+                        </a:spcAft>
+                        <a:buNone/>
+                      </a:pPr>
+                      <a:r>
+                        <a:rPr lang="it-IT" sz="1800" dirty="0"/>
                         <a:t>7 minuti</a:t>
                       </a:r>
-                      <a:endParaRPr sz="1800"/>
+                      <a:endParaRPr sz="1800" dirty="0"/>
                     </a:p>
                   </a:txBody>
                   <a:tcPr marL="91425" marR="91425" marT="91425" marB="91425"/>
@@ -35962,6 +35859,58 @@
                       </a:pPr>
                       <a:r>
                         <a:rPr lang="it-IT" sz="1800" dirty="0"/>
+                        <a:t>-</a:t>
+                      </a:r>
+                      <a:endParaRPr sz="1800" dirty="0"/>
+                    </a:p>
+                  </a:txBody>
+                  <a:tcPr marL="91425" marR="91425" marT="91425" marB="91425"/>
+                </a:tc>
+                <a:tc>
+                  <a:txBody>
+                    <a:bodyPr/>
+                    <a:lstStyle/>
+                    <a:p>
+                      <a:pPr marL="0" marR="0" lvl="0" indent="0" algn="l" rtl="0">
+                        <a:lnSpc>
+                          <a:spcPct val="90000"/>
+                        </a:lnSpc>
+                        <a:spcBef>
+                          <a:spcPts val="1200"/>
+                        </a:spcBef>
+                        <a:spcAft>
+                          <a:spcPts val="200"/>
+                        </a:spcAft>
+                        <a:buNone/>
+                      </a:pPr>
+                      <a:r>
+                        <a:rPr lang="it-IT" sz="1800" dirty="0"/>
+                        <a:t>-</a:t>
+                      </a:r>
+                      <a:endParaRPr sz="1800" dirty="0"/>
+                    </a:p>
+                  </a:txBody>
+                  <a:tcPr marL="91425" marR="91425" marT="91425" marB="91425"/>
+                </a:tc>
+                <a:tc>
+                  <a:txBody>
+                    <a:bodyPr/>
+                    <a:lstStyle/>
+                    <a:p>
+                      <a:pPr marL="0" marR="0" lvl="0" indent="0" algn="l" rtl="0">
+                        <a:lnSpc>
+                          <a:spcPct val="90000"/>
+                        </a:lnSpc>
+                        <a:spcBef>
+                          <a:spcPts val="1200"/>
+                        </a:spcBef>
+                        <a:spcAft>
+                          <a:spcPts val="200"/>
+                        </a:spcAft>
+                        <a:buNone/>
+                      </a:pPr>
+                      <a:r>
+                        <a:rPr lang="it-IT" sz="1800" dirty="0"/>
                         <a:t>1 secondo</a:t>
                       </a:r>
                       <a:endParaRPr sz="1800" dirty="0"/>
@@ -35994,10 +35943,22 @@
                         <a:buNone/>
                       </a:pPr>
                       <a:r>
-                        <a:rPr lang="it-IT" sz="1800"/>
-                        <a:t>Random Forest Regressor</a:t>
+                        <a:rPr lang="it-IT" sz="1800" dirty="0"/>
+                        <a:t>Random </a:t>
                       </a:r>
-                      <a:endParaRPr sz="1800"/>
+                      <a:r>
+                        <a:rPr lang="it-IT" sz="1800" dirty="0" err="1"/>
+                        <a:t>Forest</a:t>
+                      </a:r>
+                      <a:r>
+                        <a:rPr lang="it-IT" sz="1800" dirty="0"/>
+                        <a:t> </a:t>
+                      </a:r>
+                      <a:r>
+                        <a:rPr lang="it-IT" sz="1800" dirty="0" err="1"/>
+                        <a:t>Regressor</a:t>
+                      </a:r>
+                      <a:endParaRPr sz="1800" dirty="0"/>
                     </a:p>
                   </a:txBody>
                   <a:tcPr marL="91425" marR="91425" marT="91425" marB="91425"/>
@@ -36020,10 +35981,66 @@
                         <a:buNone/>
                       </a:pPr>
                       <a:r>
-                        <a:rPr lang="it-IT" sz="1800"/>
+                        <a:rPr lang="it-IT" sz="1800" dirty="0"/>
+                        <a:t>250 </a:t>
+                      </a:r>
+                      <a:r>
+                        <a:rPr lang="it-IT" sz="1800" dirty="0" err="1"/>
+                        <a:t>Trees</a:t>
+                      </a:r>
+                      <a:endParaRPr sz="1800" dirty="0"/>
+                    </a:p>
+                  </a:txBody>
+                  <a:tcPr marL="91425" marR="91425" marT="91425" marB="91425"/>
+                </a:tc>
+                <a:tc>
+                  <a:txBody>
+                    <a:bodyPr/>
+                    <a:lstStyle/>
+                    <a:p>
+                      <a:pPr marL="0" marR="0" lvl="0" indent="0" algn="l" rtl="0">
+                        <a:lnSpc>
+                          <a:spcPct val="90000"/>
+                        </a:lnSpc>
+                        <a:spcBef>
+                          <a:spcPts val="1200"/>
+                        </a:spcBef>
+                        <a:spcAft>
+                          <a:spcPts val="200"/>
+                        </a:spcAft>
+                        <a:buNone/>
+                      </a:pPr>
+                      <a:r>
+                        <a:rPr lang="it-IT" sz="1800" dirty="0"/>
+                        <a:t>-</a:t>
+                      </a:r>
+                      <a:endParaRPr sz="1800" dirty="0"/>
+                    </a:p>
+                  </a:txBody>
+                  <a:tcPr marL="91425" marR="91425" marT="91425" marB="91425"/>
+                </a:tc>
+                <a:tc>
+                  <a:txBody>
+                    <a:bodyPr/>
+                    <a:lstStyle/>
+                    <a:p>
+                      <a:pPr marL="0" marR="0" lvl="0" indent="0" algn="l" rtl="0">
+                        <a:lnSpc>
+                          <a:spcPct val="90000"/>
+                        </a:lnSpc>
+                        <a:spcBef>
+                          <a:spcPts val="1200"/>
+                        </a:spcBef>
+                        <a:spcAft>
+                          <a:spcPts val="200"/>
+                        </a:spcAft>
+                        <a:buNone/>
+                      </a:pPr>
+                      <a:r>
+                        <a:rPr lang="it-IT" sz="1800" dirty="0"/>
                         <a:t>2 minuti</a:t>
                       </a:r>
-                      <a:endParaRPr sz="1800"/>
+                      <a:endParaRPr sz="1800" dirty="0"/>
                     </a:p>
                   </a:txBody>
                   <a:tcPr marL="91425" marR="91425" marT="91425" marB="91425"/>
@@ -36080,6 +36097,66 @@
                       </a:pPr>
                       <a:r>
                         <a:rPr lang="it-IT" sz="1800" dirty="0"/>
+                        <a:t>Tree – </a:t>
+                      </a:r>
+                      <a:r>
+                        <a:rPr lang="it-IT" sz="1800" dirty="0" err="1"/>
+                        <a:t>Bayesian</a:t>
+                      </a:r>
+                      <a:r>
+                        <a:rPr lang="it-IT" sz="1800" dirty="0"/>
+                        <a:t> – Linear</a:t>
+                      </a:r>
+                      <a:endParaRPr sz="1800" dirty="0"/>
+                    </a:p>
+                  </a:txBody>
+                  <a:tcPr marL="91425" marR="91425" marT="91425" marB="91425"/>
+                </a:tc>
+                <a:tc>
+                  <a:txBody>
+                    <a:bodyPr/>
+                    <a:lstStyle/>
+                    <a:p>
+                      <a:pPr marL="0" marR="0" lvl="0" indent="0" algn="l" rtl="0">
+                        <a:lnSpc>
+                          <a:spcPct val="90000"/>
+                        </a:lnSpc>
+                        <a:spcBef>
+                          <a:spcPts val="1200"/>
+                        </a:spcBef>
+                        <a:spcAft>
+                          <a:spcPts val="200"/>
+                        </a:spcAft>
+                        <a:buNone/>
+                      </a:pPr>
+                      <a:r>
+                        <a:rPr lang="it-IT" sz="1800" dirty="0"/>
+                        <a:t>-</a:t>
+                      </a:r>
+                      <a:endParaRPr sz="1800" dirty="0"/>
+                    </a:p>
+                  </a:txBody>
+                  <a:tcPr marL="91425" marR="91425" marT="91425" marB="91425"/>
+                </a:tc>
+                <a:tc>
+                  <a:txBody>
+                    <a:bodyPr/>
+                    <a:lstStyle/>
+                    <a:p>
+                      <a:pPr marL="0" marR="0" lvl="0" indent="0" algn="l" rtl="0">
+                        <a:lnSpc>
+                          <a:spcPct val="90000"/>
+                        </a:lnSpc>
+                        <a:spcBef>
+                          <a:spcPts val="1200"/>
+                        </a:spcBef>
+                        <a:spcAft>
+                          <a:spcPts val="200"/>
+                        </a:spcAft>
+                        <a:buNone/>
+                      </a:pPr>
+                      <a:r>
+                        <a:rPr lang="it-IT" sz="1800" dirty="0"/>
                         <a:t>1 secondo</a:t>
                       </a:r>
                       <a:endParaRPr sz="1800" dirty="0"/>
@@ -36105,7 +36182,7 @@
 </p:sld>
 </file>
 
-<file path=ppt/slides/slide17.xml><?xml version="1.0" encoding="utf-8"?>
+<file path=ppt/slides/slide16.xml><?xml version="1.0" encoding="utf-8"?>
 <p:sld xmlns:a="http://schemas.openxmlformats.org/drawingml/2006/main" xmlns:r="http://schemas.openxmlformats.org/officeDocument/2006/relationships" xmlns:p="http://schemas.openxmlformats.org/presentationml/2006/main">
   <p:cSld>
     <p:bg>
@@ -36328,7 +36405,7 @@
 </p:sld>
 </file>
 
-<file path=ppt/slides/slide18.xml><?xml version="1.0" encoding="utf-8"?>
+<file path=ppt/slides/slide17.xml><?xml version="1.0" encoding="utf-8"?>
 <p:sld xmlns:a="http://schemas.openxmlformats.org/drawingml/2006/main" xmlns:r="http://schemas.openxmlformats.org/officeDocument/2006/relationships" xmlns:p="http://schemas.openxmlformats.org/presentationml/2006/main">
   <p:cSld>
     <p:spTree>
@@ -36549,7 +36626,7 @@
 </p:sld>
 </file>
 
-<file path=ppt/slides/slide19.xml><?xml version="1.0" encoding="utf-8"?>
+<file path=ppt/slides/slide18.xml><?xml version="1.0" encoding="utf-8"?>
 <p:sld xmlns:a="http://schemas.openxmlformats.org/drawingml/2006/main" xmlns:r="http://schemas.openxmlformats.org/officeDocument/2006/relationships" xmlns:p="http://schemas.openxmlformats.org/presentationml/2006/main">
   <p:cSld>
     <p:bg>
@@ -36718,6 +36795,319 @@
           </a:ln>
         </p:spPr>
       </p:pic>
+    </p:spTree>
+  </p:cSld>
+  <p:clrMapOvr>
+    <a:masterClrMapping/>
+  </p:clrMapOvr>
+</p:sld>
+</file>
+
+<file path=ppt/slides/slide19.xml><?xml version="1.0" encoding="utf-8"?>
+<p:sld xmlns:a="http://schemas.openxmlformats.org/drawingml/2006/main" xmlns:r="http://schemas.openxmlformats.org/officeDocument/2006/relationships" xmlns:p="http://schemas.openxmlformats.org/presentationml/2006/main">
+  <p:cSld>
+    <p:bg>
+      <p:bgPr>
+        <a:solidFill>
+          <a:schemeClr val="lt1"/>
+        </a:solidFill>
+        <a:effectLst/>
+      </p:bgPr>
+    </p:bg>
+    <p:spTree>
+      <p:nvGrpSpPr>
+        <p:cNvPr id="1" name="Shape 262"/>
+        <p:cNvGrpSpPr/>
+        <p:nvPr/>
+      </p:nvGrpSpPr>
+      <p:grpSpPr>
+        <a:xfrm>
+          <a:off x="0" y="0"/>
+          <a:ext cx="0" cy="0"/>
+          <a:chOff x="0" y="0"/>
+          <a:chExt cx="0" cy="0"/>
+        </a:xfrm>
+      </p:grpSpPr>
+      <p:sp>
+        <p:nvSpPr>
+          <p:cNvPr id="263" name="Google Shape;263;p30"/>
+          <p:cNvSpPr txBox="1">
+            <a:spLocks noGrp="1"/>
+          </p:cNvSpPr>
+          <p:nvPr>
+            <p:ph type="title"/>
+          </p:nvPr>
+        </p:nvSpPr>
+        <p:spPr>
+          <a:xfrm>
+            <a:off x="1008828" y="554816"/>
+            <a:ext cx="9720000" cy="1499700"/>
+          </a:xfrm>
+          <a:prstGeom prst="rect">
+            <a:avLst/>
+          </a:prstGeom>
+          <a:noFill/>
+          <a:ln>
+            <a:noFill/>
+          </a:ln>
+        </p:spPr>
+        <p:txBody>
+          <a:bodyPr spcFirstLastPara="1" wrap="square" lIns="91425" tIns="45700" rIns="91425" bIns="45700" anchor="ctr" anchorCtr="0">
+            <a:normAutofit/>
+          </a:bodyPr>
+          <a:lstStyle/>
+          <a:p>
+            <a:pPr marL="0" lvl="0" indent="0" algn="l" rtl="0">
+              <a:lnSpc>
+                <a:spcPct val="96000"/>
+              </a:lnSpc>
+              <a:spcBef>
+                <a:spcPts val="0"/>
+              </a:spcBef>
+              <a:spcAft>
+                <a:spcPts val="0"/>
+              </a:spcAft>
+              <a:buClr>
+                <a:schemeClr val="dk1"/>
+              </a:buClr>
+              <a:buSzPts val="1100"/>
+              <a:buFont typeface="Arial"/>
+              <a:buNone/>
+            </a:pPr>
+            <a:r>
+              <a:rPr lang="it-IT">
+                <a:solidFill>
+                  <a:schemeClr val="dk1"/>
+                </a:solidFill>
+              </a:rPr>
+              <a:t>La </a:t>
+            </a:r>
+            <a:r>
+              <a:rPr lang="it-IT">
+                <a:solidFill>
+                  <a:srgbClr val="1CADE4"/>
+                </a:solidFill>
+              </a:rPr>
+              <a:t>trasparenza algoritmica</a:t>
+            </a:r>
+            <a:endParaRPr>
+              <a:solidFill>
+                <a:schemeClr val="dk1"/>
+              </a:solidFill>
+            </a:endParaRPr>
+          </a:p>
+        </p:txBody>
+      </p:sp>
+      <p:sp>
+        <p:nvSpPr>
+          <p:cNvPr id="264" name="Google Shape;264;p30"/>
+          <p:cNvSpPr txBox="1"/>
+          <p:nvPr/>
+        </p:nvSpPr>
+        <p:spPr>
+          <a:xfrm>
+            <a:off x="9249075" y="4055950"/>
+            <a:ext cx="2972400" cy="523200"/>
+          </a:xfrm>
+          <a:prstGeom prst="rect">
+            <a:avLst/>
+          </a:prstGeom>
+          <a:noFill/>
+          <a:ln>
+            <a:noFill/>
+          </a:ln>
+        </p:spPr>
+        <p:txBody>
+          <a:bodyPr spcFirstLastPara="1" wrap="square" lIns="91425" tIns="91425" rIns="91425" bIns="91425" anchor="t" anchorCtr="0">
+            <a:spAutoFit/>
+          </a:bodyPr>
+          <a:lstStyle/>
+          <a:p>
+            <a:pPr marL="0" lvl="0" indent="0" algn="l" rtl="0">
+              <a:spcBef>
+                <a:spcPts val="0"/>
+              </a:spcBef>
+              <a:spcAft>
+                <a:spcPts val="0"/>
+              </a:spcAft>
+              <a:buNone/>
+            </a:pPr>
+            <a:endParaRPr sz="2200">
+              <a:solidFill>
+                <a:schemeClr val="dk1"/>
+              </a:solidFill>
+              <a:latin typeface="Twentieth Century"/>
+              <a:ea typeface="Twentieth Century"/>
+              <a:cs typeface="Twentieth Century"/>
+              <a:sym typeface="Twentieth Century"/>
+            </a:endParaRPr>
+          </a:p>
+        </p:txBody>
+      </p:sp>
+      <p:sp>
+        <p:nvSpPr>
+          <p:cNvPr id="265" name="Google Shape;265;p30"/>
+          <p:cNvSpPr txBox="1"/>
+          <p:nvPr/>
+        </p:nvSpPr>
+        <p:spPr>
+          <a:xfrm>
+            <a:off x="1105225" y="2219650"/>
+            <a:ext cx="9838500" cy="3810900"/>
+          </a:xfrm>
+          <a:prstGeom prst="rect">
+            <a:avLst/>
+          </a:prstGeom>
+          <a:noFill/>
+          <a:ln>
+            <a:noFill/>
+          </a:ln>
+        </p:spPr>
+        <p:txBody>
+          <a:bodyPr spcFirstLastPara="1" wrap="square" lIns="91425" tIns="91425" rIns="91425" bIns="91425" anchor="t" anchorCtr="0">
+            <a:noAutofit/>
+          </a:bodyPr>
+          <a:lstStyle/>
+          <a:p>
+            <a:pPr marL="457200" lvl="0" indent="-412750" algn="l" rtl="0">
+              <a:lnSpc>
+                <a:spcPct val="115000"/>
+              </a:lnSpc>
+              <a:spcBef>
+                <a:spcPts val="0"/>
+              </a:spcBef>
+              <a:spcAft>
+                <a:spcPts val="0"/>
+              </a:spcAft>
+              <a:buClr>
+                <a:schemeClr val="dk1"/>
+              </a:buClr>
+              <a:buSzPts val="2900"/>
+              <a:buFont typeface="Twentieth Century"/>
+              <a:buChar char="●"/>
+            </a:pPr>
+            <a:r>
+              <a:rPr lang="it-IT" sz="2900">
+                <a:solidFill>
+                  <a:schemeClr val="dk1"/>
+                </a:solidFill>
+                <a:highlight>
+                  <a:srgbClr val="FFFFFF"/>
+                </a:highlight>
+                <a:latin typeface="Twentieth Century"/>
+                <a:ea typeface="Twentieth Century"/>
+                <a:cs typeface="Twentieth Century"/>
+                <a:sym typeface="Twentieth Century"/>
+              </a:rPr>
+              <a:t>Feature Importance</a:t>
+            </a:r>
+            <a:endParaRPr sz="2900">
+              <a:solidFill>
+                <a:schemeClr val="dk1"/>
+              </a:solidFill>
+              <a:highlight>
+                <a:srgbClr val="FFFFFF"/>
+              </a:highlight>
+              <a:latin typeface="Twentieth Century"/>
+              <a:ea typeface="Twentieth Century"/>
+              <a:cs typeface="Twentieth Century"/>
+              <a:sym typeface="Twentieth Century"/>
+            </a:endParaRPr>
+          </a:p>
+          <a:p>
+            <a:pPr marL="457200" lvl="0" indent="-412750" algn="l" rtl="0">
+              <a:lnSpc>
+                <a:spcPct val="115000"/>
+              </a:lnSpc>
+              <a:spcBef>
+                <a:spcPts val="0"/>
+              </a:spcBef>
+              <a:spcAft>
+                <a:spcPts val="0"/>
+              </a:spcAft>
+              <a:buClr>
+                <a:schemeClr val="dk1"/>
+              </a:buClr>
+              <a:buSzPts val="2900"/>
+              <a:buFont typeface="Twentieth Century"/>
+              <a:buChar char="●"/>
+            </a:pPr>
+            <a:r>
+              <a:rPr lang="it-IT" sz="2900">
+                <a:solidFill>
+                  <a:schemeClr val="dk1"/>
+                </a:solidFill>
+                <a:highlight>
+                  <a:srgbClr val="FFFFFF"/>
+                </a:highlight>
+                <a:latin typeface="Twentieth Century"/>
+                <a:ea typeface="Twentieth Century"/>
+                <a:cs typeface="Twentieth Century"/>
+                <a:sym typeface="Twentieth Century"/>
+              </a:rPr>
+              <a:t>LIME (Local Interpretable Model-agnostic Explanations)</a:t>
+            </a:r>
+            <a:endParaRPr sz="2900">
+              <a:solidFill>
+                <a:schemeClr val="dk1"/>
+              </a:solidFill>
+              <a:highlight>
+                <a:srgbClr val="FFFFFF"/>
+              </a:highlight>
+              <a:latin typeface="Twentieth Century"/>
+              <a:ea typeface="Twentieth Century"/>
+              <a:cs typeface="Twentieth Century"/>
+              <a:sym typeface="Twentieth Century"/>
+            </a:endParaRPr>
+          </a:p>
+          <a:p>
+            <a:pPr marL="457200" lvl="0" indent="-412750" algn="l" rtl="0">
+              <a:lnSpc>
+                <a:spcPct val="115000"/>
+              </a:lnSpc>
+              <a:spcBef>
+                <a:spcPts val="0"/>
+              </a:spcBef>
+              <a:spcAft>
+                <a:spcPts val="0"/>
+              </a:spcAft>
+              <a:buClr>
+                <a:schemeClr val="dk1"/>
+              </a:buClr>
+              <a:buSzPts val="2900"/>
+              <a:buFont typeface="Twentieth Century"/>
+              <a:buChar char="●"/>
+            </a:pPr>
+            <a:r>
+              <a:rPr lang="it-IT" sz="2900">
+                <a:solidFill>
+                  <a:schemeClr val="dk1"/>
+                </a:solidFill>
+                <a:highlight>
+                  <a:srgbClr val="FFFFFF"/>
+                </a:highlight>
+                <a:latin typeface="Twentieth Century"/>
+                <a:ea typeface="Twentieth Century"/>
+                <a:cs typeface="Twentieth Century"/>
+                <a:sym typeface="Twentieth Century"/>
+              </a:rPr>
+              <a:t>Grafo di rappresentazione dei livelli</a:t>
+            </a:r>
+            <a:endParaRPr sz="2900">
+              <a:solidFill>
+                <a:schemeClr val="dk1"/>
+              </a:solidFill>
+              <a:highlight>
+                <a:schemeClr val="lt1"/>
+              </a:highlight>
+              <a:latin typeface="Twentieth Century"/>
+              <a:ea typeface="Twentieth Century"/>
+              <a:cs typeface="Twentieth Century"/>
+              <a:sym typeface="Twentieth Century"/>
+            </a:endParaRPr>
+          </a:p>
+        </p:txBody>
+      </p:sp>
     </p:spTree>
   </p:cSld>
   <p:clrMapOvr>
@@ -37131,319 +37521,6 @@
     </p:bg>
     <p:spTree>
       <p:nvGrpSpPr>
-        <p:cNvPr id="1" name="Shape 262"/>
-        <p:cNvGrpSpPr/>
-        <p:nvPr/>
-      </p:nvGrpSpPr>
-      <p:grpSpPr>
-        <a:xfrm>
-          <a:off x="0" y="0"/>
-          <a:ext cx="0" cy="0"/>
-          <a:chOff x="0" y="0"/>
-          <a:chExt cx="0" cy="0"/>
-        </a:xfrm>
-      </p:grpSpPr>
-      <p:sp>
-        <p:nvSpPr>
-          <p:cNvPr id="263" name="Google Shape;263;p30"/>
-          <p:cNvSpPr txBox="1">
-            <a:spLocks noGrp="1"/>
-          </p:cNvSpPr>
-          <p:nvPr>
-            <p:ph type="title"/>
-          </p:nvPr>
-        </p:nvSpPr>
-        <p:spPr>
-          <a:xfrm>
-            <a:off x="1008828" y="554816"/>
-            <a:ext cx="9720000" cy="1499700"/>
-          </a:xfrm>
-          <a:prstGeom prst="rect">
-            <a:avLst/>
-          </a:prstGeom>
-          <a:noFill/>
-          <a:ln>
-            <a:noFill/>
-          </a:ln>
-        </p:spPr>
-        <p:txBody>
-          <a:bodyPr spcFirstLastPara="1" wrap="square" lIns="91425" tIns="45700" rIns="91425" bIns="45700" anchor="ctr" anchorCtr="0">
-            <a:normAutofit/>
-          </a:bodyPr>
-          <a:lstStyle/>
-          <a:p>
-            <a:pPr marL="0" lvl="0" indent="0" algn="l" rtl="0">
-              <a:lnSpc>
-                <a:spcPct val="96000"/>
-              </a:lnSpc>
-              <a:spcBef>
-                <a:spcPts val="0"/>
-              </a:spcBef>
-              <a:spcAft>
-                <a:spcPts val="0"/>
-              </a:spcAft>
-              <a:buClr>
-                <a:schemeClr val="dk1"/>
-              </a:buClr>
-              <a:buSzPts val="1100"/>
-              <a:buFont typeface="Arial"/>
-              <a:buNone/>
-            </a:pPr>
-            <a:r>
-              <a:rPr lang="it-IT">
-                <a:solidFill>
-                  <a:schemeClr val="dk1"/>
-                </a:solidFill>
-              </a:rPr>
-              <a:t>La </a:t>
-            </a:r>
-            <a:r>
-              <a:rPr lang="it-IT">
-                <a:solidFill>
-                  <a:srgbClr val="1CADE4"/>
-                </a:solidFill>
-              </a:rPr>
-              <a:t>trasparenza algoritmica</a:t>
-            </a:r>
-            <a:endParaRPr>
-              <a:solidFill>
-                <a:schemeClr val="dk1"/>
-              </a:solidFill>
-            </a:endParaRPr>
-          </a:p>
-        </p:txBody>
-      </p:sp>
-      <p:sp>
-        <p:nvSpPr>
-          <p:cNvPr id="264" name="Google Shape;264;p30"/>
-          <p:cNvSpPr txBox="1"/>
-          <p:nvPr/>
-        </p:nvSpPr>
-        <p:spPr>
-          <a:xfrm>
-            <a:off x="9249075" y="4055950"/>
-            <a:ext cx="2972400" cy="523200"/>
-          </a:xfrm>
-          <a:prstGeom prst="rect">
-            <a:avLst/>
-          </a:prstGeom>
-          <a:noFill/>
-          <a:ln>
-            <a:noFill/>
-          </a:ln>
-        </p:spPr>
-        <p:txBody>
-          <a:bodyPr spcFirstLastPara="1" wrap="square" lIns="91425" tIns="91425" rIns="91425" bIns="91425" anchor="t" anchorCtr="0">
-            <a:spAutoFit/>
-          </a:bodyPr>
-          <a:lstStyle/>
-          <a:p>
-            <a:pPr marL="0" lvl="0" indent="0" algn="l" rtl="0">
-              <a:spcBef>
-                <a:spcPts val="0"/>
-              </a:spcBef>
-              <a:spcAft>
-                <a:spcPts val="0"/>
-              </a:spcAft>
-              <a:buNone/>
-            </a:pPr>
-            <a:endParaRPr sz="2200">
-              <a:solidFill>
-                <a:schemeClr val="dk1"/>
-              </a:solidFill>
-              <a:latin typeface="Twentieth Century"/>
-              <a:ea typeface="Twentieth Century"/>
-              <a:cs typeface="Twentieth Century"/>
-              <a:sym typeface="Twentieth Century"/>
-            </a:endParaRPr>
-          </a:p>
-        </p:txBody>
-      </p:sp>
-      <p:sp>
-        <p:nvSpPr>
-          <p:cNvPr id="265" name="Google Shape;265;p30"/>
-          <p:cNvSpPr txBox="1"/>
-          <p:nvPr/>
-        </p:nvSpPr>
-        <p:spPr>
-          <a:xfrm>
-            <a:off x="1105225" y="2219650"/>
-            <a:ext cx="9838500" cy="3810900"/>
-          </a:xfrm>
-          <a:prstGeom prst="rect">
-            <a:avLst/>
-          </a:prstGeom>
-          <a:noFill/>
-          <a:ln>
-            <a:noFill/>
-          </a:ln>
-        </p:spPr>
-        <p:txBody>
-          <a:bodyPr spcFirstLastPara="1" wrap="square" lIns="91425" tIns="91425" rIns="91425" bIns="91425" anchor="t" anchorCtr="0">
-            <a:noAutofit/>
-          </a:bodyPr>
-          <a:lstStyle/>
-          <a:p>
-            <a:pPr marL="457200" lvl="0" indent="-412750" algn="l" rtl="0">
-              <a:lnSpc>
-                <a:spcPct val="115000"/>
-              </a:lnSpc>
-              <a:spcBef>
-                <a:spcPts val="0"/>
-              </a:spcBef>
-              <a:spcAft>
-                <a:spcPts val="0"/>
-              </a:spcAft>
-              <a:buClr>
-                <a:schemeClr val="dk1"/>
-              </a:buClr>
-              <a:buSzPts val="2900"/>
-              <a:buFont typeface="Twentieth Century"/>
-              <a:buChar char="●"/>
-            </a:pPr>
-            <a:r>
-              <a:rPr lang="it-IT" sz="2900">
-                <a:solidFill>
-                  <a:schemeClr val="dk1"/>
-                </a:solidFill>
-                <a:highlight>
-                  <a:srgbClr val="FFFFFF"/>
-                </a:highlight>
-                <a:latin typeface="Twentieth Century"/>
-                <a:ea typeface="Twentieth Century"/>
-                <a:cs typeface="Twentieth Century"/>
-                <a:sym typeface="Twentieth Century"/>
-              </a:rPr>
-              <a:t>Feature Importance</a:t>
-            </a:r>
-            <a:endParaRPr sz="2900">
-              <a:solidFill>
-                <a:schemeClr val="dk1"/>
-              </a:solidFill>
-              <a:highlight>
-                <a:srgbClr val="FFFFFF"/>
-              </a:highlight>
-              <a:latin typeface="Twentieth Century"/>
-              <a:ea typeface="Twentieth Century"/>
-              <a:cs typeface="Twentieth Century"/>
-              <a:sym typeface="Twentieth Century"/>
-            </a:endParaRPr>
-          </a:p>
-          <a:p>
-            <a:pPr marL="457200" lvl="0" indent="-412750" algn="l" rtl="0">
-              <a:lnSpc>
-                <a:spcPct val="115000"/>
-              </a:lnSpc>
-              <a:spcBef>
-                <a:spcPts val="0"/>
-              </a:spcBef>
-              <a:spcAft>
-                <a:spcPts val="0"/>
-              </a:spcAft>
-              <a:buClr>
-                <a:schemeClr val="dk1"/>
-              </a:buClr>
-              <a:buSzPts val="2900"/>
-              <a:buFont typeface="Twentieth Century"/>
-              <a:buChar char="●"/>
-            </a:pPr>
-            <a:r>
-              <a:rPr lang="it-IT" sz="2900">
-                <a:solidFill>
-                  <a:schemeClr val="dk1"/>
-                </a:solidFill>
-                <a:highlight>
-                  <a:srgbClr val="FFFFFF"/>
-                </a:highlight>
-                <a:latin typeface="Twentieth Century"/>
-                <a:ea typeface="Twentieth Century"/>
-                <a:cs typeface="Twentieth Century"/>
-                <a:sym typeface="Twentieth Century"/>
-              </a:rPr>
-              <a:t>LIME (Local Interpretable Model-agnostic Explanations)</a:t>
-            </a:r>
-            <a:endParaRPr sz="2900">
-              <a:solidFill>
-                <a:schemeClr val="dk1"/>
-              </a:solidFill>
-              <a:highlight>
-                <a:srgbClr val="FFFFFF"/>
-              </a:highlight>
-              <a:latin typeface="Twentieth Century"/>
-              <a:ea typeface="Twentieth Century"/>
-              <a:cs typeface="Twentieth Century"/>
-              <a:sym typeface="Twentieth Century"/>
-            </a:endParaRPr>
-          </a:p>
-          <a:p>
-            <a:pPr marL="457200" lvl="0" indent="-412750" algn="l" rtl="0">
-              <a:lnSpc>
-                <a:spcPct val="115000"/>
-              </a:lnSpc>
-              <a:spcBef>
-                <a:spcPts val="0"/>
-              </a:spcBef>
-              <a:spcAft>
-                <a:spcPts val="0"/>
-              </a:spcAft>
-              <a:buClr>
-                <a:schemeClr val="dk1"/>
-              </a:buClr>
-              <a:buSzPts val="2900"/>
-              <a:buFont typeface="Twentieth Century"/>
-              <a:buChar char="●"/>
-            </a:pPr>
-            <a:r>
-              <a:rPr lang="it-IT" sz="2900">
-                <a:solidFill>
-                  <a:schemeClr val="dk1"/>
-                </a:solidFill>
-                <a:highlight>
-                  <a:srgbClr val="FFFFFF"/>
-                </a:highlight>
-                <a:latin typeface="Twentieth Century"/>
-                <a:ea typeface="Twentieth Century"/>
-                <a:cs typeface="Twentieth Century"/>
-                <a:sym typeface="Twentieth Century"/>
-              </a:rPr>
-              <a:t>Grafo di rappresentazione dei livelli</a:t>
-            </a:r>
-            <a:endParaRPr sz="2900">
-              <a:solidFill>
-                <a:schemeClr val="dk1"/>
-              </a:solidFill>
-              <a:highlight>
-                <a:schemeClr val="lt1"/>
-              </a:highlight>
-              <a:latin typeface="Twentieth Century"/>
-              <a:ea typeface="Twentieth Century"/>
-              <a:cs typeface="Twentieth Century"/>
-              <a:sym typeface="Twentieth Century"/>
-            </a:endParaRPr>
-          </a:p>
-        </p:txBody>
-      </p:sp>
-    </p:spTree>
-  </p:cSld>
-  <p:clrMapOvr>
-    <a:masterClrMapping/>
-  </p:clrMapOvr>
-</p:sld>
-</file>
-
-<file path=ppt/slides/slide21.xml><?xml version="1.0" encoding="utf-8"?>
-<p:sld xmlns:a="http://schemas.openxmlformats.org/drawingml/2006/main" xmlns:r="http://schemas.openxmlformats.org/officeDocument/2006/relationships" xmlns:p="http://schemas.openxmlformats.org/presentationml/2006/main">
-  <p:cSld>
-    <p:bg>
-      <p:bgPr>
-        <a:solidFill>
-          <a:schemeClr val="lt1"/>
-        </a:solidFill>
-        <a:effectLst/>
-      </p:bgPr>
-    </p:bg>
-    <p:spTree>
-      <p:nvGrpSpPr>
         <p:cNvPr id="1" name="Shape 270"/>
         <p:cNvGrpSpPr/>
         <p:nvPr/>
@@ -37600,7 +37677,7 @@
 </p:sld>
 </file>
 
-<file path=ppt/slides/slide22.xml><?xml version="1.0" encoding="utf-8"?>
+<file path=ppt/slides/slide21.xml><?xml version="1.0" encoding="utf-8"?>
 <p:sld xmlns:a="http://schemas.openxmlformats.org/drawingml/2006/main" xmlns:r="http://schemas.openxmlformats.org/officeDocument/2006/relationships" xmlns:p="http://schemas.openxmlformats.org/presentationml/2006/main">
   <p:cSld>
     <p:bg>
@@ -37772,7 +37849,7 @@
 </p:sld>
 </file>
 
-<file path=ppt/slides/slide23.xml><?xml version="1.0" encoding="utf-8"?>
+<file path=ppt/slides/slide22.xml><?xml version="1.0" encoding="utf-8"?>
 <p:sld xmlns:a="http://schemas.openxmlformats.org/drawingml/2006/main" xmlns:r="http://schemas.openxmlformats.org/officeDocument/2006/relationships" xmlns:p="http://schemas.openxmlformats.org/presentationml/2006/main">
   <p:cSld>
     <p:bg>
@@ -38041,7 +38118,7 @@
 </p:sld>
 </file>
 
-<file path=ppt/slides/slide24.xml><?xml version="1.0" encoding="utf-8"?>
+<file path=ppt/slides/slide23.xml><?xml version="1.0" encoding="utf-8"?>
 <p:sld xmlns:a="http://schemas.openxmlformats.org/drawingml/2006/main" xmlns:r="http://schemas.openxmlformats.org/officeDocument/2006/relationships" xmlns:p="http://schemas.openxmlformats.org/presentationml/2006/main">
   <p:cSld>
     <p:bg>
@@ -38210,7 +38287,7 @@
 </p:sld>
 </file>
 
-<file path=ppt/slides/slide25.xml><?xml version="1.0" encoding="utf-8"?>
+<file path=ppt/slides/slide24.xml><?xml version="1.0" encoding="utf-8"?>
 <p:sld xmlns:a="http://schemas.openxmlformats.org/drawingml/2006/main" xmlns:r="http://schemas.openxmlformats.org/officeDocument/2006/relationships" xmlns:p="http://schemas.openxmlformats.org/presentationml/2006/main">
   <p:cSld>
     <p:bg>
@@ -38753,7 +38830,7 @@
 </p:sld>
 </file>
 
-<file path=ppt/slides/slide26.xml><?xml version="1.0" encoding="utf-8"?>
+<file path=ppt/slides/slide25.xml><?xml version="1.0" encoding="utf-8"?>
 <p:sld xmlns:a="http://schemas.openxmlformats.org/drawingml/2006/main" xmlns:r="http://schemas.openxmlformats.org/officeDocument/2006/relationships" xmlns:p="http://schemas.openxmlformats.org/presentationml/2006/main">
   <p:cSld>
     <p:bg>
